--- a/Slides/Module 12 - Business Rules.pptx
+++ b/Slides/Module 12 - Business Rules.pptx
@@ -3,40 +3,41 @@
 <p:presentation xmlns:a="http://schemas.openxmlformats.org/drawingml/2006/main" xmlns:r="http://schemas.openxmlformats.org/officeDocument/2006/relationships" xmlns:p="http://schemas.openxmlformats.org/presentationml/2006/main" saveSubsetFonts="1">
   <p:sldMasterIdLst>
     <p:sldMasterId id="2147483862" r:id="rId2"/>
+    <p:sldMasterId id="2147483874" r:id="rId3"/>
   </p:sldMasterIdLst>
   <p:notesMasterIdLst>
-    <p:notesMasterId r:id="rId29"/>
+    <p:notesMasterId r:id="rId30"/>
   </p:notesMasterIdLst>
   <p:handoutMasterIdLst>
-    <p:handoutMasterId r:id="rId30"/>
+    <p:handoutMasterId r:id="rId31"/>
   </p:handoutMasterIdLst>
   <p:sldIdLst>
-    <p:sldId id="268" r:id="rId3"/>
-    <p:sldId id="364" r:id="rId4"/>
-    <p:sldId id="279" r:id="rId5"/>
-    <p:sldId id="370" r:id="rId6"/>
-    <p:sldId id="374" r:id="rId7"/>
-    <p:sldId id="371" r:id="rId8"/>
-    <p:sldId id="372" r:id="rId9"/>
-    <p:sldId id="373" r:id="rId10"/>
-    <p:sldId id="375" r:id="rId11"/>
-    <p:sldId id="384" r:id="rId12"/>
-    <p:sldId id="376" r:id="rId13"/>
-    <p:sldId id="385" r:id="rId14"/>
-    <p:sldId id="377" r:id="rId15"/>
-    <p:sldId id="339" r:id="rId16"/>
-    <p:sldId id="381" r:id="rId17"/>
-    <p:sldId id="367" r:id="rId18"/>
-    <p:sldId id="368" r:id="rId19"/>
-    <p:sldId id="382" r:id="rId20"/>
-    <p:sldId id="383" r:id="rId21"/>
-    <p:sldId id="369" r:id="rId22"/>
-    <p:sldId id="379" r:id="rId23"/>
-    <p:sldId id="380" r:id="rId24"/>
-    <p:sldId id="386" r:id="rId25"/>
-    <p:sldId id="387" r:id="rId26"/>
-    <p:sldId id="388" r:id="rId27"/>
-    <p:sldId id="389" r:id="rId28"/>
+    <p:sldId id="268" r:id="rId4"/>
+    <p:sldId id="364" r:id="rId5"/>
+    <p:sldId id="279" r:id="rId6"/>
+    <p:sldId id="370" r:id="rId7"/>
+    <p:sldId id="374" r:id="rId8"/>
+    <p:sldId id="371" r:id="rId9"/>
+    <p:sldId id="372" r:id="rId10"/>
+    <p:sldId id="373" r:id="rId11"/>
+    <p:sldId id="375" r:id="rId12"/>
+    <p:sldId id="384" r:id="rId13"/>
+    <p:sldId id="376" r:id="rId14"/>
+    <p:sldId id="385" r:id="rId15"/>
+    <p:sldId id="377" r:id="rId16"/>
+    <p:sldId id="339" r:id="rId17"/>
+    <p:sldId id="381" r:id="rId18"/>
+    <p:sldId id="367" r:id="rId19"/>
+    <p:sldId id="368" r:id="rId20"/>
+    <p:sldId id="382" r:id="rId21"/>
+    <p:sldId id="383" r:id="rId22"/>
+    <p:sldId id="369" r:id="rId23"/>
+    <p:sldId id="379" r:id="rId24"/>
+    <p:sldId id="380" r:id="rId25"/>
+    <p:sldId id="386" r:id="rId26"/>
+    <p:sldId id="387" r:id="rId27"/>
+    <p:sldId id="388" r:id="rId28"/>
+    <p:sldId id="389" r:id="rId29"/>
   </p:sldIdLst>
   <p:sldSz cx="9144000" cy="6858000" type="screen4x3"/>
   <p:notesSz cx="6858000" cy="9144000"/>
@@ -8169,8 +8170,8 @@
     <dgm:cxn modelId="{4F745B43-7357-4769-B38E-D1A5714AA2D5}" srcId="{CC50D243-2C53-433D-83B5-11E46DF35305}" destId="{543C4D73-2BD9-4FD3-B225-BA927636A30E}" srcOrd="2" destOrd="0" parTransId="{E47569A2-16AA-4A1C-9D7E-B3E3CF00892E}" sibTransId="{5A7BC45B-A5C9-443C-B2F8-8D3AD5A77B12}"/>
     <dgm:cxn modelId="{DB89FE6D-B353-4B7B-B918-0CCEFC82AFC4}" type="presOf" srcId="{48D294A6-4B7E-4C0F-98AE-E649F44D7A31}" destId="{B2E8BDA2-7497-48D7-82A9-BA15BF6459D6}" srcOrd="0" destOrd="0" presId="urn:microsoft.com/office/officeart/2005/8/layout/vList5"/>
     <dgm:cxn modelId="{4753D5B9-39F6-441D-84AF-B5EE76FD1A6E}" srcId="{28F8D379-8B78-4F75-9B33-605DB1D0BA3E}" destId="{5D54E867-2EE5-4E6E-ADF3-70FD46C29A9E}" srcOrd="0" destOrd="0" parTransId="{434BEC62-34DF-436A-A268-E80CDC1A6181}" sibTransId="{F7350657-FB02-42D2-BC7F-7337ACD37322}"/>
+    <dgm:cxn modelId="{5E7C5540-98C7-48C3-BC85-FA2548CA021F}" type="presOf" srcId="{543C4D73-2BD9-4FD3-B225-BA927636A30E}" destId="{839A0C55-6F4F-487B-ABCB-7E5C2EC4A22A}" srcOrd="0" destOrd="0" presId="urn:microsoft.com/office/officeart/2005/8/layout/vList5"/>
     <dgm:cxn modelId="{CCB0380F-565A-436D-B2FA-158E9727818A}" type="presOf" srcId="{5D54E867-2EE5-4E6E-ADF3-70FD46C29A9E}" destId="{97A5505E-23ED-47A6-8FD4-A49DECDD05D3}" srcOrd="0" destOrd="0" presId="urn:microsoft.com/office/officeart/2005/8/layout/vList5"/>
-    <dgm:cxn modelId="{5E7C5540-98C7-48C3-BC85-FA2548CA021F}" type="presOf" srcId="{543C4D73-2BD9-4FD3-B225-BA927636A30E}" destId="{839A0C55-6F4F-487B-ABCB-7E5C2EC4A22A}" srcOrd="0" destOrd="0" presId="urn:microsoft.com/office/officeart/2005/8/layout/vList5"/>
     <dgm:cxn modelId="{C9C69FBF-E759-4BEA-B6EE-E1092FFDD386}" type="presOf" srcId="{28F8D379-8B78-4F75-9B33-605DB1D0BA3E}" destId="{11908AA2-17DB-48BB-B152-062C361AC5C4}" srcOrd="0" destOrd="0" presId="urn:microsoft.com/office/officeart/2005/8/layout/vList5"/>
     <dgm:cxn modelId="{191A25D5-0D16-4EF2-85C7-3ACDBFE2D48B}" srcId="{CC50D243-2C53-433D-83B5-11E46DF35305}" destId="{48D294A6-4B7E-4C0F-98AE-E649F44D7A31}" srcOrd="1" destOrd="0" parTransId="{74C74D6C-619B-489D-9C64-CF9B02E11778}" sibTransId="{94E2B152-3463-4111-8929-7D5836B03086}"/>
     <dgm:cxn modelId="{83DCBB00-7B27-4582-95DA-E0493F4EA896}" srcId="{543C4D73-2BD9-4FD3-B225-BA927636A30E}" destId="{918E5147-95D9-4A10-A481-3DD7B72ACD27}" srcOrd="0" destOrd="0" parTransId="{0FADB9FF-E2C5-4236-8645-1FC0C8202671}" sibTransId="{10E0F58B-C1E3-4F9D-9352-03EE3526194B}"/>
@@ -9753,8 +9754,8 @@
       </dsp:nvSpPr>
       <dsp:spPr>
         <a:xfrm rot="5400000">
-          <a:off x="4100368" y="-2263032"/>
-          <a:ext cx="416861" cy="5047488"/>
+          <a:off x="4343038" y="-2396976"/>
+          <a:ext cx="441499" cy="5346192"/>
         </a:xfrm>
         <a:prstGeom prst="round2SameRect">
           <a:avLst/>
@@ -9763,36 +9764,41 @@
           <a:gsLst>
             <a:gs pos="0">
               <a:schemeClr val="accent5">
-                <a:lumMod val="110000"/>
-                <a:satMod val="105000"/>
-                <a:tint val="67000"/>
+                <a:tint val="50000"/>
+                <a:satMod val="300000"/>
               </a:schemeClr>
             </a:gs>
-            <a:gs pos="50000">
+            <a:gs pos="35000">
               <a:schemeClr val="accent5">
-                <a:lumMod val="105000"/>
-                <a:satMod val="103000"/>
-                <a:tint val="73000"/>
+                <a:tint val="37000"/>
+                <a:satMod val="300000"/>
               </a:schemeClr>
             </a:gs>
             <a:gs pos="100000">
               <a:schemeClr val="accent5">
-                <a:lumMod val="105000"/>
-                <a:satMod val="109000"/>
-                <a:tint val="81000"/>
+                <a:tint val="15000"/>
+                <a:satMod val="350000"/>
               </a:schemeClr>
             </a:gs>
           </a:gsLst>
-          <a:lin ang="5400000" scaled="0"/>
+          <a:lin ang="16200000" scaled="1"/>
         </a:gradFill>
-        <a:ln w="6350" cap="flat" cmpd="sng" algn="ctr">
+        <a:ln w="9525" cap="flat" cmpd="sng" algn="ctr">
           <a:solidFill>
-            <a:schemeClr val="accent5"/>
+            <a:schemeClr val="accent5">
+              <a:shade val="95000"/>
+              <a:satMod val="105000"/>
+            </a:schemeClr>
           </a:solidFill>
           <a:prstDash val="solid"/>
-          <a:miter lim="800000"/>
         </a:ln>
-        <a:effectLst/>
+        <a:effectLst>
+          <a:outerShdw blurRad="40000" dist="20000" dir="5400000" rotWithShape="0">
+            <a:srgbClr val="000000">
+              <a:alpha val="38000"/>
+            </a:srgbClr>
+          </a:outerShdw>
+        </a:effectLst>
         <a:scene3d>
           <a:camera prst="orthographicFront"/>
           <a:lightRig rig="flat" dir="t"/>
@@ -9814,12 +9820,12 @@
         </a:fontRef>
       </dsp:style>
       <dsp:txBody>
-        <a:bodyPr spcFirstLastPara="0" vert="horz" wrap="square" lIns="72390" tIns="36195" rIns="72390" bIns="36195" numCol="1" spcCol="1270" anchor="ctr" anchorCtr="0">
+        <a:bodyPr spcFirstLastPara="0" vert="horz" wrap="square" lIns="68580" tIns="34290" rIns="68580" bIns="34290" numCol="1" spcCol="1270" anchor="ctr" anchorCtr="0">
           <a:noAutofit/>
         </a:bodyPr>
         <a:lstStyle/>
         <a:p>
-          <a:pPr marL="171450" lvl="1" indent="-171450" algn="l" defTabSz="844550" rtl="0">
+          <a:pPr marL="171450" lvl="1" indent="-171450" algn="l" defTabSz="800100" rtl="0">
             <a:lnSpc>
               <a:spcPct val="90000"/>
             </a:lnSpc>
@@ -9832,14 +9838,14 @@
             <a:buChar char="•"/>
           </a:pPr>
           <a:r>
-            <a:rPr lang="en-US" sz="1900" kern="1200" dirty="0"/>
+            <a:rPr lang="en-US" sz="1800" kern="1200" dirty="0"/>
             <a:t>Plan how to incorporate rules</a:t>
           </a:r>
         </a:p>
       </dsp:txBody>
       <dsp:txXfrm rot="-5400000">
-        <a:off x="1785055" y="72630"/>
-        <a:ext cx="5027139" cy="376163"/>
+        <a:off x="1890692" y="76922"/>
+        <a:ext cx="5324640" cy="398395"/>
       </dsp:txXfrm>
     </dsp:sp>
     <dsp:sp modelId="{11908AA2-17DB-48BB-B152-062C361AC5C4}">
@@ -9849,8 +9855,8 @@
       </dsp:nvSpPr>
       <dsp:spPr>
         <a:xfrm>
-          <a:off x="1054156" y="172"/>
-          <a:ext cx="730898" cy="521076"/>
+          <a:off x="1116540" y="182"/>
+          <a:ext cx="774151" cy="551873"/>
         </a:xfrm>
         <a:prstGeom prst="roundRect">
           <a:avLst/>
@@ -9859,36 +9865,41 @@
           <a:gsLst>
             <a:gs pos="0">
               <a:schemeClr val="accent1">
-                <a:lumMod val="110000"/>
-                <a:satMod val="105000"/>
-                <a:tint val="67000"/>
+                <a:tint val="50000"/>
+                <a:satMod val="300000"/>
               </a:schemeClr>
             </a:gs>
-            <a:gs pos="50000">
+            <a:gs pos="35000">
               <a:schemeClr val="accent1">
-                <a:lumMod val="105000"/>
-                <a:satMod val="103000"/>
-                <a:tint val="73000"/>
+                <a:tint val="37000"/>
+                <a:satMod val="300000"/>
               </a:schemeClr>
             </a:gs>
             <a:gs pos="100000">
               <a:schemeClr val="accent1">
-                <a:lumMod val="105000"/>
-                <a:satMod val="109000"/>
-                <a:tint val="81000"/>
+                <a:tint val="15000"/>
+                <a:satMod val="350000"/>
               </a:schemeClr>
             </a:gs>
           </a:gsLst>
-          <a:lin ang="5400000" scaled="0"/>
+          <a:lin ang="16200000" scaled="1"/>
         </a:gradFill>
-        <a:ln w="6350" cap="flat" cmpd="sng" algn="ctr">
+        <a:ln w="9525" cap="flat" cmpd="sng" algn="ctr">
           <a:solidFill>
-            <a:schemeClr val="accent1"/>
+            <a:schemeClr val="accent1">
+              <a:shade val="95000"/>
+              <a:satMod val="105000"/>
+            </a:schemeClr>
           </a:solidFill>
           <a:prstDash val="solid"/>
-          <a:miter lim="800000"/>
         </a:ln>
-        <a:effectLst/>
+        <a:effectLst>
+          <a:outerShdw blurRad="40000" dist="20000" dir="5400000" rotWithShape="0">
+            <a:srgbClr val="000000">
+              <a:alpha val="38000"/>
+            </a:srgbClr>
+          </a:outerShdw>
+        </a:effectLst>
         <a:scene3d>
           <a:camera prst="orthographicFront"/>
           <a:lightRig rig="flat" dir="t"/>
@@ -9910,12 +9921,12 @@
         </a:fontRef>
       </dsp:style>
       <dsp:txBody>
-        <a:bodyPr spcFirstLastPara="0" vert="horz" wrap="square" lIns="99060" tIns="49530" rIns="99060" bIns="49530" numCol="1" spcCol="1270" anchor="ctr" anchorCtr="0">
+        <a:bodyPr spcFirstLastPara="0" vert="horz" wrap="square" lIns="110490" tIns="55245" rIns="110490" bIns="55245" numCol="1" spcCol="1270" anchor="ctr" anchorCtr="0">
           <a:noAutofit/>
         </a:bodyPr>
         <a:lstStyle/>
         <a:p>
-          <a:pPr marL="0" lvl="0" indent="0" algn="ctr" defTabSz="1155700" rtl="0">
+          <a:pPr marL="0" lvl="0" indent="0" algn="ctr" defTabSz="1289050" rtl="0">
             <a:lnSpc>
               <a:spcPct val="90000"/>
             </a:lnSpc>
@@ -9928,14 +9939,14 @@
             <a:buNone/>
           </a:pPr>
           <a:r>
-            <a:rPr lang="en-US" sz="2600" kern="1200" dirty="0"/>
+            <a:rPr lang="en-US" sz="2900" kern="1200" dirty="0"/>
             <a:t>1</a:t>
           </a:r>
         </a:p>
       </dsp:txBody>
       <dsp:txXfrm>
-        <a:off x="1079593" y="25609"/>
-        <a:ext cx="680024" cy="470202"/>
+        <a:off x="1143480" y="27122"/>
+        <a:ext cx="720271" cy="497993"/>
       </dsp:txXfrm>
     </dsp:sp>
     <dsp:sp modelId="{CC005D75-9949-46F5-816A-84FDF35D1A84}">
@@ -9945,8 +9956,8 @@
       </dsp:nvSpPr>
       <dsp:spPr>
         <a:xfrm rot="5400000">
-          <a:off x="4100368" y="-1715902"/>
-          <a:ext cx="416861" cy="5047488"/>
+          <a:off x="4343038" y="-1817508"/>
+          <a:ext cx="441499" cy="5346192"/>
         </a:xfrm>
         <a:prstGeom prst="round2SameRect">
           <a:avLst/>
@@ -9955,36 +9966,41 @@
           <a:gsLst>
             <a:gs pos="0">
               <a:schemeClr val="accent5">
-                <a:lumMod val="110000"/>
-                <a:satMod val="105000"/>
-                <a:tint val="67000"/>
+                <a:tint val="50000"/>
+                <a:satMod val="300000"/>
               </a:schemeClr>
             </a:gs>
-            <a:gs pos="50000">
+            <a:gs pos="35000">
               <a:schemeClr val="accent5">
-                <a:lumMod val="105000"/>
-                <a:satMod val="103000"/>
-                <a:tint val="73000"/>
+                <a:tint val="37000"/>
+                <a:satMod val="300000"/>
               </a:schemeClr>
             </a:gs>
             <a:gs pos="100000">
               <a:schemeClr val="accent5">
-                <a:lumMod val="105000"/>
-                <a:satMod val="109000"/>
-                <a:tint val="81000"/>
+                <a:tint val="15000"/>
+                <a:satMod val="350000"/>
               </a:schemeClr>
             </a:gs>
           </a:gsLst>
-          <a:lin ang="5400000" scaled="0"/>
+          <a:lin ang="16200000" scaled="1"/>
         </a:gradFill>
-        <a:ln w="6350" cap="flat" cmpd="sng" algn="ctr">
+        <a:ln w="9525" cap="flat" cmpd="sng" algn="ctr">
           <a:solidFill>
-            <a:schemeClr val="accent5"/>
+            <a:schemeClr val="accent5">
+              <a:shade val="95000"/>
+              <a:satMod val="105000"/>
+            </a:schemeClr>
           </a:solidFill>
           <a:prstDash val="solid"/>
-          <a:miter lim="800000"/>
         </a:ln>
-        <a:effectLst/>
+        <a:effectLst>
+          <a:outerShdw blurRad="40000" dist="20000" dir="5400000" rotWithShape="0">
+            <a:srgbClr val="000000">
+              <a:alpha val="38000"/>
+            </a:srgbClr>
+          </a:outerShdw>
+        </a:effectLst>
         <a:scene3d>
           <a:camera prst="orthographicFront"/>
           <a:lightRig rig="flat" dir="t"/>
@@ -10006,12 +10022,12 @@
         </a:fontRef>
       </dsp:style>
       <dsp:txBody>
-        <a:bodyPr spcFirstLastPara="0" vert="horz" wrap="square" lIns="72390" tIns="36195" rIns="72390" bIns="36195" numCol="1" spcCol="1270" anchor="ctr" anchorCtr="0">
+        <a:bodyPr spcFirstLastPara="0" vert="horz" wrap="square" lIns="68580" tIns="34290" rIns="68580" bIns="34290" numCol="1" spcCol="1270" anchor="ctr" anchorCtr="0">
           <a:noAutofit/>
         </a:bodyPr>
         <a:lstStyle/>
         <a:p>
-          <a:pPr marL="171450" lvl="1" indent="-171450" algn="l" defTabSz="844550" rtl="0">
+          <a:pPr marL="171450" lvl="1" indent="-171450" algn="l" defTabSz="800100" rtl="0">
             <a:lnSpc>
               <a:spcPct val="90000"/>
             </a:lnSpc>
@@ -10024,14 +10040,14 @@
             <a:buChar char="•"/>
           </a:pPr>
           <a:r>
-            <a:rPr lang="en-US" sz="1900" kern="1200" dirty="0"/>
+            <a:rPr lang="en-US" sz="1800" kern="1200" dirty="0"/>
             <a:t>Analyze business logic</a:t>
           </a:r>
         </a:p>
       </dsp:txBody>
       <dsp:txXfrm rot="-5400000">
-        <a:off x="1785055" y="619760"/>
-        <a:ext cx="5027139" cy="376163"/>
+        <a:off x="1890692" y="656390"/>
+        <a:ext cx="5324640" cy="398395"/>
       </dsp:txXfrm>
     </dsp:sp>
     <dsp:sp modelId="{B2E8BDA2-7497-48D7-82A9-BA15BF6459D6}">
@@ -10041,8 +10057,8 @@
       </dsp:nvSpPr>
       <dsp:spPr>
         <a:xfrm>
-          <a:off x="1054156" y="547303"/>
-          <a:ext cx="730898" cy="521076"/>
+          <a:off x="1116540" y="579650"/>
+          <a:ext cx="774151" cy="551873"/>
         </a:xfrm>
         <a:prstGeom prst="roundRect">
           <a:avLst/>
@@ -10051,36 +10067,41 @@
           <a:gsLst>
             <a:gs pos="0">
               <a:schemeClr val="accent1">
-                <a:lumMod val="110000"/>
-                <a:satMod val="105000"/>
-                <a:tint val="67000"/>
+                <a:tint val="50000"/>
+                <a:satMod val="300000"/>
               </a:schemeClr>
             </a:gs>
-            <a:gs pos="50000">
+            <a:gs pos="35000">
               <a:schemeClr val="accent1">
-                <a:lumMod val="105000"/>
-                <a:satMod val="103000"/>
-                <a:tint val="73000"/>
+                <a:tint val="37000"/>
+                <a:satMod val="300000"/>
               </a:schemeClr>
             </a:gs>
             <a:gs pos="100000">
               <a:schemeClr val="accent1">
-                <a:lumMod val="105000"/>
-                <a:satMod val="109000"/>
-                <a:tint val="81000"/>
+                <a:tint val="15000"/>
+                <a:satMod val="350000"/>
               </a:schemeClr>
             </a:gs>
           </a:gsLst>
-          <a:lin ang="5400000" scaled="0"/>
+          <a:lin ang="16200000" scaled="1"/>
         </a:gradFill>
-        <a:ln w="6350" cap="flat" cmpd="sng" algn="ctr">
+        <a:ln w="9525" cap="flat" cmpd="sng" algn="ctr">
           <a:solidFill>
-            <a:schemeClr val="accent1"/>
+            <a:schemeClr val="accent1">
+              <a:shade val="95000"/>
+              <a:satMod val="105000"/>
+            </a:schemeClr>
           </a:solidFill>
           <a:prstDash val="solid"/>
-          <a:miter lim="800000"/>
         </a:ln>
-        <a:effectLst/>
+        <a:effectLst>
+          <a:outerShdw blurRad="40000" dist="20000" dir="5400000" rotWithShape="0">
+            <a:srgbClr val="000000">
+              <a:alpha val="38000"/>
+            </a:srgbClr>
+          </a:outerShdw>
+        </a:effectLst>
         <a:scene3d>
           <a:camera prst="orthographicFront"/>
           <a:lightRig rig="flat" dir="t"/>
@@ -10102,12 +10123,12 @@
         </a:fontRef>
       </dsp:style>
       <dsp:txBody>
-        <a:bodyPr spcFirstLastPara="0" vert="horz" wrap="square" lIns="99060" tIns="49530" rIns="99060" bIns="49530" numCol="1" spcCol="1270" anchor="ctr" anchorCtr="0">
+        <a:bodyPr spcFirstLastPara="0" vert="horz" wrap="square" lIns="110490" tIns="55245" rIns="110490" bIns="55245" numCol="1" spcCol="1270" anchor="ctr" anchorCtr="0">
           <a:noAutofit/>
         </a:bodyPr>
         <a:lstStyle/>
         <a:p>
-          <a:pPr marL="0" lvl="0" indent="0" algn="ctr" defTabSz="1155700" rtl="0">
+          <a:pPr marL="0" lvl="0" indent="0" algn="ctr" defTabSz="1289050" rtl="0">
             <a:lnSpc>
               <a:spcPct val="90000"/>
             </a:lnSpc>
@@ -10120,14 +10141,14 @@
             <a:buNone/>
           </a:pPr>
           <a:r>
-            <a:rPr lang="en-US" sz="2600" kern="1200" dirty="0"/>
+            <a:rPr lang="en-US" sz="2900" kern="1200" dirty="0"/>
             <a:t>2</a:t>
           </a:r>
         </a:p>
       </dsp:txBody>
       <dsp:txXfrm>
-        <a:off x="1079593" y="572740"/>
-        <a:ext cx="680024" cy="470202"/>
+        <a:off x="1143480" y="606590"/>
+        <a:ext cx="720271" cy="497993"/>
       </dsp:txXfrm>
     </dsp:sp>
     <dsp:sp modelId="{5D864B8D-FACF-48E7-8326-E483DE976D5A}">
@@ -10137,8 +10158,8 @@
       </dsp:nvSpPr>
       <dsp:spPr>
         <a:xfrm rot="5400000">
-          <a:off x="4100368" y="-1168771"/>
-          <a:ext cx="416861" cy="5047488"/>
+          <a:off x="4343038" y="-1238041"/>
+          <a:ext cx="441499" cy="5346192"/>
         </a:xfrm>
         <a:prstGeom prst="round2SameRect">
           <a:avLst/>
@@ -10147,36 +10168,41 @@
           <a:gsLst>
             <a:gs pos="0">
               <a:schemeClr val="accent5">
-                <a:lumMod val="110000"/>
-                <a:satMod val="105000"/>
-                <a:tint val="67000"/>
+                <a:tint val="50000"/>
+                <a:satMod val="300000"/>
               </a:schemeClr>
             </a:gs>
-            <a:gs pos="50000">
+            <a:gs pos="35000">
               <a:schemeClr val="accent5">
-                <a:lumMod val="105000"/>
-                <a:satMod val="103000"/>
-                <a:tint val="73000"/>
+                <a:tint val="37000"/>
+                <a:satMod val="300000"/>
               </a:schemeClr>
             </a:gs>
             <a:gs pos="100000">
               <a:schemeClr val="accent5">
-                <a:lumMod val="105000"/>
-                <a:satMod val="109000"/>
-                <a:tint val="81000"/>
+                <a:tint val="15000"/>
+                <a:satMod val="350000"/>
               </a:schemeClr>
             </a:gs>
           </a:gsLst>
-          <a:lin ang="5400000" scaled="0"/>
+          <a:lin ang="16200000" scaled="1"/>
         </a:gradFill>
-        <a:ln w="6350" cap="flat" cmpd="sng" algn="ctr">
+        <a:ln w="9525" cap="flat" cmpd="sng" algn="ctr">
           <a:solidFill>
-            <a:schemeClr val="accent5"/>
+            <a:schemeClr val="accent5">
+              <a:shade val="95000"/>
+              <a:satMod val="105000"/>
+            </a:schemeClr>
           </a:solidFill>
           <a:prstDash val="solid"/>
-          <a:miter lim="800000"/>
         </a:ln>
-        <a:effectLst/>
+        <a:effectLst>
+          <a:outerShdw blurRad="40000" dist="20000" dir="5400000" rotWithShape="0">
+            <a:srgbClr val="000000">
+              <a:alpha val="38000"/>
+            </a:srgbClr>
+          </a:outerShdw>
+        </a:effectLst>
         <a:scene3d>
           <a:camera prst="orthographicFront"/>
           <a:lightRig rig="flat" dir="t"/>
@@ -10198,12 +10224,12 @@
         </a:fontRef>
       </dsp:style>
       <dsp:txBody>
-        <a:bodyPr spcFirstLastPara="0" vert="horz" wrap="square" lIns="72390" tIns="36195" rIns="72390" bIns="36195" numCol="1" spcCol="1270" anchor="ctr" anchorCtr="0">
+        <a:bodyPr spcFirstLastPara="0" vert="horz" wrap="square" lIns="68580" tIns="34290" rIns="68580" bIns="34290" numCol="1" spcCol="1270" anchor="ctr" anchorCtr="0">
           <a:noAutofit/>
         </a:bodyPr>
         <a:lstStyle/>
         <a:p>
-          <a:pPr marL="171450" lvl="1" indent="-171450" algn="l" defTabSz="844550" rtl="0">
+          <a:pPr marL="171450" lvl="1" indent="-171450" algn="l" defTabSz="800100" rtl="0">
             <a:lnSpc>
               <a:spcPct val="90000"/>
             </a:lnSpc>
@@ -10216,14 +10242,14 @@
             <a:buChar char="•"/>
           </a:pPr>
           <a:r>
-            <a:rPr lang="en-US" sz="1900" kern="1200" dirty="0"/>
+            <a:rPr lang="en-US" sz="1800" kern="1200" dirty="0"/>
             <a:t>Identify data sources (and create vocabularies)</a:t>
           </a:r>
         </a:p>
       </dsp:txBody>
       <dsp:txXfrm rot="-5400000">
-        <a:off x="1785055" y="1166891"/>
-        <a:ext cx="5027139" cy="376163"/>
+        <a:off x="1890692" y="1235857"/>
+        <a:ext cx="5324640" cy="398395"/>
       </dsp:txXfrm>
     </dsp:sp>
     <dsp:sp modelId="{839A0C55-6F4F-487B-ABCB-7E5C2EC4A22A}">
@@ -10233,8 +10259,8 @@
       </dsp:nvSpPr>
       <dsp:spPr>
         <a:xfrm>
-          <a:off x="1054156" y="1094434"/>
-          <a:ext cx="730898" cy="521076"/>
+          <a:off x="1116540" y="1159117"/>
+          <a:ext cx="774151" cy="551873"/>
         </a:xfrm>
         <a:prstGeom prst="roundRect">
           <a:avLst/>
@@ -10243,36 +10269,41 @@
           <a:gsLst>
             <a:gs pos="0">
               <a:schemeClr val="accent1">
-                <a:lumMod val="110000"/>
-                <a:satMod val="105000"/>
-                <a:tint val="67000"/>
+                <a:tint val="50000"/>
+                <a:satMod val="300000"/>
               </a:schemeClr>
             </a:gs>
-            <a:gs pos="50000">
+            <a:gs pos="35000">
               <a:schemeClr val="accent1">
-                <a:lumMod val="105000"/>
-                <a:satMod val="103000"/>
-                <a:tint val="73000"/>
+                <a:tint val="37000"/>
+                <a:satMod val="300000"/>
               </a:schemeClr>
             </a:gs>
             <a:gs pos="100000">
               <a:schemeClr val="accent1">
-                <a:lumMod val="105000"/>
-                <a:satMod val="109000"/>
-                <a:tint val="81000"/>
+                <a:tint val="15000"/>
+                <a:satMod val="350000"/>
               </a:schemeClr>
             </a:gs>
           </a:gsLst>
-          <a:lin ang="5400000" scaled="0"/>
+          <a:lin ang="16200000" scaled="1"/>
         </a:gradFill>
-        <a:ln w="6350" cap="flat" cmpd="sng" algn="ctr">
+        <a:ln w="9525" cap="flat" cmpd="sng" algn="ctr">
           <a:solidFill>
-            <a:schemeClr val="accent1"/>
+            <a:schemeClr val="accent1">
+              <a:shade val="95000"/>
+              <a:satMod val="105000"/>
+            </a:schemeClr>
           </a:solidFill>
           <a:prstDash val="solid"/>
-          <a:miter lim="800000"/>
         </a:ln>
-        <a:effectLst/>
+        <a:effectLst>
+          <a:outerShdw blurRad="40000" dist="20000" dir="5400000" rotWithShape="0">
+            <a:srgbClr val="000000">
+              <a:alpha val="38000"/>
+            </a:srgbClr>
+          </a:outerShdw>
+        </a:effectLst>
         <a:scene3d>
           <a:camera prst="orthographicFront"/>
           <a:lightRig rig="flat" dir="t"/>
@@ -10294,12 +10325,12 @@
         </a:fontRef>
       </dsp:style>
       <dsp:txBody>
-        <a:bodyPr spcFirstLastPara="0" vert="horz" wrap="square" lIns="99060" tIns="49530" rIns="99060" bIns="49530" numCol="1" spcCol="1270" anchor="ctr" anchorCtr="0">
+        <a:bodyPr spcFirstLastPara="0" vert="horz" wrap="square" lIns="110490" tIns="55245" rIns="110490" bIns="55245" numCol="1" spcCol="1270" anchor="ctr" anchorCtr="0">
           <a:noAutofit/>
         </a:bodyPr>
         <a:lstStyle/>
         <a:p>
-          <a:pPr marL="0" lvl="0" indent="0" algn="ctr" defTabSz="1155700" rtl="0">
+          <a:pPr marL="0" lvl="0" indent="0" algn="ctr" defTabSz="1289050" rtl="0">
             <a:lnSpc>
               <a:spcPct val="90000"/>
             </a:lnSpc>
@@ -10312,14 +10343,14 @@
             <a:buNone/>
           </a:pPr>
           <a:r>
-            <a:rPr lang="en-US" sz="2600" kern="1200" dirty="0"/>
+            <a:rPr lang="en-US" sz="2900" kern="1200" dirty="0"/>
             <a:t>3</a:t>
           </a:r>
         </a:p>
       </dsp:txBody>
       <dsp:txXfrm>
-        <a:off x="1079593" y="1119871"/>
-        <a:ext cx="680024" cy="470202"/>
+        <a:off x="1143480" y="1186057"/>
+        <a:ext cx="720271" cy="497993"/>
       </dsp:txXfrm>
     </dsp:sp>
     <dsp:sp modelId="{6B068343-8AEE-4D1A-BB98-49539ECB81C6}">
@@ -10329,8 +10360,8 @@
       </dsp:nvSpPr>
       <dsp:spPr>
         <a:xfrm rot="5400000">
-          <a:off x="4100368" y="-621640"/>
-          <a:ext cx="416861" cy="5047488"/>
+          <a:off x="4343038" y="-658573"/>
+          <a:ext cx="441499" cy="5346192"/>
         </a:xfrm>
         <a:prstGeom prst="round2SameRect">
           <a:avLst/>
@@ -10339,36 +10370,41 @@
           <a:gsLst>
             <a:gs pos="0">
               <a:schemeClr val="accent5">
-                <a:lumMod val="110000"/>
-                <a:satMod val="105000"/>
-                <a:tint val="67000"/>
+                <a:tint val="50000"/>
+                <a:satMod val="300000"/>
               </a:schemeClr>
             </a:gs>
-            <a:gs pos="50000">
+            <a:gs pos="35000">
               <a:schemeClr val="accent5">
-                <a:lumMod val="105000"/>
-                <a:satMod val="103000"/>
-                <a:tint val="73000"/>
+                <a:tint val="37000"/>
+                <a:satMod val="300000"/>
               </a:schemeClr>
             </a:gs>
             <a:gs pos="100000">
               <a:schemeClr val="accent5">
-                <a:lumMod val="105000"/>
-                <a:satMod val="109000"/>
-                <a:tint val="81000"/>
+                <a:tint val="15000"/>
+                <a:satMod val="350000"/>
               </a:schemeClr>
             </a:gs>
           </a:gsLst>
-          <a:lin ang="5400000" scaled="0"/>
+          <a:lin ang="16200000" scaled="1"/>
         </a:gradFill>
-        <a:ln w="6350" cap="flat" cmpd="sng" algn="ctr">
+        <a:ln w="9525" cap="flat" cmpd="sng" algn="ctr">
           <a:solidFill>
-            <a:schemeClr val="accent5"/>
+            <a:schemeClr val="accent5">
+              <a:shade val="95000"/>
+              <a:satMod val="105000"/>
+            </a:schemeClr>
           </a:solidFill>
           <a:prstDash val="solid"/>
-          <a:miter lim="800000"/>
         </a:ln>
-        <a:effectLst/>
+        <a:effectLst>
+          <a:outerShdw blurRad="40000" dist="20000" dir="5400000" rotWithShape="0">
+            <a:srgbClr val="000000">
+              <a:alpha val="38000"/>
+            </a:srgbClr>
+          </a:outerShdw>
+        </a:effectLst>
         <a:scene3d>
           <a:camera prst="orthographicFront"/>
           <a:lightRig rig="flat" dir="t"/>
@@ -10390,12 +10426,12 @@
         </a:fontRef>
       </dsp:style>
       <dsp:txBody>
-        <a:bodyPr spcFirstLastPara="0" vert="horz" wrap="square" lIns="72390" tIns="36195" rIns="72390" bIns="36195" numCol="1" spcCol="1270" anchor="ctr" anchorCtr="0">
+        <a:bodyPr spcFirstLastPara="0" vert="horz" wrap="square" lIns="68580" tIns="34290" rIns="68580" bIns="34290" numCol="1" spcCol="1270" anchor="ctr" anchorCtr="0">
           <a:noAutofit/>
         </a:bodyPr>
         <a:lstStyle/>
         <a:p>
-          <a:pPr marL="171450" lvl="1" indent="-171450" algn="l" defTabSz="844550" rtl="0">
+          <a:pPr marL="171450" lvl="1" indent="-171450" algn="l" defTabSz="800100" rtl="0">
             <a:lnSpc>
               <a:spcPct val="90000"/>
             </a:lnSpc>
@@ -10408,14 +10444,14 @@
             <a:buChar char="•"/>
           </a:pPr>
           <a:r>
-            <a:rPr lang="en-US" sz="1900" kern="1200" dirty="0"/>
+            <a:rPr lang="en-US" sz="1800" kern="1200" dirty="0"/>
             <a:t>Define rules and compose policy</a:t>
           </a:r>
         </a:p>
       </dsp:txBody>
       <dsp:txXfrm rot="-5400000">
-        <a:off x="1785055" y="1714022"/>
-        <a:ext cx="5027139" cy="376163"/>
+        <a:off x="1890692" y="1815325"/>
+        <a:ext cx="5324640" cy="398395"/>
       </dsp:txXfrm>
     </dsp:sp>
     <dsp:sp modelId="{5EB87B31-1029-4A1F-9C0A-AFFB28CA0F5E}">
@@ -10425,8 +10461,8 @@
       </dsp:nvSpPr>
       <dsp:spPr>
         <a:xfrm>
-          <a:off x="1054156" y="1641565"/>
-          <a:ext cx="730898" cy="521076"/>
+          <a:off x="1116540" y="1738585"/>
+          <a:ext cx="774151" cy="551873"/>
         </a:xfrm>
         <a:prstGeom prst="roundRect">
           <a:avLst/>
@@ -10435,36 +10471,41 @@
           <a:gsLst>
             <a:gs pos="0">
               <a:schemeClr val="accent1">
-                <a:lumMod val="110000"/>
-                <a:satMod val="105000"/>
-                <a:tint val="67000"/>
+                <a:tint val="50000"/>
+                <a:satMod val="300000"/>
               </a:schemeClr>
             </a:gs>
-            <a:gs pos="50000">
+            <a:gs pos="35000">
               <a:schemeClr val="accent1">
-                <a:lumMod val="105000"/>
-                <a:satMod val="103000"/>
-                <a:tint val="73000"/>
+                <a:tint val="37000"/>
+                <a:satMod val="300000"/>
               </a:schemeClr>
             </a:gs>
             <a:gs pos="100000">
               <a:schemeClr val="accent1">
-                <a:lumMod val="105000"/>
-                <a:satMod val="109000"/>
-                <a:tint val="81000"/>
+                <a:tint val="15000"/>
+                <a:satMod val="350000"/>
               </a:schemeClr>
             </a:gs>
           </a:gsLst>
-          <a:lin ang="5400000" scaled="0"/>
+          <a:lin ang="16200000" scaled="1"/>
         </a:gradFill>
-        <a:ln w="6350" cap="flat" cmpd="sng" algn="ctr">
+        <a:ln w="9525" cap="flat" cmpd="sng" algn="ctr">
           <a:solidFill>
-            <a:schemeClr val="accent1"/>
+            <a:schemeClr val="accent1">
+              <a:shade val="95000"/>
+              <a:satMod val="105000"/>
+            </a:schemeClr>
           </a:solidFill>
           <a:prstDash val="solid"/>
-          <a:miter lim="800000"/>
         </a:ln>
-        <a:effectLst/>
+        <a:effectLst>
+          <a:outerShdw blurRad="40000" dist="20000" dir="5400000" rotWithShape="0">
+            <a:srgbClr val="000000">
+              <a:alpha val="38000"/>
+            </a:srgbClr>
+          </a:outerShdw>
+        </a:effectLst>
         <a:scene3d>
           <a:camera prst="orthographicFront"/>
           <a:lightRig rig="flat" dir="t"/>
@@ -10486,12 +10527,12 @@
         </a:fontRef>
       </dsp:style>
       <dsp:txBody>
-        <a:bodyPr spcFirstLastPara="0" vert="horz" wrap="square" lIns="99060" tIns="49530" rIns="99060" bIns="49530" numCol="1" spcCol="1270" anchor="ctr" anchorCtr="0">
+        <a:bodyPr spcFirstLastPara="0" vert="horz" wrap="square" lIns="110490" tIns="55245" rIns="110490" bIns="55245" numCol="1" spcCol="1270" anchor="ctr" anchorCtr="0">
           <a:noAutofit/>
         </a:bodyPr>
         <a:lstStyle/>
         <a:p>
-          <a:pPr marL="0" lvl="0" indent="0" algn="ctr" defTabSz="1155700" rtl="0">
+          <a:pPr marL="0" lvl="0" indent="0" algn="ctr" defTabSz="1289050" rtl="0">
             <a:lnSpc>
               <a:spcPct val="90000"/>
             </a:lnSpc>
@@ -10504,14 +10545,14 @@
             <a:buNone/>
           </a:pPr>
           <a:r>
-            <a:rPr lang="en-US" sz="2600" kern="1200" dirty="0"/>
+            <a:rPr lang="en-US" sz="2900" kern="1200" dirty="0"/>
             <a:t>4</a:t>
           </a:r>
         </a:p>
       </dsp:txBody>
       <dsp:txXfrm>
-        <a:off x="1079593" y="1667002"/>
-        <a:ext cx="680024" cy="470202"/>
+        <a:off x="1143480" y="1765525"/>
+        <a:ext cx="720271" cy="497993"/>
       </dsp:txXfrm>
     </dsp:sp>
     <dsp:sp modelId="{FFE84D8B-EAEB-4671-98B1-5017065D43FE}">
@@ -10521,8 +10562,8 @@
       </dsp:nvSpPr>
       <dsp:spPr>
         <a:xfrm rot="5400000">
-          <a:off x="4100368" y="-74509"/>
-          <a:ext cx="416861" cy="5047488"/>
+          <a:off x="4343038" y="-79106"/>
+          <a:ext cx="441499" cy="5346192"/>
         </a:xfrm>
         <a:prstGeom prst="round2SameRect">
           <a:avLst/>
@@ -10531,36 +10572,41 @@
           <a:gsLst>
             <a:gs pos="0">
               <a:schemeClr val="accent5">
-                <a:lumMod val="110000"/>
-                <a:satMod val="105000"/>
-                <a:tint val="67000"/>
+                <a:tint val="50000"/>
+                <a:satMod val="300000"/>
               </a:schemeClr>
             </a:gs>
-            <a:gs pos="50000">
+            <a:gs pos="35000">
               <a:schemeClr val="accent5">
-                <a:lumMod val="105000"/>
-                <a:satMod val="103000"/>
-                <a:tint val="73000"/>
+                <a:tint val="37000"/>
+                <a:satMod val="300000"/>
               </a:schemeClr>
             </a:gs>
             <a:gs pos="100000">
               <a:schemeClr val="accent5">
-                <a:lumMod val="105000"/>
-                <a:satMod val="109000"/>
-                <a:tint val="81000"/>
+                <a:tint val="15000"/>
+                <a:satMod val="350000"/>
               </a:schemeClr>
             </a:gs>
           </a:gsLst>
-          <a:lin ang="5400000" scaled="0"/>
+          <a:lin ang="16200000" scaled="1"/>
         </a:gradFill>
-        <a:ln w="6350" cap="flat" cmpd="sng" algn="ctr">
+        <a:ln w="9525" cap="flat" cmpd="sng" algn="ctr">
           <a:solidFill>
-            <a:schemeClr val="accent5"/>
+            <a:schemeClr val="accent5">
+              <a:shade val="95000"/>
+              <a:satMod val="105000"/>
+            </a:schemeClr>
           </a:solidFill>
           <a:prstDash val="solid"/>
-          <a:miter lim="800000"/>
         </a:ln>
-        <a:effectLst/>
+        <a:effectLst>
+          <a:outerShdw blurRad="40000" dist="20000" dir="5400000" rotWithShape="0">
+            <a:srgbClr val="000000">
+              <a:alpha val="38000"/>
+            </a:srgbClr>
+          </a:outerShdw>
+        </a:effectLst>
         <a:scene3d>
           <a:camera prst="orthographicFront"/>
           <a:lightRig rig="flat" dir="t"/>
@@ -10582,12 +10628,12 @@
         </a:fontRef>
       </dsp:style>
       <dsp:txBody>
-        <a:bodyPr spcFirstLastPara="0" vert="horz" wrap="square" lIns="72390" tIns="36195" rIns="72390" bIns="36195" numCol="1" spcCol="1270" anchor="ctr" anchorCtr="0">
+        <a:bodyPr spcFirstLastPara="0" vert="horz" wrap="square" lIns="68580" tIns="34290" rIns="68580" bIns="34290" numCol="1" spcCol="1270" anchor="ctr" anchorCtr="0">
           <a:noAutofit/>
         </a:bodyPr>
         <a:lstStyle/>
         <a:p>
-          <a:pPr marL="171450" lvl="1" indent="-171450" algn="l" defTabSz="844550" rtl="0">
+          <a:pPr marL="171450" lvl="1" indent="-171450" algn="l" defTabSz="800100" rtl="0">
             <a:lnSpc>
               <a:spcPct val="90000"/>
             </a:lnSpc>
@@ -10600,19 +10646,19 @@
             <a:buChar char="•"/>
           </a:pPr>
           <a:r>
-            <a:rPr lang="en-US" sz="1900" kern="1200" dirty="0"/>
+            <a:rPr lang="en-US" sz="1800" kern="1200" dirty="0"/>
             <a:t>Test and debug </a:t>
           </a:r>
           <a:r>
-            <a:rPr lang="en-US" sz="1900" kern="1200" dirty="0" err="1"/>
+            <a:rPr lang="en-US" sz="1800" kern="1200" dirty="0" err="1"/>
             <a:t>policys</a:t>
           </a:r>
-          <a:endParaRPr lang="en-US" sz="1900" kern="1200" dirty="0"/>
+          <a:endParaRPr lang="en-US" sz="1800" kern="1200" dirty="0"/>
         </a:p>
       </dsp:txBody>
       <dsp:txXfrm rot="-5400000">
-        <a:off x="1785055" y="2261153"/>
-        <a:ext cx="5027139" cy="376163"/>
+        <a:off x="1890692" y="2394792"/>
+        <a:ext cx="5324640" cy="398395"/>
       </dsp:txXfrm>
     </dsp:sp>
     <dsp:sp modelId="{BFF26DF4-65D1-4C6C-83E7-E02E476876AC}">
@@ -10622,8 +10668,8 @@
       </dsp:nvSpPr>
       <dsp:spPr>
         <a:xfrm>
-          <a:off x="1054156" y="2188695"/>
-          <a:ext cx="730898" cy="521076"/>
+          <a:off x="1116540" y="2318052"/>
+          <a:ext cx="774151" cy="551873"/>
         </a:xfrm>
         <a:prstGeom prst="roundRect">
           <a:avLst/>
@@ -10632,36 +10678,41 @@
           <a:gsLst>
             <a:gs pos="0">
               <a:schemeClr val="accent1">
-                <a:lumMod val="110000"/>
-                <a:satMod val="105000"/>
-                <a:tint val="67000"/>
+                <a:tint val="50000"/>
+                <a:satMod val="300000"/>
               </a:schemeClr>
             </a:gs>
-            <a:gs pos="50000">
+            <a:gs pos="35000">
               <a:schemeClr val="accent1">
-                <a:lumMod val="105000"/>
-                <a:satMod val="103000"/>
-                <a:tint val="73000"/>
+                <a:tint val="37000"/>
+                <a:satMod val="300000"/>
               </a:schemeClr>
             </a:gs>
             <a:gs pos="100000">
               <a:schemeClr val="accent1">
-                <a:lumMod val="105000"/>
-                <a:satMod val="109000"/>
-                <a:tint val="81000"/>
+                <a:tint val="15000"/>
+                <a:satMod val="350000"/>
               </a:schemeClr>
             </a:gs>
           </a:gsLst>
-          <a:lin ang="5400000" scaled="0"/>
+          <a:lin ang="16200000" scaled="1"/>
         </a:gradFill>
-        <a:ln w="6350" cap="flat" cmpd="sng" algn="ctr">
+        <a:ln w="9525" cap="flat" cmpd="sng" algn="ctr">
           <a:solidFill>
-            <a:schemeClr val="accent1"/>
+            <a:schemeClr val="accent1">
+              <a:shade val="95000"/>
+              <a:satMod val="105000"/>
+            </a:schemeClr>
           </a:solidFill>
           <a:prstDash val="solid"/>
-          <a:miter lim="800000"/>
         </a:ln>
-        <a:effectLst/>
+        <a:effectLst>
+          <a:outerShdw blurRad="40000" dist="20000" dir="5400000" rotWithShape="0">
+            <a:srgbClr val="000000">
+              <a:alpha val="38000"/>
+            </a:srgbClr>
+          </a:outerShdw>
+        </a:effectLst>
         <a:scene3d>
           <a:camera prst="orthographicFront"/>
           <a:lightRig rig="flat" dir="t"/>
@@ -10683,12 +10734,12 @@
         </a:fontRef>
       </dsp:style>
       <dsp:txBody>
-        <a:bodyPr spcFirstLastPara="0" vert="horz" wrap="square" lIns="99060" tIns="49530" rIns="99060" bIns="49530" numCol="1" spcCol="1270" anchor="ctr" anchorCtr="0">
+        <a:bodyPr spcFirstLastPara="0" vert="horz" wrap="square" lIns="110490" tIns="55245" rIns="110490" bIns="55245" numCol="1" spcCol="1270" anchor="ctr" anchorCtr="0">
           <a:noAutofit/>
         </a:bodyPr>
         <a:lstStyle/>
         <a:p>
-          <a:pPr marL="0" lvl="0" indent="0" algn="ctr" defTabSz="1155700" rtl="0">
+          <a:pPr marL="0" lvl="0" indent="0" algn="ctr" defTabSz="1289050" rtl="0">
             <a:lnSpc>
               <a:spcPct val="90000"/>
             </a:lnSpc>
@@ -10701,14 +10752,14 @@
             <a:buNone/>
           </a:pPr>
           <a:r>
-            <a:rPr lang="en-US" sz="2600" kern="1200" dirty="0"/>
+            <a:rPr lang="en-US" sz="2900" kern="1200" dirty="0"/>
             <a:t>5</a:t>
           </a:r>
         </a:p>
       </dsp:txBody>
       <dsp:txXfrm>
-        <a:off x="1079593" y="2214132"/>
-        <a:ext cx="680024" cy="470202"/>
+        <a:off x="1143480" y="2344992"/>
+        <a:ext cx="720271" cy="497993"/>
       </dsp:txXfrm>
     </dsp:sp>
     <dsp:sp modelId="{3C397321-2178-4A98-A6D9-AD09A2FA190D}">
@@ -10718,8 +10769,8 @@
       </dsp:nvSpPr>
       <dsp:spPr>
         <a:xfrm rot="5400000">
-          <a:off x="4100368" y="472621"/>
-          <a:ext cx="416861" cy="5047488"/>
+          <a:off x="4343038" y="500361"/>
+          <a:ext cx="441499" cy="5346192"/>
         </a:xfrm>
         <a:prstGeom prst="round2SameRect">
           <a:avLst/>
@@ -10728,36 +10779,41 @@
           <a:gsLst>
             <a:gs pos="0">
               <a:schemeClr val="accent5">
-                <a:lumMod val="110000"/>
-                <a:satMod val="105000"/>
-                <a:tint val="67000"/>
+                <a:tint val="50000"/>
+                <a:satMod val="300000"/>
               </a:schemeClr>
             </a:gs>
-            <a:gs pos="50000">
+            <a:gs pos="35000">
               <a:schemeClr val="accent5">
-                <a:lumMod val="105000"/>
-                <a:satMod val="103000"/>
-                <a:tint val="73000"/>
+                <a:tint val="37000"/>
+                <a:satMod val="300000"/>
               </a:schemeClr>
             </a:gs>
             <a:gs pos="100000">
               <a:schemeClr val="accent5">
-                <a:lumMod val="105000"/>
-                <a:satMod val="109000"/>
-                <a:tint val="81000"/>
+                <a:tint val="15000"/>
+                <a:satMod val="350000"/>
               </a:schemeClr>
             </a:gs>
           </a:gsLst>
-          <a:lin ang="5400000" scaled="0"/>
+          <a:lin ang="16200000" scaled="1"/>
         </a:gradFill>
-        <a:ln w="6350" cap="flat" cmpd="sng" algn="ctr">
+        <a:ln w="9525" cap="flat" cmpd="sng" algn="ctr">
           <a:solidFill>
-            <a:schemeClr val="accent5"/>
+            <a:schemeClr val="accent5">
+              <a:shade val="95000"/>
+              <a:satMod val="105000"/>
+            </a:schemeClr>
           </a:solidFill>
           <a:prstDash val="solid"/>
-          <a:miter lim="800000"/>
         </a:ln>
-        <a:effectLst/>
+        <a:effectLst>
+          <a:outerShdw blurRad="40000" dist="20000" dir="5400000" rotWithShape="0">
+            <a:srgbClr val="000000">
+              <a:alpha val="38000"/>
+            </a:srgbClr>
+          </a:outerShdw>
+        </a:effectLst>
         <a:scene3d>
           <a:camera prst="orthographicFront"/>
           <a:lightRig rig="flat" dir="t"/>
@@ -10779,12 +10835,12 @@
         </a:fontRef>
       </dsp:style>
       <dsp:txBody>
-        <a:bodyPr spcFirstLastPara="0" vert="horz" wrap="square" lIns="72390" tIns="36195" rIns="72390" bIns="36195" numCol="1" spcCol="1270" anchor="ctr" anchorCtr="0">
+        <a:bodyPr spcFirstLastPara="0" vert="horz" wrap="square" lIns="68580" tIns="34290" rIns="68580" bIns="34290" numCol="1" spcCol="1270" anchor="ctr" anchorCtr="0">
           <a:noAutofit/>
         </a:bodyPr>
         <a:lstStyle/>
         <a:p>
-          <a:pPr marL="171450" lvl="1" indent="-171450" algn="l" defTabSz="844550" rtl="0">
+          <a:pPr marL="171450" lvl="1" indent="-171450" algn="l" defTabSz="800100" rtl="0">
             <a:lnSpc>
               <a:spcPct val="90000"/>
             </a:lnSpc>
@@ -10797,14 +10853,14 @@
             <a:buChar char="•"/>
           </a:pPr>
           <a:r>
-            <a:rPr lang="en-US" sz="1900" kern="1200" dirty="0"/>
+            <a:rPr lang="en-US" sz="1800" kern="1200" dirty="0"/>
             <a:t>Publish and Deploy policy	</a:t>
           </a:r>
         </a:p>
       </dsp:txBody>
       <dsp:txXfrm rot="-5400000">
-        <a:off x="1785055" y="2808284"/>
-        <a:ext cx="5027139" cy="376163"/>
+        <a:off x="1890692" y="2974259"/>
+        <a:ext cx="5324640" cy="398395"/>
       </dsp:txXfrm>
     </dsp:sp>
     <dsp:sp modelId="{1A4C371E-43F3-4ECF-8B17-666DE7BF9D06}">
@@ -10814,8 +10870,8 @@
       </dsp:nvSpPr>
       <dsp:spPr>
         <a:xfrm>
-          <a:off x="1054156" y="2735826"/>
-          <a:ext cx="730898" cy="521076"/>
+          <a:off x="1116540" y="2897520"/>
+          <a:ext cx="774151" cy="551873"/>
         </a:xfrm>
         <a:prstGeom prst="roundRect">
           <a:avLst/>
@@ -10824,36 +10880,41 @@
           <a:gsLst>
             <a:gs pos="0">
               <a:schemeClr val="accent1">
-                <a:lumMod val="110000"/>
-                <a:satMod val="105000"/>
-                <a:tint val="67000"/>
+                <a:tint val="50000"/>
+                <a:satMod val="300000"/>
               </a:schemeClr>
             </a:gs>
-            <a:gs pos="50000">
+            <a:gs pos="35000">
               <a:schemeClr val="accent1">
-                <a:lumMod val="105000"/>
-                <a:satMod val="103000"/>
-                <a:tint val="73000"/>
+                <a:tint val="37000"/>
+                <a:satMod val="300000"/>
               </a:schemeClr>
             </a:gs>
             <a:gs pos="100000">
               <a:schemeClr val="accent1">
-                <a:lumMod val="105000"/>
-                <a:satMod val="109000"/>
-                <a:tint val="81000"/>
+                <a:tint val="15000"/>
+                <a:satMod val="350000"/>
               </a:schemeClr>
             </a:gs>
           </a:gsLst>
-          <a:lin ang="5400000" scaled="0"/>
+          <a:lin ang="16200000" scaled="1"/>
         </a:gradFill>
-        <a:ln w="6350" cap="flat" cmpd="sng" algn="ctr">
+        <a:ln w="9525" cap="flat" cmpd="sng" algn="ctr">
           <a:solidFill>
-            <a:schemeClr val="accent1"/>
+            <a:schemeClr val="accent1">
+              <a:shade val="95000"/>
+              <a:satMod val="105000"/>
+            </a:schemeClr>
           </a:solidFill>
           <a:prstDash val="solid"/>
-          <a:miter lim="800000"/>
         </a:ln>
-        <a:effectLst/>
+        <a:effectLst>
+          <a:outerShdw blurRad="40000" dist="20000" dir="5400000" rotWithShape="0">
+            <a:srgbClr val="000000">
+              <a:alpha val="38000"/>
+            </a:srgbClr>
+          </a:outerShdw>
+        </a:effectLst>
         <a:scene3d>
           <a:camera prst="orthographicFront"/>
           <a:lightRig rig="flat" dir="t"/>
@@ -10875,12 +10936,12 @@
         </a:fontRef>
       </dsp:style>
       <dsp:txBody>
-        <a:bodyPr spcFirstLastPara="0" vert="horz" wrap="square" lIns="99060" tIns="49530" rIns="99060" bIns="49530" numCol="1" spcCol="1270" anchor="ctr" anchorCtr="0">
+        <a:bodyPr spcFirstLastPara="0" vert="horz" wrap="square" lIns="110490" tIns="55245" rIns="110490" bIns="55245" numCol="1" spcCol="1270" anchor="ctr" anchorCtr="0">
           <a:noAutofit/>
         </a:bodyPr>
         <a:lstStyle/>
         <a:p>
-          <a:pPr marL="0" lvl="0" indent="0" algn="ctr" defTabSz="1155700" rtl="0">
+          <a:pPr marL="0" lvl="0" indent="0" algn="ctr" defTabSz="1289050" rtl="0">
             <a:lnSpc>
               <a:spcPct val="90000"/>
             </a:lnSpc>
@@ -10893,14 +10954,14 @@
             <a:buNone/>
           </a:pPr>
           <a:r>
-            <a:rPr lang="en-US" sz="2600" kern="1200" dirty="0"/>
+            <a:rPr lang="en-US" sz="2900" kern="1200" dirty="0"/>
             <a:t>6</a:t>
           </a:r>
         </a:p>
       </dsp:txBody>
       <dsp:txXfrm>
-        <a:off x="1079593" y="2761263"/>
-        <a:ext cx="680024" cy="470202"/>
+        <a:off x="1143480" y="2924460"/>
+        <a:ext cx="720271" cy="497993"/>
       </dsp:txXfrm>
     </dsp:sp>
     <dsp:sp modelId="{ED1DC715-9D41-4CBB-A4FC-F6F520639767}">
@@ -10910,8 +10971,8 @@
       </dsp:nvSpPr>
       <dsp:spPr>
         <a:xfrm rot="5400000">
-          <a:off x="4100368" y="1019752"/>
-          <a:ext cx="416861" cy="5047488"/>
+          <a:off x="4343038" y="1079828"/>
+          <a:ext cx="441499" cy="5346192"/>
         </a:xfrm>
         <a:prstGeom prst="round2SameRect">
           <a:avLst/>
@@ -10920,36 +10981,41 @@
           <a:gsLst>
             <a:gs pos="0">
               <a:schemeClr val="accent5">
-                <a:lumMod val="110000"/>
-                <a:satMod val="105000"/>
-                <a:tint val="67000"/>
+                <a:tint val="50000"/>
+                <a:satMod val="300000"/>
               </a:schemeClr>
             </a:gs>
-            <a:gs pos="50000">
+            <a:gs pos="35000">
               <a:schemeClr val="accent5">
-                <a:lumMod val="105000"/>
-                <a:satMod val="103000"/>
-                <a:tint val="73000"/>
+                <a:tint val="37000"/>
+                <a:satMod val="300000"/>
               </a:schemeClr>
             </a:gs>
             <a:gs pos="100000">
               <a:schemeClr val="accent5">
-                <a:lumMod val="105000"/>
-                <a:satMod val="109000"/>
-                <a:tint val="81000"/>
+                <a:tint val="15000"/>
+                <a:satMod val="350000"/>
               </a:schemeClr>
             </a:gs>
           </a:gsLst>
-          <a:lin ang="5400000" scaled="0"/>
+          <a:lin ang="16200000" scaled="1"/>
         </a:gradFill>
-        <a:ln w="6350" cap="flat" cmpd="sng" algn="ctr">
+        <a:ln w="9525" cap="flat" cmpd="sng" algn="ctr">
           <a:solidFill>
-            <a:schemeClr val="accent5"/>
+            <a:schemeClr val="accent5">
+              <a:shade val="95000"/>
+              <a:satMod val="105000"/>
+            </a:schemeClr>
           </a:solidFill>
           <a:prstDash val="solid"/>
-          <a:miter lim="800000"/>
         </a:ln>
-        <a:effectLst/>
+        <a:effectLst>
+          <a:outerShdw blurRad="40000" dist="20000" dir="5400000" rotWithShape="0">
+            <a:srgbClr val="000000">
+              <a:alpha val="38000"/>
+            </a:srgbClr>
+          </a:outerShdw>
+        </a:effectLst>
         <a:scene3d>
           <a:camera prst="orthographicFront"/>
           <a:lightRig rig="flat" dir="t"/>
@@ -10971,12 +11037,12 @@
         </a:fontRef>
       </dsp:style>
       <dsp:txBody>
-        <a:bodyPr spcFirstLastPara="0" vert="horz" wrap="square" lIns="72390" tIns="36195" rIns="72390" bIns="36195" numCol="1" spcCol="1270" anchor="ctr" anchorCtr="0">
+        <a:bodyPr spcFirstLastPara="0" vert="horz" wrap="square" lIns="68580" tIns="34290" rIns="68580" bIns="34290" numCol="1" spcCol="1270" anchor="ctr" anchorCtr="0">
           <a:noAutofit/>
         </a:bodyPr>
         <a:lstStyle/>
         <a:p>
-          <a:pPr marL="171450" lvl="1" indent="-171450" algn="l" defTabSz="844550" rtl="0">
+          <a:pPr marL="171450" lvl="1" indent="-171450" algn="l" defTabSz="800100" rtl="0">
             <a:lnSpc>
               <a:spcPct val="90000"/>
             </a:lnSpc>
@@ -10989,14 +11055,14 @@
             <a:buChar char="•"/>
           </a:pPr>
           <a:r>
-            <a:rPr lang="en-US" sz="1900" kern="1200" dirty="0"/>
+            <a:rPr lang="en-US" sz="1800" kern="1200" dirty="0"/>
             <a:t>Use Business Rules from your orchestration</a:t>
           </a:r>
         </a:p>
       </dsp:txBody>
       <dsp:txXfrm rot="-5400000">
-        <a:off x="1785055" y="3355415"/>
-        <a:ext cx="5027139" cy="376163"/>
+        <a:off x="1890692" y="3553726"/>
+        <a:ext cx="5324640" cy="398395"/>
       </dsp:txXfrm>
     </dsp:sp>
     <dsp:sp modelId="{CE652B65-7F84-4025-BA30-ED58E999B6F8}">
@@ -11006,8 +11072,8 @@
       </dsp:nvSpPr>
       <dsp:spPr>
         <a:xfrm flipH="1">
-          <a:off x="1054156" y="3282957"/>
-          <a:ext cx="730898" cy="521076"/>
+          <a:off x="1116540" y="3476987"/>
+          <a:ext cx="774151" cy="551873"/>
         </a:xfrm>
         <a:prstGeom prst="roundRect">
           <a:avLst/>
@@ -11016,36 +11082,41 @@
           <a:gsLst>
             <a:gs pos="0">
               <a:schemeClr val="accent1">
-                <a:lumMod val="110000"/>
-                <a:satMod val="105000"/>
-                <a:tint val="67000"/>
+                <a:tint val="50000"/>
+                <a:satMod val="300000"/>
               </a:schemeClr>
             </a:gs>
-            <a:gs pos="50000">
+            <a:gs pos="35000">
               <a:schemeClr val="accent1">
-                <a:lumMod val="105000"/>
-                <a:satMod val="103000"/>
-                <a:tint val="73000"/>
+                <a:tint val="37000"/>
+                <a:satMod val="300000"/>
               </a:schemeClr>
             </a:gs>
             <a:gs pos="100000">
               <a:schemeClr val="accent1">
-                <a:lumMod val="105000"/>
-                <a:satMod val="109000"/>
-                <a:tint val="81000"/>
+                <a:tint val="15000"/>
+                <a:satMod val="350000"/>
               </a:schemeClr>
             </a:gs>
           </a:gsLst>
-          <a:lin ang="5400000" scaled="0"/>
+          <a:lin ang="16200000" scaled="1"/>
         </a:gradFill>
-        <a:ln w="6350" cap="flat" cmpd="sng" algn="ctr">
+        <a:ln w="9525" cap="flat" cmpd="sng" algn="ctr">
           <a:solidFill>
-            <a:schemeClr val="accent1"/>
+            <a:schemeClr val="accent1">
+              <a:shade val="95000"/>
+              <a:satMod val="105000"/>
+            </a:schemeClr>
           </a:solidFill>
           <a:prstDash val="solid"/>
-          <a:miter lim="800000"/>
         </a:ln>
-        <a:effectLst/>
+        <a:effectLst>
+          <a:outerShdw blurRad="40000" dist="20000" dir="5400000" rotWithShape="0">
+            <a:srgbClr val="000000">
+              <a:alpha val="38000"/>
+            </a:srgbClr>
+          </a:outerShdw>
+        </a:effectLst>
         <a:scene3d>
           <a:camera prst="orthographicFront"/>
           <a:lightRig rig="flat" dir="t"/>
@@ -11067,12 +11138,12 @@
         </a:fontRef>
       </dsp:style>
       <dsp:txBody>
-        <a:bodyPr spcFirstLastPara="0" vert="horz" wrap="square" lIns="99060" tIns="49530" rIns="99060" bIns="49530" numCol="1" spcCol="1270" anchor="ctr" anchorCtr="0">
+        <a:bodyPr spcFirstLastPara="0" vert="horz" wrap="square" lIns="110490" tIns="55245" rIns="110490" bIns="55245" numCol="1" spcCol="1270" anchor="ctr" anchorCtr="0">
           <a:noAutofit/>
         </a:bodyPr>
         <a:lstStyle/>
         <a:p>
-          <a:pPr marL="0" lvl="0" indent="0" algn="ctr" defTabSz="1155700" rtl="0">
+          <a:pPr marL="0" lvl="0" indent="0" algn="ctr" defTabSz="1289050" rtl="0">
             <a:lnSpc>
               <a:spcPct val="90000"/>
             </a:lnSpc>
@@ -11085,14 +11156,14 @@
             <a:buNone/>
           </a:pPr>
           <a:r>
-            <a:rPr lang="en-US" sz="2600" kern="1200" dirty="0"/>
+            <a:rPr lang="en-US" sz="2900" kern="1200" dirty="0"/>
             <a:t>7</a:t>
           </a:r>
         </a:p>
       </dsp:txBody>
       <dsp:txXfrm>
-        <a:off x="1079593" y="3308394"/>
-        <a:ext cx="680024" cy="470202"/>
+        <a:off x="1143480" y="3503927"/>
+        <a:ext cx="720271" cy="497993"/>
       </dsp:txXfrm>
     </dsp:sp>
     <dsp:sp modelId="{FCE5833F-35EC-45CF-A89D-0D00490B6D5D}">
@@ -11102,8 +11173,8 @@
       </dsp:nvSpPr>
       <dsp:spPr>
         <a:xfrm rot="5400000">
-          <a:off x="4100368" y="1566882"/>
-          <a:ext cx="416861" cy="5047488"/>
+          <a:off x="4343038" y="1659296"/>
+          <a:ext cx="441499" cy="5346192"/>
         </a:xfrm>
         <a:prstGeom prst="round2SameRect">
           <a:avLst/>
@@ -11112,36 +11183,41 @@
           <a:gsLst>
             <a:gs pos="0">
               <a:schemeClr val="accent5">
-                <a:lumMod val="110000"/>
-                <a:satMod val="105000"/>
-                <a:tint val="67000"/>
+                <a:tint val="50000"/>
+                <a:satMod val="300000"/>
               </a:schemeClr>
             </a:gs>
-            <a:gs pos="50000">
+            <a:gs pos="35000">
               <a:schemeClr val="accent5">
-                <a:lumMod val="105000"/>
-                <a:satMod val="103000"/>
-                <a:tint val="73000"/>
+                <a:tint val="37000"/>
+                <a:satMod val="300000"/>
               </a:schemeClr>
             </a:gs>
             <a:gs pos="100000">
               <a:schemeClr val="accent5">
-                <a:lumMod val="105000"/>
-                <a:satMod val="109000"/>
-                <a:tint val="81000"/>
+                <a:tint val="15000"/>
+                <a:satMod val="350000"/>
               </a:schemeClr>
             </a:gs>
           </a:gsLst>
-          <a:lin ang="5400000" scaled="0"/>
+          <a:lin ang="16200000" scaled="1"/>
         </a:gradFill>
-        <a:ln w="6350" cap="flat" cmpd="sng" algn="ctr">
+        <a:ln w="9525" cap="flat" cmpd="sng" algn="ctr">
           <a:solidFill>
-            <a:schemeClr val="accent5"/>
+            <a:schemeClr val="accent5">
+              <a:shade val="95000"/>
+              <a:satMod val="105000"/>
+            </a:schemeClr>
           </a:solidFill>
           <a:prstDash val="solid"/>
-          <a:miter lim="800000"/>
         </a:ln>
-        <a:effectLst/>
+        <a:effectLst>
+          <a:outerShdw blurRad="40000" dist="20000" dir="5400000" rotWithShape="0">
+            <a:srgbClr val="000000">
+              <a:alpha val="38000"/>
+            </a:srgbClr>
+          </a:outerShdw>
+        </a:effectLst>
         <a:scene3d>
           <a:camera prst="orthographicFront"/>
           <a:lightRig rig="flat" dir="t"/>
@@ -11163,12 +11239,12 @@
         </a:fontRef>
       </dsp:style>
       <dsp:txBody>
-        <a:bodyPr spcFirstLastPara="0" vert="horz" wrap="square" lIns="72390" tIns="36195" rIns="72390" bIns="36195" numCol="1" spcCol="1270" anchor="ctr" anchorCtr="0">
+        <a:bodyPr spcFirstLastPara="0" vert="horz" wrap="square" lIns="68580" tIns="34290" rIns="68580" bIns="34290" numCol="1" spcCol="1270" anchor="ctr" anchorCtr="0">
           <a:noAutofit/>
         </a:bodyPr>
         <a:lstStyle/>
         <a:p>
-          <a:pPr marL="171450" lvl="1" indent="-171450" algn="l" defTabSz="844550" rtl="0">
+          <a:pPr marL="171450" lvl="1" indent="-171450" algn="l" defTabSz="800100" rtl="0">
             <a:lnSpc>
               <a:spcPct val="90000"/>
             </a:lnSpc>
@@ -11181,14 +11257,14 @@
             <a:buChar char="•"/>
           </a:pPr>
           <a:r>
-            <a:rPr lang="en-US" sz="1900" kern="1200" dirty="0"/>
+            <a:rPr lang="en-US" sz="1800" kern="1200" dirty="0"/>
             <a:t>Monitor and track execution</a:t>
           </a:r>
         </a:p>
       </dsp:txBody>
       <dsp:txXfrm rot="-5400000">
-        <a:off x="1785055" y="3902545"/>
-        <a:ext cx="5027139" cy="376163"/>
+        <a:off x="1890692" y="4133194"/>
+        <a:ext cx="5324640" cy="398395"/>
       </dsp:txXfrm>
     </dsp:sp>
     <dsp:sp modelId="{A200F08F-156B-4721-980F-63D978190CA5}">
@@ -11198,8 +11274,8 @@
       </dsp:nvSpPr>
       <dsp:spPr>
         <a:xfrm flipH="1">
-          <a:off x="1054156" y="3830088"/>
-          <a:ext cx="730898" cy="521076"/>
+          <a:off x="1116540" y="4056455"/>
+          <a:ext cx="774151" cy="551873"/>
         </a:xfrm>
         <a:prstGeom prst="roundRect">
           <a:avLst/>
@@ -11208,36 +11284,41 @@
           <a:gsLst>
             <a:gs pos="0">
               <a:schemeClr val="accent1">
-                <a:lumMod val="110000"/>
-                <a:satMod val="105000"/>
-                <a:tint val="67000"/>
+                <a:tint val="50000"/>
+                <a:satMod val="300000"/>
               </a:schemeClr>
             </a:gs>
-            <a:gs pos="50000">
+            <a:gs pos="35000">
               <a:schemeClr val="accent1">
-                <a:lumMod val="105000"/>
-                <a:satMod val="103000"/>
-                <a:tint val="73000"/>
+                <a:tint val="37000"/>
+                <a:satMod val="300000"/>
               </a:schemeClr>
             </a:gs>
             <a:gs pos="100000">
               <a:schemeClr val="accent1">
-                <a:lumMod val="105000"/>
-                <a:satMod val="109000"/>
-                <a:tint val="81000"/>
+                <a:tint val="15000"/>
+                <a:satMod val="350000"/>
               </a:schemeClr>
             </a:gs>
           </a:gsLst>
-          <a:lin ang="5400000" scaled="0"/>
+          <a:lin ang="16200000" scaled="1"/>
         </a:gradFill>
-        <a:ln w="6350" cap="flat" cmpd="sng" algn="ctr">
+        <a:ln w="9525" cap="flat" cmpd="sng" algn="ctr">
           <a:solidFill>
-            <a:schemeClr val="accent1"/>
+            <a:schemeClr val="accent1">
+              <a:shade val="95000"/>
+              <a:satMod val="105000"/>
+            </a:schemeClr>
           </a:solidFill>
           <a:prstDash val="solid"/>
-          <a:miter lim="800000"/>
         </a:ln>
-        <a:effectLst/>
+        <a:effectLst>
+          <a:outerShdw blurRad="40000" dist="20000" dir="5400000" rotWithShape="0">
+            <a:srgbClr val="000000">
+              <a:alpha val="38000"/>
+            </a:srgbClr>
+          </a:outerShdw>
+        </a:effectLst>
         <a:scene3d>
           <a:camera prst="orthographicFront"/>
           <a:lightRig rig="flat" dir="t"/>
@@ -11259,12 +11340,12 @@
         </a:fontRef>
       </dsp:style>
       <dsp:txBody>
-        <a:bodyPr spcFirstLastPara="0" vert="horz" wrap="square" lIns="99060" tIns="49530" rIns="99060" bIns="49530" numCol="1" spcCol="1270" anchor="ctr" anchorCtr="0">
+        <a:bodyPr spcFirstLastPara="0" vert="horz" wrap="square" lIns="110490" tIns="55245" rIns="110490" bIns="55245" numCol="1" spcCol="1270" anchor="ctr" anchorCtr="0">
           <a:noAutofit/>
         </a:bodyPr>
         <a:lstStyle/>
         <a:p>
-          <a:pPr marL="0" lvl="0" indent="0" algn="ctr" defTabSz="1155700" rtl="0">
+          <a:pPr marL="0" lvl="0" indent="0" algn="ctr" defTabSz="1289050" rtl="0">
             <a:lnSpc>
               <a:spcPct val="90000"/>
             </a:lnSpc>
@@ -11277,14 +11358,14 @@
             <a:buNone/>
           </a:pPr>
           <a:r>
-            <a:rPr lang="en-US" sz="2600" kern="1200" dirty="0"/>
+            <a:rPr lang="en-US" sz="2900" kern="1200" dirty="0"/>
             <a:t>8</a:t>
           </a:r>
         </a:p>
       </dsp:txBody>
       <dsp:txXfrm>
-        <a:off x="1079593" y="3855525"/>
-        <a:ext cx="680024" cy="470202"/>
+        <a:off x="1143480" y="4083395"/>
+        <a:ext cx="720271" cy="497993"/>
       </dsp:txXfrm>
     </dsp:sp>
   </dsp:spTree>
@@ -11316,36 +11397,41 @@
           <a:gsLst>
             <a:gs pos="0">
               <a:schemeClr val="accent5">
-                <a:lumMod val="110000"/>
-                <a:satMod val="105000"/>
-                <a:tint val="67000"/>
+                <a:tint val="50000"/>
+                <a:satMod val="300000"/>
               </a:schemeClr>
             </a:gs>
-            <a:gs pos="50000">
+            <a:gs pos="35000">
               <a:schemeClr val="accent5">
-                <a:lumMod val="105000"/>
-                <a:satMod val="103000"/>
-                <a:tint val="73000"/>
+                <a:tint val="37000"/>
+                <a:satMod val="300000"/>
               </a:schemeClr>
             </a:gs>
             <a:gs pos="100000">
               <a:schemeClr val="accent5">
-                <a:lumMod val="105000"/>
-                <a:satMod val="109000"/>
-                <a:tint val="81000"/>
+                <a:tint val="15000"/>
+                <a:satMod val="350000"/>
               </a:schemeClr>
             </a:gs>
           </a:gsLst>
-          <a:lin ang="5400000" scaled="0"/>
+          <a:lin ang="16200000" scaled="1"/>
         </a:gradFill>
-        <a:ln w="6350" cap="flat" cmpd="sng" algn="ctr">
+        <a:ln w="9525" cap="flat" cmpd="sng" algn="ctr">
           <a:solidFill>
-            <a:schemeClr val="accent5"/>
+            <a:schemeClr val="accent5">
+              <a:shade val="95000"/>
+              <a:satMod val="105000"/>
+            </a:schemeClr>
           </a:solidFill>
           <a:prstDash val="solid"/>
-          <a:miter lim="800000"/>
         </a:ln>
-        <a:effectLst/>
+        <a:effectLst>
+          <a:outerShdw blurRad="40000" dist="20000" dir="5400000" rotWithShape="0">
+            <a:srgbClr val="000000">
+              <a:alpha val="38000"/>
+            </a:srgbClr>
+          </a:outerShdw>
+        </a:effectLst>
         <a:scene3d>
           <a:camera prst="orthographicFront"/>
           <a:lightRig rig="flat" dir="t"/>
@@ -11412,36 +11498,41 @@
           <a:gsLst>
             <a:gs pos="0">
               <a:schemeClr val="accent1">
-                <a:lumMod val="110000"/>
-                <a:satMod val="105000"/>
-                <a:tint val="67000"/>
+                <a:tint val="50000"/>
+                <a:satMod val="300000"/>
               </a:schemeClr>
             </a:gs>
-            <a:gs pos="50000">
+            <a:gs pos="35000">
               <a:schemeClr val="accent1">
-                <a:lumMod val="105000"/>
-                <a:satMod val="103000"/>
-                <a:tint val="73000"/>
+                <a:tint val="37000"/>
+                <a:satMod val="300000"/>
               </a:schemeClr>
             </a:gs>
             <a:gs pos="100000">
               <a:schemeClr val="accent1">
-                <a:lumMod val="105000"/>
-                <a:satMod val="109000"/>
-                <a:tint val="81000"/>
+                <a:tint val="15000"/>
+                <a:satMod val="350000"/>
               </a:schemeClr>
             </a:gs>
           </a:gsLst>
-          <a:lin ang="5400000" scaled="0"/>
+          <a:lin ang="16200000" scaled="1"/>
         </a:gradFill>
-        <a:ln w="6350" cap="flat" cmpd="sng" algn="ctr">
+        <a:ln w="9525" cap="flat" cmpd="sng" algn="ctr">
           <a:solidFill>
-            <a:schemeClr val="accent1"/>
+            <a:schemeClr val="accent1">
+              <a:shade val="95000"/>
+              <a:satMod val="105000"/>
+            </a:schemeClr>
           </a:solidFill>
           <a:prstDash val="solid"/>
-          <a:miter lim="800000"/>
         </a:ln>
-        <a:effectLst/>
+        <a:effectLst>
+          <a:outerShdw blurRad="40000" dist="20000" dir="5400000" rotWithShape="0">
+            <a:srgbClr val="000000">
+              <a:alpha val="38000"/>
+            </a:srgbClr>
+          </a:outerShdw>
+        </a:effectLst>
         <a:scene3d>
           <a:camera prst="orthographicFront"/>
           <a:lightRig rig="flat" dir="t"/>
@@ -11508,36 +11599,41 @@
           <a:gsLst>
             <a:gs pos="0">
               <a:schemeClr val="accent5">
-                <a:lumMod val="110000"/>
-                <a:satMod val="105000"/>
-                <a:tint val="67000"/>
+                <a:tint val="50000"/>
+                <a:satMod val="300000"/>
               </a:schemeClr>
             </a:gs>
-            <a:gs pos="50000">
+            <a:gs pos="35000">
               <a:schemeClr val="accent5">
-                <a:lumMod val="105000"/>
-                <a:satMod val="103000"/>
-                <a:tint val="73000"/>
+                <a:tint val="37000"/>
+                <a:satMod val="300000"/>
               </a:schemeClr>
             </a:gs>
             <a:gs pos="100000">
               <a:schemeClr val="accent5">
-                <a:lumMod val="105000"/>
-                <a:satMod val="109000"/>
-                <a:tint val="81000"/>
+                <a:tint val="15000"/>
+                <a:satMod val="350000"/>
               </a:schemeClr>
             </a:gs>
           </a:gsLst>
-          <a:lin ang="5400000" scaled="0"/>
+          <a:lin ang="16200000" scaled="1"/>
         </a:gradFill>
-        <a:ln w="6350" cap="flat" cmpd="sng" algn="ctr">
+        <a:ln w="9525" cap="flat" cmpd="sng" algn="ctr">
           <a:solidFill>
-            <a:schemeClr val="accent5"/>
+            <a:schemeClr val="accent5">
+              <a:shade val="95000"/>
+              <a:satMod val="105000"/>
+            </a:schemeClr>
           </a:solidFill>
           <a:prstDash val="solid"/>
-          <a:miter lim="800000"/>
         </a:ln>
-        <a:effectLst/>
+        <a:effectLst>
+          <a:outerShdw blurRad="40000" dist="20000" dir="5400000" rotWithShape="0">
+            <a:srgbClr val="000000">
+              <a:alpha val="38000"/>
+            </a:srgbClr>
+          </a:outerShdw>
+        </a:effectLst>
         <a:scene3d>
           <a:camera prst="orthographicFront"/>
           <a:lightRig rig="flat" dir="t"/>
@@ -11604,36 +11700,41 @@
           <a:gsLst>
             <a:gs pos="0">
               <a:schemeClr val="accent1">
-                <a:lumMod val="110000"/>
-                <a:satMod val="105000"/>
-                <a:tint val="67000"/>
+                <a:tint val="50000"/>
+                <a:satMod val="300000"/>
               </a:schemeClr>
             </a:gs>
-            <a:gs pos="50000">
+            <a:gs pos="35000">
               <a:schemeClr val="accent1">
-                <a:lumMod val="105000"/>
-                <a:satMod val="103000"/>
-                <a:tint val="73000"/>
+                <a:tint val="37000"/>
+                <a:satMod val="300000"/>
               </a:schemeClr>
             </a:gs>
             <a:gs pos="100000">
               <a:schemeClr val="accent1">
-                <a:lumMod val="105000"/>
-                <a:satMod val="109000"/>
-                <a:tint val="81000"/>
+                <a:tint val="15000"/>
+                <a:satMod val="350000"/>
               </a:schemeClr>
             </a:gs>
           </a:gsLst>
-          <a:lin ang="5400000" scaled="0"/>
+          <a:lin ang="16200000" scaled="1"/>
         </a:gradFill>
-        <a:ln w="6350" cap="flat" cmpd="sng" algn="ctr">
+        <a:ln w="9525" cap="flat" cmpd="sng" algn="ctr">
           <a:solidFill>
-            <a:schemeClr val="accent1"/>
+            <a:schemeClr val="accent1">
+              <a:shade val="95000"/>
+              <a:satMod val="105000"/>
+            </a:schemeClr>
           </a:solidFill>
           <a:prstDash val="solid"/>
-          <a:miter lim="800000"/>
         </a:ln>
-        <a:effectLst/>
+        <a:effectLst>
+          <a:outerShdw blurRad="40000" dist="20000" dir="5400000" rotWithShape="0">
+            <a:srgbClr val="000000">
+              <a:alpha val="38000"/>
+            </a:srgbClr>
+          </a:outerShdw>
+        </a:effectLst>
         <a:scene3d>
           <a:camera prst="orthographicFront"/>
           <a:lightRig rig="flat" dir="t"/>
@@ -11700,36 +11801,41 @@
           <a:gsLst>
             <a:gs pos="0">
               <a:schemeClr val="accent5">
-                <a:lumMod val="110000"/>
-                <a:satMod val="105000"/>
-                <a:tint val="67000"/>
+                <a:tint val="50000"/>
+                <a:satMod val="300000"/>
               </a:schemeClr>
             </a:gs>
-            <a:gs pos="50000">
+            <a:gs pos="35000">
               <a:schemeClr val="accent5">
-                <a:lumMod val="105000"/>
-                <a:satMod val="103000"/>
-                <a:tint val="73000"/>
+                <a:tint val="37000"/>
+                <a:satMod val="300000"/>
               </a:schemeClr>
             </a:gs>
             <a:gs pos="100000">
               <a:schemeClr val="accent5">
-                <a:lumMod val="105000"/>
-                <a:satMod val="109000"/>
-                <a:tint val="81000"/>
+                <a:tint val="15000"/>
+                <a:satMod val="350000"/>
               </a:schemeClr>
             </a:gs>
           </a:gsLst>
-          <a:lin ang="5400000" scaled="0"/>
+          <a:lin ang="16200000" scaled="1"/>
         </a:gradFill>
-        <a:ln w="6350" cap="flat" cmpd="sng" algn="ctr">
+        <a:ln w="9525" cap="flat" cmpd="sng" algn="ctr">
           <a:solidFill>
-            <a:schemeClr val="accent5"/>
+            <a:schemeClr val="accent5">
+              <a:shade val="95000"/>
+              <a:satMod val="105000"/>
+            </a:schemeClr>
           </a:solidFill>
           <a:prstDash val="solid"/>
-          <a:miter lim="800000"/>
         </a:ln>
-        <a:effectLst/>
+        <a:effectLst>
+          <a:outerShdw blurRad="40000" dist="20000" dir="5400000" rotWithShape="0">
+            <a:srgbClr val="000000">
+              <a:alpha val="38000"/>
+            </a:srgbClr>
+          </a:outerShdw>
+        </a:effectLst>
         <a:scene3d>
           <a:camera prst="orthographicFront"/>
           <a:lightRig rig="flat" dir="t"/>
@@ -11796,36 +11902,41 @@
           <a:gsLst>
             <a:gs pos="0">
               <a:schemeClr val="accent1">
-                <a:lumMod val="110000"/>
-                <a:satMod val="105000"/>
-                <a:tint val="67000"/>
+                <a:tint val="50000"/>
+                <a:satMod val="300000"/>
               </a:schemeClr>
             </a:gs>
-            <a:gs pos="50000">
+            <a:gs pos="35000">
               <a:schemeClr val="accent1">
-                <a:lumMod val="105000"/>
-                <a:satMod val="103000"/>
-                <a:tint val="73000"/>
+                <a:tint val="37000"/>
+                <a:satMod val="300000"/>
               </a:schemeClr>
             </a:gs>
             <a:gs pos="100000">
               <a:schemeClr val="accent1">
-                <a:lumMod val="105000"/>
-                <a:satMod val="109000"/>
-                <a:tint val="81000"/>
+                <a:tint val="15000"/>
+                <a:satMod val="350000"/>
               </a:schemeClr>
             </a:gs>
           </a:gsLst>
-          <a:lin ang="5400000" scaled="0"/>
+          <a:lin ang="16200000" scaled="1"/>
         </a:gradFill>
-        <a:ln w="6350" cap="flat" cmpd="sng" algn="ctr">
+        <a:ln w="9525" cap="flat" cmpd="sng" algn="ctr">
           <a:solidFill>
-            <a:schemeClr val="accent1"/>
+            <a:schemeClr val="accent1">
+              <a:shade val="95000"/>
+              <a:satMod val="105000"/>
+            </a:schemeClr>
           </a:solidFill>
           <a:prstDash val="solid"/>
-          <a:miter lim="800000"/>
         </a:ln>
-        <a:effectLst/>
+        <a:effectLst>
+          <a:outerShdw blurRad="40000" dist="20000" dir="5400000" rotWithShape="0">
+            <a:srgbClr val="000000">
+              <a:alpha val="38000"/>
+            </a:srgbClr>
+          </a:outerShdw>
+        </a:effectLst>
         <a:scene3d>
           <a:camera prst="orthographicFront"/>
           <a:lightRig rig="flat" dir="t"/>
@@ -11904,36 +12015,41 @@
           <a:gsLst>
             <a:gs pos="0">
               <a:schemeClr val="accent5">
-                <a:lumMod val="110000"/>
-                <a:satMod val="105000"/>
-                <a:tint val="67000"/>
+                <a:tint val="50000"/>
+                <a:satMod val="300000"/>
               </a:schemeClr>
             </a:gs>
-            <a:gs pos="50000">
+            <a:gs pos="35000">
               <a:schemeClr val="accent5">
-                <a:lumMod val="105000"/>
-                <a:satMod val="103000"/>
-                <a:tint val="73000"/>
+                <a:tint val="37000"/>
+                <a:satMod val="300000"/>
               </a:schemeClr>
             </a:gs>
             <a:gs pos="100000">
               <a:schemeClr val="accent5">
-                <a:lumMod val="105000"/>
-                <a:satMod val="109000"/>
-                <a:tint val="81000"/>
+                <a:tint val="15000"/>
+                <a:satMod val="350000"/>
               </a:schemeClr>
             </a:gs>
           </a:gsLst>
-          <a:lin ang="5400000" scaled="0"/>
+          <a:lin ang="16200000" scaled="1"/>
         </a:gradFill>
-        <a:ln w="6350" cap="flat" cmpd="sng" algn="ctr">
+        <a:ln w="9525" cap="flat" cmpd="sng" algn="ctr">
           <a:solidFill>
-            <a:schemeClr val="accent5"/>
+            <a:schemeClr val="accent5">
+              <a:shade val="95000"/>
+              <a:satMod val="105000"/>
+            </a:schemeClr>
           </a:solidFill>
           <a:prstDash val="solid"/>
-          <a:miter lim="800000"/>
         </a:ln>
-        <a:effectLst/>
+        <a:effectLst>
+          <a:outerShdw blurRad="40000" dist="20000" dir="5400000" rotWithShape="0">
+            <a:srgbClr val="000000">
+              <a:alpha val="38000"/>
+            </a:srgbClr>
+          </a:outerShdw>
+        </a:effectLst>
         <a:scene3d>
           <a:camera prst="orthographicFront"/>
           <a:lightRig rig="flat" dir="t"/>
@@ -12000,36 +12116,41 @@
           <a:gsLst>
             <a:gs pos="0">
               <a:schemeClr val="accent1">
-                <a:lumMod val="110000"/>
-                <a:satMod val="105000"/>
-                <a:tint val="67000"/>
+                <a:tint val="50000"/>
+                <a:satMod val="300000"/>
               </a:schemeClr>
             </a:gs>
-            <a:gs pos="50000">
+            <a:gs pos="35000">
               <a:schemeClr val="accent1">
-                <a:lumMod val="105000"/>
-                <a:satMod val="103000"/>
-                <a:tint val="73000"/>
+                <a:tint val="37000"/>
+                <a:satMod val="300000"/>
               </a:schemeClr>
             </a:gs>
             <a:gs pos="100000">
               <a:schemeClr val="accent1">
-                <a:lumMod val="105000"/>
-                <a:satMod val="109000"/>
-                <a:tint val="81000"/>
+                <a:tint val="15000"/>
+                <a:satMod val="350000"/>
               </a:schemeClr>
             </a:gs>
           </a:gsLst>
-          <a:lin ang="5400000" scaled="0"/>
+          <a:lin ang="16200000" scaled="1"/>
         </a:gradFill>
-        <a:ln w="6350" cap="flat" cmpd="sng" algn="ctr">
+        <a:ln w="9525" cap="flat" cmpd="sng" algn="ctr">
           <a:solidFill>
-            <a:schemeClr val="accent1"/>
+            <a:schemeClr val="accent1">
+              <a:shade val="95000"/>
+              <a:satMod val="105000"/>
+            </a:schemeClr>
           </a:solidFill>
           <a:prstDash val="solid"/>
-          <a:miter lim="800000"/>
         </a:ln>
-        <a:effectLst/>
+        <a:effectLst>
+          <a:outerShdw blurRad="40000" dist="20000" dir="5400000" rotWithShape="0">
+            <a:srgbClr val="000000">
+              <a:alpha val="38000"/>
+            </a:srgbClr>
+          </a:outerShdw>
+        </a:effectLst>
         <a:scene3d>
           <a:camera prst="orthographicFront"/>
           <a:lightRig rig="flat" dir="t"/>
@@ -12051,12 +12172,12 @@
         </a:fontRef>
       </dsp:style>
       <dsp:txBody>
-        <a:bodyPr spcFirstLastPara="0" vert="horz" wrap="square" lIns="137160" tIns="68580" rIns="137160" bIns="68580" numCol="1" spcCol="1270" anchor="ctr" anchorCtr="0">
+        <a:bodyPr spcFirstLastPara="0" vert="horz" wrap="square" lIns="129540" tIns="64770" rIns="129540" bIns="64770" numCol="1" spcCol="1270" anchor="ctr" anchorCtr="0">
           <a:noAutofit/>
         </a:bodyPr>
         <a:lstStyle/>
         <a:p>
-          <a:pPr marL="0" lvl="0" indent="0" algn="ctr" defTabSz="1600200" rtl="0">
+          <a:pPr marL="0" lvl="0" indent="0" algn="ctr" defTabSz="1511300" rtl="0">
             <a:lnSpc>
               <a:spcPct val="90000"/>
             </a:lnSpc>
@@ -12069,7 +12190,7 @@
             <a:buNone/>
           </a:pPr>
           <a:r>
-            <a:rPr lang="en-US" sz="3600" kern="1200" dirty="0"/>
+            <a:rPr lang="en-US" sz="3400" kern="1200" dirty="0"/>
             <a:t>1</a:t>
           </a:r>
         </a:p>
@@ -12108,36 +12229,41 @@
           <a:gsLst>
             <a:gs pos="0">
               <a:schemeClr val="accent5">
-                <a:lumMod val="110000"/>
-                <a:satMod val="105000"/>
-                <a:tint val="67000"/>
+                <a:tint val="50000"/>
+                <a:satMod val="300000"/>
               </a:schemeClr>
             </a:gs>
-            <a:gs pos="50000">
+            <a:gs pos="35000">
               <a:schemeClr val="accent5">
-                <a:lumMod val="105000"/>
-                <a:satMod val="103000"/>
-                <a:tint val="73000"/>
+                <a:tint val="37000"/>
+                <a:satMod val="300000"/>
               </a:schemeClr>
             </a:gs>
             <a:gs pos="100000">
               <a:schemeClr val="accent5">
-                <a:lumMod val="105000"/>
-                <a:satMod val="109000"/>
-                <a:tint val="81000"/>
+                <a:tint val="15000"/>
+                <a:satMod val="350000"/>
               </a:schemeClr>
             </a:gs>
           </a:gsLst>
-          <a:lin ang="5400000" scaled="0"/>
+          <a:lin ang="16200000" scaled="1"/>
         </a:gradFill>
-        <a:ln w="6350" cap="flat" cmpd="sng" algn="ctr">
+        <a:ln w="9525" cap="flat" cmpd="sng" algn="ctr">
           <a:solidFill>
-            <a:schemeClr val="accent5"/>
+            <a:schemeClr val="accent5">
+              <a:shade val="95000"/>
+              <a:satMod val="105000"/>
+            </a:schemeClr>
           </a:solidFill>
           <a:prstDash val="solid"/>
-          <a:miter lim="800000"/>
         </a:ln>
-        <a:effectLst/>
+        <a:effectLst>
+          <a:outerShdw blurRad="40000" dist="20000" dir="5400000" rotWithShape="0">
+            <a:srgbClr val="000000">
+              <a:alpha val="38000"/>
+            </a:srgbClr>
+          </a:outerShdw>
+        </a:effectLst>
         <a:scene3d>
           <a:camera prst="orthographicFront"/>
           <a:lightRig rig="flat" dir="t"/>
@@ -12204,36 +12330,41 @@
           <a:gsLst>
             <a:gs pos="0">
               <a:schemeClr val="accent1">
-                <a:lumMod val="110000"/>
-                <a:satMod val="105000"/>
-                <a:tint val="67000"/>
+                <a:tint val="50000"/>
+                <a:satMod val="300000"/>
               </a:schemeClr>
             </a:gs>
-            <a:gs pos="50000">
+            <a:gs pos="35000">
               <a:schemeClr val="accent1">
-                <a:lumMod val="105000"/>
-                <a:satMod val="103000"/>
-                <a:tint val="73000"/>
+                <a:tint val="37000"/>
+                <a:satMod val="300000"/>
               </a:schemeClr>
             </a:gs>
             <a:gs pos="100000">
               <a:schemeClr val="accent1">
-                <a:lumMod val="105000"/>
-                <a:satMod val="109000"/>
-                <a:tint val="81000"/>
+                <a:tint val="15000"/>
+                <a:satMod val="350000"/>
               </a:schemeClr>
             </a:gs>
           </a:gsLst>
-          <a:lin ang="5400000" scaled="0"/>
+          <a:lin ang="16200000" scaled="1"/>
         </a:gradFill>
-        <a:ln w="6350" cap="flat" cmpd="sng" algn="ctr">
+        <a:ln w="9525" cap="flat" cmpd="sng" algn="ctr">
           <a:solidFill>
-            <a:schemeClr val="accent1"/>
+            <a:schemeClr val="accent1">
+              <a:shade val="95000"/>
+              <a:satMod val="105000"/>
+            </a:schemeClr>
           </a:solidFill>
           <a:prstDash val="solid"/>
-          <a:miter lim="800000"/>
         </a:ln>
-        <a:effectLst/>
+        <a:effectLst>
+          <a:outerShdw blurRad="40000" dist="20000" dir="5400000" rotWithShape="0">
+            <a:srgbClr val="000000">
+              <a:alpha val="38000"/>
+            </a:srgbClr>
+          </a:outerShdw>
+        </a:effectLst>
         <a:scene3d>
           <a:camera prst="orthographicFront"/>
           <a:lightRig rig="flat" dir="t"/>
@@ -12255,12 +12386,12 @@
         </a:fontRef>
       </dsp:style>
       <dsp:txBody>
-        <a:bodyPr spcFirstLastPara="0" vert="horz" wrap="square" lIns="137160" tIns="68580" rIns="137160" bIns="68580" numCol="1" spcCol="1270" anchor="ctr" anchorCtr="0">
+        <a:bodyPr spcFirstLastPara="0" vert="horz" wrap="square" lIns="133350" tIns="66675" rIns="133350" bIns="66675" numCol="1" spcCol="1270" anchor="ctr" anchorCtr="0">
           <a:noAutofit/>
         </a:bodyPr>
         <a:lstStyle/>
         <a:p>
-          <a:pPr marL="0" lvl="0" indent="0" algn="ctr" defTabSz="1600200" rtl="0">
+          <a:pPr marL="0" lvl="0" indent="0" algn="ctr" defTabSz="1555750" rtl="0">
             <a:lnSpc>
               <a:spcPct val="90000"/>
             </a:lnSpc>
@@ -12273,7 +12404,7 @@
             <a:buNone/>
           </a:pPr>
           <a:r>
-            <a:rPr lang="en-US" sz="3600" kern="1200" dirty="0"/>
+            <a:rPr lang="en-US" sz="3500" kern="1200" dirty="0"/>
             <a:t>2</a:t>
           </a:r>
         </a:p>
@@ -12312,36 +12443,41 @@
           <a:gsLst>
             <a:gs pos="0">
               <a:schemeClr val="accent5">
-                <a:lumMod val="110000"/>
-                <a:satMod val="105000"/>
-                <a:tint val="67000"/>
+                <a:tint val="50000"/>
+                <a:satMod val="300000"/>
               </a:schemeClr>
             </a:gs>
-            <a:gs pos="50000">
+            <a:gs pos="35000">
               <a:schemeClr val="accent5">
-                <a:lumMod val="105000"/>
-                <a:satMod val="103000"/>
-                <a:tint val="73000"/>
+                <a:tint val="37000"/>
+                <a:satMod val="300000"/>
               </a:schemeClr>
             </a:gs>
             <a:gs pos="100000">
               <a:schemeClr val="accent5">
-                <a:lumMod val="105000"/>
-                <a:satMod val="109000"/>
-                <a:tint val="81000"/>
+                <a:tint val="15000"/>
+                <a:satMod val="350000"/>
               </a:schemeClr>
             </a:gs>
           </a:gsLst>
-          <a:lin ang="5400000" scaled="0"/>
+          <a:lin ang="16200000" scaled="1"/>
         </a:gradFill>
-        <a:ln w="6350" cap="flat" cmpd="sng" algn="ctr">
+        <a:ln w="9525" cap="flat" cmpd="sng" algn="ctr">
           <a:solidFill>
-            <a:schemeClr val="accent5"/>
+            <a:schemeClr val="accent5">
+              <a:shade val="95000"/>
+              <a:satMod val="105000"/>
+            </a:schemeClr>
           </a:solidFill>
           <a:prstDash val="solid"/>
-          <a:miter lim="800000"/>
         </a:ln>
-        <a:effectLst/>
+        <a:effectLst>
+          <a:outerShdw blurRad="40000" dist="20000" dir="5400000" rotWithShape="0">
+            <a:srgbClr val="000000">
+              <a:alpha val="38000"/>
+            </a:srgbClr>
+          </a:outerShdw>
+        </a:effectLst>
         <a:scene3d>
           <a:camera prst="orthographicFront"/>
           <a:lightRig rig="flat" dir="t"/>
@@ -12408,36 +12544,41 @@
           <a:gsLst>
             <a:gs pos="0">
               <a:schemeClr val="accent1">
-                <a:lumMod val="110000"/>
-                <a:satMod val="105000"/>
-                <a:tint val="67000"/>
+                <a:tint val="50000"/>
+                <a:satMod val="300000"/>
               </a:schemeClr>
             </a:gs>
-            <a:gs pos="50000">
+            <a:gs pos="35000">
               <a:schemeClr val="accent1">
-                <a:lumMod val="105000"/>
-                <a:satMod val="103000"/>
-                <a:tint val="73000"/>
+                <a:tint val="37000"/>
+                <a:satMod val="300000"/>
               </a:schemeClr>
             </a:gs>
             <a:gs pos="100000">
               <a:schemeClr val="accent1">
-                <a:lumMod val="105000"/>
-                <a:satMod val="109000"/>
-                <a:tint val="81000"/>
+                <a:tint val="15000"/>
+                <a:satMod val="350000"/>
               </a:schemeClr>
             </a:gs>
           </a:gsLst>
-          <a:lin ang="5400000" scaled="0"/>
+          <a:lin ang="16200000" scaled="1"/>
         </a:gradFill>
-        <a:ln w="6350" cap="flat" cmpd="sng" algn="ctr">
+        <a:ln w="9525" cap="flat" cmpd="sng" algn="ctr">
           <a:solidFill>
-            <a:schemeClr val="accent1"/>
+            <a:schemeClr val="accent1">
+              <a:shade val="95000"/>
+              <a:satMod val="105000"/>
+            </a:schemeClr>
           </a:solidFill>
           <a:prstDash val="solid"/>
-          <a:miter lim="800000"/>
         </a:ln>
-        <a:effectLst/>
+        <a:effectLst>
+          <a:outerShdw blurRad="40000" dist="20000" dir="5400000" rotWithShape="0">
+            <a:srgbClr val="000000">
+              <a:alpha val="38000"/>
+            </a:srgbClr>
+          </a:outerShdw>
+        </a:effectLst>
         <a:scene3d>
           <a:camera prst="orthographicFront"/>
           <a:lightRig rig="flat" dir="t"/>
@@ -12459,12 +12600,12 @@
         </a:fontRef>
       </dsp:style>
       <dsp:txBody>
-        <a:bodyPr spcFirstLastPara="0" vert="horz" wrap="square" lIns="137160" tIns="68580" rIns="137160" bIns="68580" numCol="1" spcCol="1270" anchor="ctr" anchorCtr="0">
+        <a:bodyPr spcFirstLastPara="0" vert="horz" wrap="square" lIns="133350" tIns="66675" rIns="133350" bIns="66675" numCol="1" spcCol="1270" anchor="ctr" anchorCtr="0">
           <a:noAutofit/>
         </a:bodyPr>
         <a:lstStyle/>
         <a:p>
-          <a:pPr marL="0" lvl="0" indent="0" algn="ctr" defTabSz="1600200" rtl="0">
+          <a:pPr marL="0" lvl="0" indent="0" algn="ctr" defTabSz="1555750" rtl="0">
             <a:lnSpc>
               <a:spcPct val="90000"/>
             </a:lnSpc>
@@ -12477,7 +12618,7 @@
             <a:buNone/>
           </a:pPr>
           <a:r>
-            <a:rPr lang="en-US" sz="3600" kern="1200" dirty="0"/>
+            <a:rPr lang="en-US" sz="3500" kern="1200" dirty="0"/>
             <a:t>4</a:t>
           </a:r>
         </a:p>
@@ -12516,36 +12657,41 @@
           <a:gsLst>
             <a:gs pos="0">
               <a:schemeClr val="accent5">
-                <a:lumMod val="110000"/>
-                <a:satMod val="105000"/>
-                <a:tint val="67000"/>
+                <a:tint val="50000"/>
+                <a:satMod val="300000"/>
               </a:schemeClr>
             </a:gs>
-            <a:gs pos="50000">
+            <a:gs pos="35000">
               <a:schemeClr val="accent5">
-                <a:lumMod val="105000"/>
-                <a:satMod val="103000"/>
-                <a:tint val="73000"/>
+                <a:tint val="37000"/>
+                <a:satMod val="300000"/>
               </a:schemeClr>
             </a:gs>
             <a:gs pos="100000">
               <a:schemeClr val="accent5">
-                <a:lumMod val="105000"/>
-                <a:satMod val="109000"/>
-                <a:tint val="81000"/>
+                <a:tint val="15000"/>
+                <a:satMod val="350000"/>
               </a:schemeClr>
             </a:gs>
           </a:gsLst>
-          <a:lin ang="5400000" scaled="0"/>
+          <a:lin ang="16200000" scaled="1"/>
         </a:gradFill>
-        <a:ln w="6350" cap="flat" cmpd="sng" algn="ctr">
+        <a:ln w="9525" cap="flat" cmpd="sng" algn="ctr">
           <a:solidFill>
-            <a:schemeClr val="accent5"/>
+            <a:schemeClr val="accent5">
+              <a:shade val="95000"/>
+              <a:satMod val="105000"/>
+            </a:schemeClr>
           </a:solidFill>
           <a:prstDash val="solid"/>
-          <a:miter lim="800000"/>
         </a:ln>
-        <a:effectLst/>
+        <a:effectLst>
+          <a:outerShdw blurRad="40000" dist="20000" dir="5400000" rotWithShape="0">
+            <a:srgbClr val="000000">
+              <a:alpha val="38000"/>
+            </a:srgbClr>
+          </a:outerShdw>
+        </a:effectLst>
         <a:scene3d>
           <a:camera prst="orthographicFront"/>
           <a:lightRig rig="flat" dir="t"/>
@@ -12567,12 +12713,12 @@
         </a:fontRef>
       </dsp:style>
       <dsp:txBody>
-        <a:bodyPr spcFirstLastPara="0" vert="horz" wrap="square" lIns="83820" tIns="41910" rIns="83820" bIns="41910" numCol="1" spcCol="1270" anchor="ctr" anchorCtr="0">
+        <a:bodyPr spcFirstLastPara="0" vert="horz" wrap="square" lIns="76200" tIns="38100" rIns="76200" bIns="38100" numCol="1" spcCol="1270" anchor="ctr" anchorCtr="0">
           <a:noAutofit/>
         </a:bodyPr>
         <a:lstStyle/>
         <a:p>
-          <a:pPr marL="228600" lvl="1" indent="-228600" algn="l" defTabSz="977900" rtl="0">
+          <a:pPr marL="228600" lvl="1" indent="-228600" algn="l" defTabSz="889000" rtl="0">
             <a:lnSpc>
               <a:spcPct val="90000"/>
             </a:lnSpc>
@@ -12585,7 +12731,7 @@
             <a:buChar char="•"/>
           </a:pPr>
           <a:r>
-            <a:rPr lang="en-US" sz="2200" kern="1200" dirty="0"/>
+            <a:rPr lang="en-US" sz="2000" kern="1200" dirty="0"/>
             <a:t>Set message variables</a:t>
           </a:r>
         </a:p>
@@ -12612,36 +12758,41 @@
           <a:gsLst>
             <a:gs pos="0">
               <a:schemeClr val="accent1">
-                <a:lumMod val="110000"/>
-                <a:satMod val="105000"/>
-                <a:tint val="67000"/>
+                <a:tint val="50000"/>
+                <a:satMod val="300000"/>
               </a:schemeClr>
             </a:gs>
-            <a:gs pos="50000">
+            <a:gs pos="35000">
               <a:schemeClr val="accent1">
-                <a:lumMod val="105000"/>
-                <a:satMod val="103000"/>
-                <a:tint val="73000"/>
+                <a:tint val="37000"/>
+                <a:satMod val="300000"/>
               </a:schemeClr>
             </a:gs>
             <a:gs pos="100000">
               <a:schemeClr val="accent1">
-                <a:lumMod val="105000"/>
-                <a:satMod val="109000"/>
-                <a:tint val="81000"/>
+                <a:tint val="15000"/>
+                <a:satMod val="350000"/>
               </a:schemeClr>
             </a:gs>
           </a:gsLst>
-          <a:lin ang="5400000" scaled="0"/>
+          <a:lin ang="16200000" scaled="1"/>
         </a:gradFill>
-        <a:ln w="6350" cap="flat" cmpd="sng" algn="ctr">
+        <a:ln w="9525" cap="flat" cmpd="sng" algn="ctr">
           <a:solidFill>
-            <a:schemeClr val="accent1"/>
+            <a:schemeClr val="accent1">
+              <a:shade val="95000"/>
+              <a:satMod val="105000"/>
+            </a:schemeClr>
           </a:solidFill>
           <a:prstDash val="solid"/>
-          <a:miter lim="800000"/>
         </a:ln>
-        <a:effectLst/>
+        <a:effectLst>
+          <a:outerShdw blurRad="40000" dist="20000" dir="5400000" rotWithShape="0">
+            <a:srgbClr val="000000">
+              <a:alpha val="38000"/>
+            </a:srgbClr>
+          </a:outerShdw>
+        </a:effectLst>
         <a:scene3d>
           <a:camera prst="orthographicFront"/>
           <a:lightRig rig="flat" dir="t"/>
@@ -12663,12 +12814,12 @@
         </a:fontRef>
       </dsp:style>
       <dsp:txBody>
-        <a:bodyPr spcFirstLastPara="0" vert="horz" wrap="square" lIns="137160" tIns="68580" rIns="137160" bIns="68580" numCol="1" spcCol="1270" anchor="ctr" anchorCtr="0">
+        <a:bodyPr spcFirstLastPara="0" vert="horz" wrap="square" lIns="133350" tIns="66675" rIns="133350" bIns="66675" numCol="1" spcCol="1270" anchor="ctr" anchorCtr="0">
           <a:noAutofit/>
         </a:bodyPr>
         <a:lstStyle/>
         <a:p>
-          <a:pPr marL="0" lvl="0" indent="0" algn="ctr" defTabSz="1600200" rtl="0">
+          <a:pPr marL="0" lvl="0" indent="0" algn="ctr" defTabSz="1555750" rtl="0">
             <a:lnSpc>
               <a:spcPct val="90000"/>
             </a:lnSpc>
@@ -12681,7 +12832,7 @@
             <a:buNone/>
           </a:pPr>
           <a:r>
-            <a:rPr lang="en-US" sz="3600" kern="1200" dirty="0"/>
+            <a:rPr lang="en-US" sz="3500" kern="1200" dirty="0"/>
             <a:t>3</a:t>
           </a:r>
         </a:p>
@@ -12720,36 +12871,41 @@
           <a:gsLst>
             <a:gs pos="0">
               <a:schemeClr val="accent5">
-                <a:lumMod val="110000"/>
-                <a:satMod val="105000"/>
-                <a:tint val="67000"/>
+                <a:tint val="50000"/>
+                <a:satMod val="300000"/>
               </a:schemeClr>
             </a:gs>
-            <a:gs pos="50000">
+            <a:gs pos="35000">
               <a:schemeClr val="accent5">
-                <a:lumMod val="105000"/>
-                <a:satMod val="103000"/>
-                <a:tint val="73000"/>
+                <a:tint val="37000"/>
+                <a:satMod val="300000"/>
               </a:schemeClr>
             </a:gs>
             <a:gs pos="100000">
               <a:schemeClr val="accent5">
-                <a:lumMod val="105000"/>
-                <a:satMod val="109000"/>
-                <a:tint val="81000"/>
+                <a:tint val="15000"/>
+                <a:satMod val="350000"/>
               </a:schemeClr>
             </a:gs>
           </a:gsLst>
-          <a:lin ang="5400000" scaled="0"/>
+          <a:lin ang="16200000" scaled="1"/>
         </a:gradFill>
-        <a:ln w="6350" cap="flat" cmpd="sng" algn="ctr">
+        <a:ln w="9525" cap="flat" cmpd="sng" algn="ctr">
           <a:solidFill>
-            <a:schemeClr val="accent5"/>
+            <a:schemeClr val="accent5">
+              <a:shade val="95000"/>
+              <a:satMod val="105000"/>
+            </a:schemeClr>
           </a:solidFill>
           <a:prstDash val="solid"/>
-          <a:miter lim="800000"/>
         </a:ln>
-        <a:effectLst/>
+        <a:effectLst>
+          <a:outerShdw blurRad="40000" dist="20000" dir="5400000" rotWithShape="0">
+            <a:srgbClr val="000000">
+              <a:alpha val="38000"/>
+            </a:srgbClr>
+          </a:outerShdw>
+        </a:effectLst>
         <a:scene3d>
           <a:camera prst="orthographicFront"/>
           <a:lightRig rig="flat" dir="t"/>
@@ -12816,36 +12972,41 @@
           <a:gsLst>
             <a:gs pos="0">
               <a:schemeClr val="accent1">
-                <a:lumMod val="110000"/>
-                <a:satMod val="105000"/>
-                <a:tint val="67000"/>
+                <a:tint val="50000"/>
+                <a:satMod val="300000"/>
               </a:schemeClr>
             </a:gs>
-            <a:gs pos="50000">
+            <a:gs pos="35000">
               <a:schemeClr val="accent1">
-                <a:lumMod val="105000"/>
-                <a:satMod val="103000"/>
-                <a:tint val="73000"/>
+                <a:tint val="37000"/>
+                <a:satMod val="300000"/>
               </a:schemeClr>
             </a:gs>
             <a:gs pos="100000">
               <a:schemeClr val="accent1">
-                <a:lumMod val="105000"/>
-                <a:satMod val="109000"/>
-                <a:tint val="81000"/>
+                <a:tint val="15000"/>
+                <a:satMod val="350000"/>
               </a:schemeClr>
             </a:gs>
           </a:gsLst>
-          <a:lin ang="5400000" scaled="0"/>
+          <a:lin ang="16200000" scaled="1"/>
         </a:gradFill>
-        <a:ln w="6350" cap="flat" cmpd="sng" algn="ctr">
+        <a:ln w="9525" cap="flat" cmpd="sng" algn="ctr">
           <a:solidFill>
-            <a:schemeClr val="accent1"/>
+            <a:schemeClr val="accent1">
+              <a:shade val="95000"/>
+              <a:satMod val="105000"/>
+            </a:schemeClr>
           </a:solidFill>
           <a:prstDash val="solid"/>
-          <a:miter lim="800000"/>
         </a:ln>
-        <a:effectLst/>
+        <a:effectLst>
+          <a:outerShdw blurRad="40000" dist="20000" dir="5400000" rotWithShape="0">
+            <a:srgbClr val="000000">
+              <a:alpha val="38000"/>
+            </a:srgbClr>
+          </a:outerShdw>
+        </a:effectLst>
         <a:scene3d>
           <a:camera prst="orthographicFront"/>
           <a:lightRig rig="flat" dir="t"/>
@@ -12867,12 +13028,12 @@
         </a:fontRef>
       </dsp:style>
       <dsp:txBody>
-        <a:bodyPr spcFirstLastPara="0" vert="horz" wrap="square" lIns="91440" tIns="45720" rIns="91440" bIns="45720" numCol="1" spcCol="1270" anchor="ctr" anchorCtr="0">
+        <a:bodyPr spcFirstLastPara="0" vert="horz" wrap="square" lIns="95250" tIns="47625" rIns="95250" bIns="47625" numCol="1" spcCol="1270" anchor="ctr" anchorCtr="0">
           <a:noAutofit/>
         </a:bodyPr>
         <a:lstStyle/>
         <a:p>
-          <a:pPr marL="0" lvl="0" indent="0" algn="ctr" defTabSz="1066800" rtl="0">
+          <a:pPr marL="0" lvl="0" indent="0" algn="ctr" defTabSz="1111250" rtl="0">
             <a:lnSpc>
               <a:spcPct val="90000"/>
             </a:lnSpc>
@@ -12885,7 +13046,7 @@
             <a:buNone/>
           </a:pPr>
           <a:r>
-            <a:rPr lang="en-US" sz="2400" kern="1200" dirty="0"/>
+            <a:rPr lang="en-US" sz="2500" kern="1200" dirty="0"/>
             <a:t>1</a:t>
           </a:r>
         </a:p>
@@ -12912,36 +13073,41 @@
           <a:gsLst>
             <a:gs pos="0">
               <a:schemeClr val="accent5">
-                <a:lumMod val="110000"/>
-                <a:satMod val="105000"/>
-                <a:tint val="67000"/>
+                <a:tint val="50000"/>
+                <a:satMod val="300000"/>
               </a:schemeClr>
             </a:gs>
-            <a:gs pos="50000">
+            <a:gs pos="35000">
               <a:schemeClr val="accent5">
-                <a:lumMod val="105000"/>
-                <a:satMod val="103000"/>
-                <a:tint val="73000"/>
+                <a:tint val="37000"/>
+                <a:satMod val="300000"/>
               </a:schemeClr>
             </a:gs>
             <a:gs pos="100000">
               <a:schemeClr val="accent5">
-                <a:lumMod val="105000"/>
-                <a:satMod val="109000"/>
-                <a:tint val="81000"/>
+                <a:tint val="15000"/>
+                <a:satMod val="350000"/>
               </a:schemeClr>
             </a:gs>
           </a:gsLst>
-          <a:lin ang="5400000" scaled="0"/>
+          <a:lin ang="16200000" scaled="1"/>
         </a:gradFill>
-        <a:ln w="6350" cap="flat" cmpd="sng" algn="ctr">
+        <a:ln w="9525" cap="flat" cmpd="sng" algn="ctr">
           <a:solidFill>
-            <a:schemeClr val="accent5"/>
+            <a:schemeClr val="accent5">
+              <a:shade val="95000"/>
+              <a:satMod val="105000"/>
+            </a:schemeClr>
           </a:solidFill>
           <a:prstDash val="solid"/>
-          <a:miter lim="800000"/>
         </a:ln>
-        <a:effectLst/>
+        <a:effectLst>
+          <a:outerShdw blurRad="40000" dist="20000" dir="5400000" rotWithShape="0">
+            <a:srgbClr val="000000">
+              <a:alpha val="38000"/>
+            </a:srgbClr>
+          </a:outerShdw>
+        </a:effectLst>
         <a:scene3d>
           <a:camera prst="orthographicFront"/>
           <a:lightRig rig="flat" dir="t"/>
@@ -13008,36 +13174,41 @@
           <a:gsLst>
             <a:gs pos="0">
               <a:schemeClr val="accent1">
-                <a:lumMod val="110000"/>
-                <a:satMod val="105000"/>
-                <a:tint val="67000"/>
+                <a:tint val="50000"/>
+                <a:satMod val="300000"/>
               </a:schemeClr>
             </a:gs>
-            <a:gs pos="50000">
+            <a:gs pos="35000">
               <a:schemeClr val="accent1">
-                <a:lumMod val="105000"/>
-                <a:satMod val="103000"/>
-                <a:tint val="73000"/>
+                <a:tint val="37000"/>
+                <a:satMod val="300000"/>
               </a:schemeClr>
             </a:gs>
             <a:gs pos="100000">
               <a:schemeClr val="accent1">
-                <a:lumMod val="105000"/>
-                <a:satMod val="109000"/>
-                <a:tint val="81000"/>
+                <a:tint val="15000"/>
+                <a:satMod val="350000"/>
               </a:schemeClr>
             </a:gs>
           </a:gsLst>
-          <a:lin ang="5400000" scaled="0"/>
+          <a:lin ang="16200000" scaled="1"/>
         </a:gradFill>
-        <a:ln w="6350" cap="flat" cmpd="sng" algn="ctr">
+        <a:ln w="9525" cap="flat" cmpd="sng" algn="ctr">
           <a:solidFill>
-            <a:schemeClr val="accent1"/>
+            <a:schemeClr val="accent1">
+              <a:shade val="95000"/>
+              <a:satMod val="105000"/>
+            </a:schemeClr>
           </a:solidFill>
           <a:prstDash val="solid"/>
-          <a:miter lim="800000"/>
         </a:ln>
-        <a:effectLst/>
+        <a:effectLst>
+          <a:outerShdw blurRad="40000" dist="20000" dir="5400000" rotWithShape="0">
+            <a:srgbClr val="000000">
+              <a:alpha val="38000"/>
+            </a:srgbClr>
+          </a:outerShdw>
+        </a:effectLst>
         <a:scene3d>
           <a:camera prst="orthographicFront"/>
           <a:lightRig rig="flat" dir="t"/>
@@ -13059,12 +13230,12 @@
         </a:fontRef>
       </dsp:style>
       <dsp:txBody>
-        <a:bodyPr spcFirstLastPara="0" vert="horz" wrap="square" lIns="91440" tIns="45720" rIns="91440" bIns="45720" numCol="1" spcCol="1270" anchor="ctr" anchorCtr="0">
+        <a:bodyPr spcFirstLastPara="0" vert="horz" wrap="square" lIns="95250" tIns="47625" rIns="95250" bIns="47625" numCol="1" spcCol="1270" anchor="ctr" anchorCtr="0">
           <a:noAutofit/>
         </a:bodyPr>
         <a:lstStyle/>
         <a:p>
-          <a:pPr marL="0" lvl="0" indent="0" algn="ctr" defTabSz="1066800" rtl="0">
+          <a:pPr marL="0" lvl="0" indent="0" algn="ctr" defTabSz="1111250" rtl="0">
             <a:lnSpc>
               <a:spcPct val="90000"/>
             </a:lnSpc>
@@ -13077,7 +13248,7 @@
             <a:buNone/>
           </a:pPr>
           <a:r>
-            <a:rPr lang="en-US" sz="2400" kern="1200" dirty="0"/>
+            <a:rPr lang="en-US" sz="2500" kern="1200" dirty="0"/>
             <a:t>2</a:t>
           </a:r>
         </a:p>
@@ -13104,36 +13275,41 @@
           <a:gsLst>
             <a:gs pos="0">
               <a:schemeClr val="accent5">
-                <a:lumMod val="110000"/>
-                <a:satMod val="105000"/>
-                <a:tint val="67000"/>
+                <a:tint val="50000"/>
+                <a:satMod val="300000"/>
               </a:schemeClr>
             </a:gs>
-            <a:gs pos="50000">
+            <a:gs pos="35000">
               <a:schemeClr val="accent5">
-                <a:lumMod val="105000"/>
-                <a:satMod val="103000"/>
-                <a:tint val="73000"/>
+                <a:tint val="37000"/>
+                <a:satMod val="300000"/>
               </a:schemeClr>
             </a:gs>
             <a:gs pos="100000">
               <a:schemeClr val="accent5">
-                <a:lumMod val="105000"/>
-                <a:satMod val="109000"/>
-                <a:tint val="81000"/>
+                <a:tint val="15000"/>
+                <a:satMod val="350000"/>
               </a:schemeClr>
             </a:gs>
           </a:gsLst>
-          <a:lin ang="5400000" scaled="0"/>
+          <a:lin ang="16200000" scaled="1"/>
         </a:gradFill>
-        <a:ln w="6350" cap="flat" cmpd="sng" algn="ctr">
+        <a:ln w="9525" cap="flat" cmpd="sng" algn="ctr">
           <a:solidFill>
-            <a:schemeClr val="accent5"/>
+            <a:schemeClr val="accent5">
+              <a:shade val="95000"/>
+              <a:satMod val="105000"/>
+            </a:schemeClr>
           </a:solidFill>
           <a:prstDash val="solid"/>
-          <a:miter lim="800000"/>
         </a:ln>
-        <a:effectLst/>
+        <a:effectLst>
+          <a:outerShdw blurRad="40000" dist="20000" dir="5400000" rotWithShape="0">
+            <a:srgbClr val="000000">
+              <a:alpha val="38000"/>
+            </a:srgbClr>
+          </a:outerShdw>
+        </a:effectLst>
         <a:scene3d>
           <a:camera prst="orthographicFront"/>
           <a:lightRig rig="flat" dir="t"/>
@@ -13200,36 +13376,41 @@
           <a:gsLst>
             <a:gs pos="0">
               <a:schemeClr val="accent1">
-                <a:lumMod val="110000"/>
-                <a:satMod val="105000"/>
-                <a:tint val="67000"/>
+                <a:tint val="50000"/>
+                <a:satMod val="300000"/>
               </a:schemeClr>
             </a:gs>
-            <a:gs pos="50000">
+            <a:gs pos="35000">
               <a:schemeClr val="accent1">
-                <a:lumMod val="105000"/>
-                <a:satMod val="103000"/>
-                <a:tint val="73000"/>
+                <a:tint val="37000"/>
+                <a:satMod val="300000"/>
               </a:schemeClr>
             </a:gs>
             <a:gs pos="100000">
               <a:schemeClr val="accent1">
-                <a:lumMod val="105000"/>
-                <a:satMod val="109000"/>
-                <a:tint val="81000"/>
+                <a:tint val="15000"/>
+                <a:satMod val="350000"/>
               </a:schemeClr>
             </a:gs>
           </a:gsLst>
-          <a:lin ang="5400000" scaled="0"/>
+          <a:lin ang="16200000" scaled="1"/>
         </a:gradFill>
-        <a:ln w="6350" cap="flat" cmpd="sng" algn="ctr">
+        <a:ln w="9525" cap="flat" cmpd="sng" algn="ctr">
           <a:solidFill>
-            <a:schemeClr val="accent1"/>
+            <a:schemeClr val="accent1">
+              <a:shade val="95000"/>
+              <a:satMod val="105000"/>
+            </a:schemeClr>
           </a:solidFill>
           <a:prstDash val="solid"/>
-          <a:miter lim="800000"/>
         </a:ln>
-        <a:effectLst/>
+        <a:effectLst>
+          <a:outerShdw blurRad="40000" dist="20000" dir="5400000" rotWithShape="0">
+            <a:srgbClr val="000000">
+              <a:alpha val="38000"/>
+            </a:srgbClr>
+          </a:outerShdw>
+        </a:effectLst>
         <a:scene3d>
           <a:camera prst="orthographicFront"/>
           <a:lightRig rig="flat" dir="t"/>
@@ -13251,12 +13432,12 @@
         </a:fontRef>
       </dsp:style>
       <dsp:txBody>
-        <a:bodyPr spcFirstLastPara="0" vert="horz" wrap="square" lIns="91440" tIns="45720" rIns="91440" bIns="45720" numCol="1" spcCol="1270" anchor="ctr" anchorCtr="0">
+        <a:bodyPr spcFirstLastPara="0" vert="horz" wrap="square" lIns="95250" tIns="47625" rIns="95250" bIns="47625" numCol="1" spcCol="1270" anchor="ctr" anchorCtr="0">
           <a:noAutofit/>
         </a:bodyPr>
         <a:lstStyle/>
         <a:p>
-          <a:pPr marL="0" lvl="0" indent="0" algn="ctr" defTabSz="1066800" rtl="0">
+          <a:pPr marL="0" lvl="0" indent="0" algn="ctr" defTabSz="1111250" rtl="0">
             <a:lnSpc>
               <a:spcPct val="90000"/>
             </a:lnSpc>
@@ -13269,7 +13450,7 @@
             <a:buNone/>
           </a:pPr>
           <a:r>
-            <a:rPr lang="en-US" sz="2400" kern="1200" dirty="0"/>
+            <a:rPr lang="en-US" sz="2500" kern="1200" dirty="0"/>
             <a:t>3</a:t>
           </a:r>
         </a:p>
@@ -13296,36 +13477,41 @@
           <a:gsLst>
             <a:gs pos="0">
               <a:schemeClr val="accent5">
-                <a:lumMod val="110000"/>
-                <a:satMod val="105000"/>
-                <a:tint val="67000"/>
+                <a:tint val="50000"/>
+                <a:satMod val="300000"/>
               </a:schemeClr>
             </a:gs>
-            <a:gs pos="50000">
+            <a:gs pos="35000">
               <a:schemeClr val="accent5">
-                <a:lumMod val="105000"/>
-                <a:satMod val="103000"/>
-                <a:tint val="73000"/>
+                <a:tint val="37000"/>
+                <a:satMod val="300000"/>
               </a:schemeClr>
             </a:gs>
             <a:gs pos="100000">
               <a:schemeClr val="accent5">
-                <a:lumMod val="105000"/>
-                <a:satMod val="109000"/>
-                <a:tint val="81000"/>
+                <a:tint val="15000"/>
+                <a:satMod val="350000"/>
               </a:schemeClr>
             </a:gs>
           </a:gsLst>
-          <a:lin ang="5400000" scaled="0"/>
+          <a:lin ang="16200000" scaled="1"/>
         </a:gradFill>
-        <a:ln w="6350" cap="flat" cmpd="sng" algn="ctr">
+        <a:ln w="9525" cap="flat" cmpd="sng" algn="ctr">
           <a:solidFill>
-            <a:schemeClr val="accent5"/>
+            <a:schemeClr val="accent5">
+              <a:shade val="95000"/>
+              <a:satMod val="105000"/>
+            </a:schemeClr>
           </a:solidFill>
           <a:prstDash val="solid"/>
-          <a:miter lim="800000"/>
         </a:ln>
-        <a:effectLst/>
+        <a:effectLst>
+          <a:outerShdw blurRad="40000" dist="20000" dir="5400000" rotWithShape="0">
+            <a:srgbClr val="000000">
+              <a:alpha val="38000"/>
+            </a:srgbClr>
+          </a:outerShdw>
+        </a:effectLst>
         <a:scene3d>
           <a:camera prst="orthographicFront"/>
           <a:lightRig rig="flat" dir="t"/>
@@ -13397,36 +13583,41 @@
           <a:gsLst>
             <a:gs pos="0">
               <a:schemeClr val="accent1">
-                <a:lumMod val="110000"/>
-                <a:satMod val="105000"/>
-                <a:tint val="67000"/>
+                <a:tint val="50000"/>
+                <a:satMod val="300000"/>
               </a:schemeClr>
             </a:gs>
-            <a:gs pos="50000">
+            <a:gs pos="35000">
               <a:schemeClr val="accent1">
-                <a:lumMod val="105000"/>
-                <a:satMod val="103000"/>
-                <a:tint val="73000"/>
+                <a:tint val="37000"/>
+                <a:satMod val="300000"/>
               </a:schemeClr>
             </a:gs>
             <a:gs pos="100000">
               <a:schemeClr val="accent1">
-                <a:lumMod val="105000"/>
-                <a:satMod val="109000"/>
-                <a:tint val="81000"/>
+                <a:tint val="15000"/>
+                <a:satMod val="350000"/>
               </a:schemeClr>
             </a:gs>
           </a:gsLst>
-          <a:lin ang="5400000" scaled="0"/>
+          <a:lin ang="16200000" scaled="1"/>
         </a:gradFill>
-        <a:ln w="6350" cap="flat" cmpd="sng" algn="ctr">
+        <a:ln w="9525" cap="flat" cmpd="sng" algn="ctr">
           <a:solidFill>
-            <a:schemeClr val="accent1"/>
+            <a:schemeClr val="accent1">
+              <a:shade val="95000"/>
+              <a:satMod val="105000"/>
+            </a:schemeClr>
           </a:solidFill>
           <a:prstDash val="solid"/>
-          <a:miter lim="800000"/>
         </a:ln>
-        <a:effectLst/>
+        <a:effectLst>
+          <a:outerShdw blurRad="40000" dist="20000" dir="5400000" rotWithShape="0">
+            <a:srgbClr val="000000">
+              <a:alpha val="38000"/>
+            </a:srgbClr>
+          </a:outerShdw>
+        </a:effectLst>
         <a:scene3d>
           <a:camera prst="orthographicFront"/>
           <a:lightRig rig="flat" dir="t"/>
@@ -13448,12 +13639,12 @@
         </a:fontRef>
       </dsp:style>
       <dsp:txBody>
-        <a:bodyPr spcFirstLastPara="0" vert="horz" wrap="square" lIns="91440" tIns="45720" rIns="91440" bIns="45720" numCol="1" spcCol="1270" anchor="ctr" anchorCtr="0">
+        <a:bodyPr spcFirstLastPara="0" vert="horz" wrap="square" lIns="95250" tIns="47625" rIns="95250" bIns="47625" numCol="1" spcCol="1270" anchor="ctr" anchorCtr="0">
           <a:noAutofit/>
         </a:bodyPr>
         <a:lstStyle/>
         <a:p>
-          <a:pPr marL="0" lvl="0" indent="0" algn="ctr" defTabSz="1066800" rtl="0">
+          <a:pPr marL="0" lvl="0" indent="0" algn="ctr" defTabSz="1111250" rtl="0">
             <a:lnSpc>
               <a:spcPct val="90000"/>
             </a:lnSpc>
@@ -13466,7 +13657,7 @@
             <a:buNone/>
           </a:pPr>
           <a:r>
-            <a:rPr lang="en-US" sz="2400" kern="1200" dirty="0"/>
+            <a:rPr lang="en-US" sz="2500" kern="1200" dirty="0"/>
             <a:t>4</a:t>
           </a:r>
         </a:p>
@@ -13493,36 +13684,41 @@
           <a:gsLst>
             <a:gs pos="0">
               <a:schemeClr val="accent5">
-                <a:lumMod val="110000"/>
-                <a:satMod val="105000"/>
-                <a:tint val="67000"/>
+                <a:tint val="50000"/>
+                <a:satMod val="300000"/>
               </a:schemeClr>
             </a:gs>
-            <a:gs pos="50000">
+            <a:gs pos="35000">
               <a:schemeClr val="accent5">
-                <a:lumMod val="105000"/>
-                <a:satMod val="103000"/>
-                <a:tint val="73000"/>
+                <a:tint val="37000"/>
+                <a:satMod val="300000"/>
               </a:schemeClr>
             </a:gs>
             <a:gs pos="100000">
               <a:schemeClr val="accent5">
-                <a:lumMod val="105000"/>
-                <a:satMod val="109000"/>
-                <a:tint val="81000"/>
+                <a:tint val="15000"/>
+                <a:satMod val="350000"/>
               </a:schemeClr>
             </a:gs>
           </a:gsLst>
-          <a:lin ang="5400000" scaled="0"/>
+          <a:lin ang="16200000" scaled="1"/>
         </a:gradFill>
-        <a:ln w="6350" cap="flat" cmpd="sng" algn="ctr">
+        <a:ln w="9525" cap="flat" cmpd="sng" algn="ctr">
           <a:solidFill>
-            <a:schemeClr val="accent5"/>
+            <a:schemeClr val="accent5">
+              <a:shade val="95000"/>
+              <a:satMod val="105000"/>
+            </a:schemeClr>
           </a:solidFill>
           <a:prstDash val="solid"/>
-          <a:miter lim="800000"/>
         </a:ln>
-        <a:effectLst/>
+        <a:effectLst>
+          <a:outerShdw blurRad="40000" dist="20000" dir="5400000" rotWithShape="0">
+            <a:srgbClr val="000000">
+              <a:alpha val="38000"/>
+            </a:srgbClr>
+          </a:outerShdw>
+        </a:effectLst>
         <a:scene3d>
           <a:camera prst="orthographicFront"/>
           <a:lightRig rig="flat" dir="t"/>
@@ -13589,36 +13785,41 @@
           <a:gsLst>
             <a:gs pos="0">
               <a:schemeClr val="accent1">
-                <a:lumMod val="110000"/>
-                <a:satMod val="105000"/>
-                <a:tint val="67000"/>
+                <a:tint val="50000"/>
+                <a:satMod val="300000"/>
               </a:schemeClr>
             </a:gs>
-            <a:gs pos="50000">
+            <a:gs pos="35000">
               <a:schemeClr val="accent1">
-                <a:lumMod val="105000"/>
-                <a:satMod val="103000"/>
-                <a:tint val="73000"/>
+                <a:tint val="37000"/>
+                <a:satMod val="300000"/>
               </a:schemeClr>
             </a:gs>
             <a:gs pos="100000">
               <a:schemeClr val="accent1">
-                <a:lumMod val="105000"/>
-                <a:satMod val="109000"/>
-                <a:tint val="81000"/>
+                <a:tint val="15000"/>
+                <a:satMod val="350000"/>
               </a:schemeClr>
             </a:gs>
           </a:gsLst>
-          <a:lin ang="5400000" scaled="0"/>
+          <a:lin ang="16200000" scaled="1"/>
         </a:gradFill>
-        <a:ln w="6350" cap="flat" cmpd="sng" algn="ctr">
+        <a:ln w="9525" cap="flat" cmpd="sng" algn="ctr">
           <a:solidFill>
-            <a:schemeClr val="accent1"/>
+            <a:schemeClr val="accent1">
+              <a:shade val="95000"/>
+              <a:satMod val="105000"/>
+            </a:schemeClr>
           </a:solidFill>
           <a:prstDash val="solid"/>
-          <a:miter lim="800000"/>
         </a:ln>
-        <a:effectLst/>
+        <a:effectLst>
+          <a:outerShdw blurRad="40000" dist="20000" dir="5400000" rotWithShape="0">
+            <a:srgbClr val="000000">
+              <a:alpha val="38000"/>
+            </a:srgbClr>
+          </a:outerShdw>
+        </a:effectLst>
         <a:scene3d>
           <a:camera prst="orthographicFront"/>
           <a:lightRig rig="flat" dir="t"/>
@@ -13640,12 +13841,12 @@
         </a:fontRef>
       </dsp:style>
       <dsp:txBody>
-        <a:bodyPr spcFirstLastPara="0" vert="horz" wrap="square" lIns="91440" tIns="45720" rIns="91440" bIns="45720" numCol="1" spcCol="1270" anchor="ctr" anchorCtr="0">
+        <a:bodyPr spcFirstLastPara="0" vert="horz" wrap="square" lIns="95250" tIns="47625" rIns="95250" bIns="47625" numCol="1" spcCol="1270" anchor="ctr" anchorCtr="0">
           <a:noAutofit/>
         </a:bodyPr>
         <a:lstStyle/>
         <a:p>
-          <a:pPr marL="0" lvl="0" indent="0" algn="ctr" defTabSz="1066800" rtl="0">
+          <a:pPr marL="0" lvl="0" indent="0" algn="ctr" defTabSz="1111250" rtl="0">
             <a:lnSpc>
               <a:spcPct val="90000"/>
             </a:lnSpc>
@@ -13658,7 +13859,7 @@
             <a:buNone/>
           </a:pPr>
           <a:r>
-            <a:rPr lang="en-US" sz="2400" kern="1200" dirty="0"/>
+            <a:rPr lang="en-US" sz="2500" kern="1200" dirty="0"/>
             <a:t>5</a:t>
           </a:r>
         </a:p>
@@ -13685,36 +13886,41 @@
           <a:gsLst>
             <a:gs pos="0">
               <a:schemeClr val="accent5">
-                <a:lumMod val="110000"/>
-                <a:satMod val="105000"/>
-                <a:tint val="67000"/>
+                <a:tint val="50000"/>
+                <a:satMod val="300000"/>
               </a:schemeClr>
             </a:gs>
-            <a:gs pos="50000">
+            <a:gs pos="35000">
               <a:schemeClr val="accent5">
-                <a:lumMod val="105000"/>
-                <a:satMod val="103000"/>
-                <a:tint val="73000"/>
+                <a:tint val="37000"/>
+                <a:satMod val="300000"/>
               </a:schemeClr>
             </a:gs>
             <a:gs pos="100000">
               <a:schemeClr val="accent5">
-                <a:lumMod val="105000"/>
-                <a:satMod val="109000"/>
-                <a:tint val="81000"/>
+                <a:tint val="15000"/>
+                <a:satMod val="350000"/>
               </a:schemeClr>
             </a:gs>
           </a:gsLst>
-          <a:lin ang="5400000" scaled="0"/>
+          <a:lin ang="16200000" scaled="1"/>
         </a:gradFill>
-        <a:ln w="6350" cap="flat" cmpd="sng" algn="ctr">
+        <a:ln w="9525" cap="flat" cmpd="sng" algn="ctr">
           <a:solidFill>
-            <a:schemeClr val="accent5"/>
+            <a:schemeClr val="accent5">
+              <a:shade val="95000"/>
+              <a:satMod val="105000"/>
+            </a:schemeClr>
           </a:solidFill>
           <a:prstDash val="solid"/>
-          <a:miter lim="800000"/>
         </a:ln>
-        <a:effectLst/>
+        <a:effectLst>
+          <a:outerShdw blurRad="40000" dist="20000" dir="5400000" rotWithShape="0">
+            <a:srgbClr val="000000">
+              <a:alpha val="38000"/>
+            </a:srgbClr>
+          </a:outerShdw>
+        </a:effectLst>
         <a:scene3d>
           <a:camera prst="orthographicFront"/>
           <a:lightRig rig="flat" dir="t"/>
@@ -13781,36 +13987,41 @@
           <a:gsLst>
             <a:gs pos="0">
               <a:schemeClr val="accent1">
-                <a:lumMod val="110000"/>
-                <a:satMod val="105000"/>
-                <a:tint val="67000"/>
+                <a:tint val="50000"/>
+                <a:satMod val="300000"/>
               </a:schemeClr>
             </a:gs>
-            <a:gs pos="50000">
+            <a:gs pos="35000">
               <a:schemeClr val="accent1">
-                <a:lumMod val="105000"/>
-                <a:satMod val="103000"/>
-                <a:tint val="73000"/>
+                <a:tint val="37000"/>
+                <a:satMod val="300000"/>
               </a:schemeClr>
             </a:gs>
             <a:gs pos="100000">
               <a:schemeClr val="accent1">
-                <a:lumMod val="105000"/>
-                <a:satMod val="109000"/>
-                <a:tint val="81000"/>
+                <a:tint val="15000"/>
+                <a:satMod val="350000"/>
               </a:schemeClr>
             </a:gs>
           </a:gsLst>
-          <a:lin ang="5400000" scaled="0"/>
+          <a:lin ang="16200000" scaled="1"/>
         </a:gradFill>
-        <a:ln w="6350" cap="flat" cmpd="sng" algn="ctr">
+        <a:ln w="9525" cap="flat" cmpd="sng" algn="ctr">
           <a:solidFill>
-            <a:schemeClr val="accent1"/>
+            <a:schemeClr val="accent1">
+              <a:shade val="95000"/>
+              <a:satMod val="105000"/>
+            </a:schemeClr>
           </a:solidFill>
           <a:prstDash val="solid"/>
-          <a:miter lim="800000"/>
         </a:ln>
-        <a:effectLst/>
+        <a:effectLst>
+          <a:outerShdw blurRad="40000" dist="20000" dir="5400000" rotWithShape="0">
+            <a:srgbClr val="000000">
+              <a:alpha val="38000"/>
+            </a:srgbClr>
+          </a:outerShdw>
+        </a:effectLst>
         <a:scene3d>
           <a:camera prst="orthographicFront"/>
           <a:lightRig rig="flat" dir="t"/>
@@ -13832,12 +14043,12 @@
         </a:fontRef>
       </dsp:style>
       <dsp:txBody>
-        <a:bodyPr spcFirstLastPara="0" vert="horz" wrap="square" lIns="91440" tIns="45720" rIns="91440" bIns="45720" numCol="1" spcCol="1270" anchor="ctr" anchorCtr="0">
+        <a:bodyPr spcFirstLastPara="0" vert="horz" wrap="square" lIns="95250" tIns="47625" rIns="95250" bIns="47625" numCol="1" spcCol="1270" anchor="ctr" anchorCtr="0">
           <a:noAutofit/>
         </a:bodyPr>
         <a:lstStyle/>
         <a:p>
-          <a:pPr marL="0" lvl="0" indent="0" algn="ctr" defTabSz="1066800" rtl="0">
+          <a:pPr marL="0" lvl="0" indent="0" algn="ctr" defTabSz="1111250" rtl="0">
             <a:lnSpc>
               <a:spcPct val="90000"/>
             </a:lnSpc>
@@ -13850,7 +14061,7 @@
             <a:buNone/>
           </a:pPr>
           <a:r>
-            <a:rPr lang="en-US" sz="2400" kern="1200" dirty="0"/>
+            <a:rPr lang="en-US" sz="2500" kern="1200" dirty="0"/>
             <a:t>6</a:t>
           </a:r>
         </a:p>
@@ -23440,7 +23651,7 @@
               <a:pPr>
                 <a:defRPr/>
               </a:pPr>
-              <a:t>09 December 2016</a:t>
+              <a:t>16 December 2016</a:t>
             </a:fld>
             <a:endParaRPr lang="de-DE"/>
           </a:p>
@@ -23754,7 +23965,7 @@
               <a:pPr>
                 <a:defRPr/>
               </a:pPr>
-              <a:t>9. Dezember 2016</a:t>
+              <a:t>16. Dezember 2016</a:t>
             </a:fld>
             <a:r>
               <a:rPr lang="de-DE"/>
@@ -24074,7 +24285,7 @@
               <a:pPr>
                 <a:defRPr/>
               </a:pPr>
-              <a:t>9. Dezember 2016</a:t>
+              <a:t>16. Dezember 2016</a:t>
             </a:fld>
             <a:r>
               <a:rPr lang="de-DE"/>
@@ -24437,7 +24648,7 @@
               <a:pPr>
                 <a:defRPr/>
               </a:pPr>
-              <a:t>9. Dezember 2016</a:t>
+              <a:t>16. Dezember 2016</a:t>
             </a:fld>
             <a:r>
               <a:rPr lang="de-DE"/>
@@ -24585,7 +24796,7 @@
               <a:pPr>
                 <a:defRPr/>
               </a:pPr>
-              <a:t>9. Dezember 2016</a:t>
+              <a:t>16. Dezember 2016</a:t>
             </a:fld>
             <a:r>
               <a:rPr lang="de-DE"/>
@@ -24721,7 +24932,7 @@
               <a:pPr>
                 <a:defRPr/>
               </a:pPr>
-              <a:t>9. Dezember 2016</a:t>
+              <a:t>16. Dezember 2016</a:t>
             </a:fld>
             <a:r>
               <a:rPr lang="de-DE"/>
@@ -24845,7 +25056,7 @@
               <a:pPr>
                 <a:defRPr/>
               </a:pPr>
-              <a:t>9. Dezember 2016</a:t>
+              <a:t>16. Dezember 2016</a:t>
             </a:fld>
             <a:r>
               <a:rPr lang="de-DE"/>
@@ -24941,7 +25152,6 @@
               <a:rPr lang="en-US"/>
               <a:t>Click to edit Master title style</a:t>
             </a:r>
-            <a:endParaRPr lang="en-US"/>
           </a:p>
         </p:txBody>
       </p:sp>
@@ -25006,7 +25216,6 @@
               <a:rPr lang="en-US"/>
               <a:t>Click to edit Master subtitle style</a:t>
             </a:r>
-            <a:endParaRPr lang="en-US"/>
           </a:p>
         </p:txBody>
       </p:sp>
@@ -25027,7 +25236,7 @@
           <a:p>
             <a:fld id="{909B27D7-151B-434F-A4FB-ED8A0393D376}" type="datetimeFigureOut">
               <a:rPr lang="en-US" smtClean="0"/>
-              <a:t>12/9/2016</a:t>
+              <a:t>12/16/2016</a:t>
             </a:fld>
             <a:endParaRPr lang="en-US"/>
           </a:p>
@@ -25124,7 +25333,6 @@
               <a:rPr lang="en-US"/>
               <a:t>Click to edit Master title style</a:t>
             </a:r>
-            <a:endParaRPr lang="en-US"/>
           </a:p>
         </p:txBody>
       </p:sp>
@@ -25176,7 +25384,6 @@
               <a:rPr lang="en-US"/>
               <a:t>Fifth level</a:t>
             </a:r>
-            <a:endParaRPr lang="en-US"/>
           </a:p>
         </p:txBody>
       </p:sp>
@@ -25197,7 +25404,7 @@
           <a:p>
             <a:fld id="{909B27D7-151B-434F-A4FB-ED8A0393D376}" type="datetimeFigureOut">
               <a:rPr lang="en-US" smtClean="0"/>
-              <a:t>12/9/2016</a:t>
+              <a:t>12/16/2016</a:t>
             </a:fld>
             <a:endParaRPr lang="en-US"/>
           </a:p>
@@ -25299,7 +25506,6 @@
               <a:rPr lang="en-US"/>
               <a:t>Click to edit Master title style</a:t>
             </a:r>
-            <a:endParaRPr lang="en-US"/>
           </a:p>
         </p:txBody>
       </p:sp>
@@ -25356,7 +25562,6 @@
               <a:rPr lang="en-US"/>
               <a:t>Fifth level</a:t>
             </a:r>
-            <a:endParaRPr lang="en-US"/>
           </a:p>
         </p:txBody>
       </p:sp>
@@ -25377,7 +25582,7 @@
           <a:p>
             <a:fld id="{909B27D7-151B-434F-A4FB-ED8A0393D376}" type="datetimeFigureOut">
               <a:rPr lang="en-US" smtClean="0"/>
-              <a:t>12/9/2016</a:t>
+              <a:t>12/16/2016</a:t>
             </a:fld>
             <a:endParaRPr lang="en-US"/>
           </a:p>
@@ -25438,6 +25643,1282 @@
 </p:sldLayout>
 </file>
 
+<file path=ppt/slideLayouts/slideLayout12.xml><?xml version="1.0" encoding="utf-8"?>
+<p:sldLayout xmlns:a="http://schemas.openxmlformats.org/drawingml/2006/main" xmlns:r="http://schemas.openxmlformats.org/officeDocument/2006/relationships" xmlns:p="http://schemas.openxmlformats.org/presentationml/2006/main" showMasterSp="0" type="title" preserve="1">
+  <p:cSld name="Rubrikbild">
+    <p:bg>
+      <p:bgPr>
+        <a:solidFill>
+          <a:schemeClr val="tx1"/>
+        </a:solidFill>
+        <a:effectLst/>
+      </p:bgPr>
+    </p:bg>
+    <p:spTree>
+      <p:nvGrpSpPr>
+        <p:cNvPr id="1" name=""/>
+        <p:cNvGrpSpPr/>
+        <p:nvPr/>
+      </p:nvGrpSpPr>
+      <p:grpSpPr>
+        <a:xfrm>
+          <a:off x="0" y="0"/>
+          <a:ext cx="0" cy="0"/>
+          <a:chOff x="0" y="0"/>
+          <a:chExt cx="0" cy="0"/>
+        </a:xfrm>
+      </p:grpSpPr>
+      <p:sp>
+        <p:nvSpPr>
+          <p:cNvPr id="9" name="Line 9"/>
+          <p:cNvSpPr>
+            <a:spLocks noChangeShapeType="1"/>
+          </p:cNvSpPr>
+          <p:nvPr/>
+        </p:nvSpPr>
+        <p:spPr bwMode="gray">
+          <a:xfrm>
+            <a:off x="1835150" y="4221163"/>
+            <a:ext cx="7308850" cy="0"/>
+          </a:xfrm>
+          <a:prstGeom prst="line">
+            <a:avLst/>
+          </a:prstGeom>
+          <a:noFill/>
+          <a:ln w="19050">
+            <a:solidFill>
+              <a:schemeClr val="bg2"/>
+            </a:solidFill>
+            <a:round/>
+            <a:headEnd/>
+            <a:tailEnd/>
+          </a:ln>
+          <a:effectLst/>
+        </p:spPr>
+        <p:txBody>
+          <a:bodyPr/>
+          <a:lstStyle/>
+          <a:p>
+            <a:pPr algn="ctr">
+              <a:buClr>
+                <a:schemeClr val="bg2"/>
+              </a:buClr>
+              <a:defRPr/>
+            </a:pPr>
+            <a:endParaRPr lang="sv-SE">
+              <a:cs typeface="+mn-cs"/>
+            </a:endParaRPr>
+          </a:p>
+        </p:txBody>
+      </p:sp>
+      <p:sp>
+        <p:nvSpPr>
+          <p:cNvPr id="5122" name="Rectangle 2"/>
+          <p:cNvSpPr>
+            <a:spLocks noGrp="1" noChangeArrowheads="1"/>
+          </p:cNvSpPr>
+          <p:nvPr>
+            <p:ph type="subTitle" idx="1"/>
+          </p:nvPr>
+        </p:nvSpPr>
+        <p:spPr>
+          <a:xfrm>
+            <a:off x="1835150" y="4221163"/>
+            <a:ext cx="6913563" cy="1800225"/>
+          </a:xfrm>
+        </p:spPr>
+        <p:txBody>
+          <a:bodyPr tIns="118800" bIns="45720"/>
+          <a:lstStyle>
+            <a:lvl1pPr marL="0" indent="0">
+              <a:buFontTx/>
+              <a:buNone/>
+              <a:defRPr sz="1600" b="1">
+                <a:solidFill>
+                  <a:schemeClr val="accent1"/>
+                </a:solidFill>
+              </a:defRPr>
+            </a:lvl1pPr>
+          </a:lstStyle>
+          <a:p>
+            <a:r>
+              <a:rPr lang="en-US"/>
+              <a:t>Click to edit Master subtitle style</a:t>
+            </a:r>
+            <a:endParaRPr lang="en-GB" dirty="0"/>
+          </a:p>
+        </p:txBody>
+      </p:sp>
+      <p:sp>
+        <p:nvSpPr>
+          <p:cNvPr id="5123" name="Rectangle 3"/>
+          <p:cNvSpPr>
+            <a:spLocks noGrp="1" noChangeArrowheads="1"/>
+          </p:cNvSpPr>
+          <p:nvPr>
+            <p:ph type="ctrTitle"/>
+          </p:nvPr>
+        </p:nvSpPr>
+        <p:spPr>
+          <a:xfrm>
+            <a:off x="1835150" y="3500438"/>
+            <a:ext cx="6913563" cy="720725"/>
+          </a:xfrm>
+        </p:spPr>
+        <p:txBody>
+          <a:bodyPr tIns="45720" bIns="82800" anchor="b"/>
+          <a:lstStyle>
+            <a:lvl1pPr>
+              <a:defRPr sz="2800">
+                <a:solidFill>
+                  <a:schemeClr val="accent1"/>
+                </a:solidFill>
+              </a:defRPr>
+            </a:lvl1pPr>
+          </a:lstStyle>
+          <a:p>
+            <a:r>
+              <a:rPr lang="en-US"/>
+              <a:t>Click to edit Master title style</a:t>
+            </a:r>
+            <a:endParaRPr lang="en-GB" dirty="0"/>
+          </a:p>
+        </p:txBody>
+      </p:sp>
+    </p:spTree>
+    <p:extLst>
+      <p:ext uri="{BB962C8B-B14F-4D97-AF65-F5344CB8AC3E}">
+        <p14:creationId xmlns:p14="http://schemas.microsoft.com/office/powerpoint/2010/main" val="1164092697"/>
+      </p:ext>
+    </p:extLst>
+  </p:cSld>
+  <p:clrMapOvr>
+    <a:masterClrMapping/>
+  </p:clrMapOvr>
+</p:sldLayout>
+</file>
+
+<file path=ppt/slideLayouts/slideLayout13.xml><?xml version="1.0" encoding="utf-8"?>
+<p:sldLayout xmlns:a="http://schemas.openxmlformats.org/drawingml/2006/main" xmlns:r="http://schemas.openxmlformats.org/officeDocument/2006/relationships" xmlns:p="http://schemas.openxmlformats.org/presentationml/2006/main" type="secHead" preserve="1">
+  <p:cSld name="Avsnittsrubrik">
+    <p:bg>
+      <p:bgPr>
+        <a:solidFill>
+          <a:schemeClr val="tx2">
+            <a:lumMod val="50000"/>
+          </a:schemeClr>
+        </a:solidFill>
+        <a:effectLst/>
+      </p:bgPr>
+    </p:bg>
+    <p:spTree>
+      <p:nvGrpSpPr>
+        <p:cNvPr id="1" name=""/>
+        <p:cNvGrpSpPr/>
+        <p:nvPr/>
+      </p:nvGrpSpPr>
+      <p:grpSpPr>
+        <a:xfrm>
+          <a:off x="0" y="0"/>
+          <a:ext cx="0" cy="0"/>
+          <a:chOff x="0" y="0"/>
+          <a:chExt cx="0" cy="0"/>
+        </a:xfrm>
+      </p:grpSpPr>
+      <p:sp>
+        <p:nvSpPr>
+          <p:cNvPr id="2" name="Title 1"/>
+          <p:cNvSpPr>
+            <a:spLocks noGrp="1"/>
+          </p:cNvSpPr>
+          <p:nvPr>
+            <p:ph type="title"/>
+          </p:nvPr>
+        </p:nvSpPr>
+        <p:spPr>
+          <a:xfrm>
+            <a:off x="722313" y="4406900"/>
+            <a:ext cx="7772400" cy="1362075"/>
+          </a:xfrm>
+        </p:spPr>
+        <p:txBody>
+          <a:bodyPr anchor="t"/>
+          <a:lstStyle>
+            <a:lvl1pPr algn="l">
+              <a:defRPr sz="4000" b="1" cap="all">
+                <a:solidFill>
+                  <a:schemeClr val="bg1"/>
+                </a:solidFill>
+              </a:defRPr>
+            </a:lvl1pPr>
+          </a:lstStyle>
+          <a:p>
+            <a:r>
+              <a:rPr lang="en-US"/>
+              <a:t>Click to edit Master title style</a:t>
+            </a:r>
+            <a:endParaRPr lang="sv-SE" dirty="0"/>
+          </a:p>
+        </p:txBody>
+      </p:sp>
+      <p:sp>
+        <p:nvSpPr>
+          <p:cNvPr id="3" name="Text Placeholder 2"/>
+          <p:cNvSpPr>
+            <a:spLocks noGrp="1"/>
+          </p:cNvSpPr>
+          <p:nvPr>
+            <p:ph type="body" idx="1"/>
+          </p:nvPr>
+        </p:nvSpPr>
+        <p:spPr>
+          <a:xfrm>
+            <a:off x="722313" y="2906713"/>
+            <a:ext cx="7772400" cy="1500187"/>
+          </a:xfrm>
+        </p:spPr>
+        <p:txBody>
+          <a:bodyPr anchor="b"/>
+          <a:lstStyle>
+            <a:lvl1pPr marL="0" indent="0">
+              <a:buNone/>
+              <a:defRPr sz="2000">
+                <a:solidFill>
+                  <a:schemeClr val="bg1"/>
+                </a:solidFill>
+              </a:defRPr>
+            </a:lvl1pPr>
+            <a:lvl2pPr marL="457200" indent="0">
+              <a:buNone/>
+              <a:defRPr sz="1800"/>
+            </a:lvl2pPr>
+            <a:lvl3pPr marL="914400" indent="0">
+              <a:buNone/>
+              <a:defRPr sz="1600"/>
+            </a:lvl3pPr>
+            <a:lvl4pPr marL="1371600" indent="0">
+              <a:buNone/>
+              <a:defRPr sz="1400"/>
+            </a:lvl4pPr>
+            <a:lvl5pPr marL="1828800" indent="0">
+              <a:buNone/>
+              <a:defRPr sz="1400"/>
+            </a:lvl5pPr>
+            <a:lvl6pPr marL="2286000" indent="0">
+              <a:buNone/>
+              <a:defRPr sz="1400"/>
+            </a:lvl6pPr>
+            <a:lvl7pPr marL="2743200" indent="0">
+              <a:buNone/>
+              <a:defRPr sz="1400"/>
+            </a:lvl7pPr>
+            <a:lvl8pPr marL="3200400" indent="0">
+              <a:buNone/>
+              <a:defRPr sz="1400"/>
+            </a:lvl8pPr>
+            <a:lvl9pPr marL="3657600" indent="0">
+              <a:buNone/>
+              <a:defRPr sz="1400"/>
+            </a:lvl9pPr>
+          </a:lstStyle>
+          <a:p>
+            <a:pPr lvl="0"/>
+            <a:r>
+              <a:rPr lang="en-US"/>
+              <a:t>Edit Master text styles</a:t>
+            </a:r>
+          </a:p>
+        </p:txBody>
+      </p:sp>
+      <p:sp>
+        <p:nvSpPr>
+          <p:cNvPr id="10" name="Platshållare för bildnummer 5"/>
+          <p:cNvSpPr>
+            <a:spLocks noGrp="1"/>
+          </p:cNvSpPr>
+          <p:nvPr>
+            <p:ph type="sldNum" sz="quarter" idx="4"/>
+          </p:nvPr>
+        </p:nvSpPr>
+        <p:spPr>
+          <a:xfrm>
+            <a:off x="4680064" y="6350023"/>
+            <a:ext cx="468000" cy="365125"/>
+          </a:xfrm>
+          <a:prstGeom prst="rect">
+            <a:avLst/>
+          </a:prstGeom>
+        </p:spPr>
+        <p:txBody>
+          <a:bodyPr vert="horz" lIns="91440" tIns="45720" rIns="91440" bIns="45720" rtlCol="0" anchor="ctr"/>
+          <a:lstStyle>
+            <a:lvl1pPr algn="r">
+              <a:defRPr sz="900">
+                <a:solidFill>
+                  <a:schemeClr val="bg1"/>
+                </a:solidFill>
+                <a:latin typeface="Verdana" pitchFamily="34" charset="0"/>
+                <a:ea typeface="Verdana" pitchFamily="34" charset="0"/>
+                <a:cs typeface="Verdana" pitchFamily="34" charset="0"/>
+              </a:defRPr>
+            </a:lvl1pPr>
+          </a:lstStyle>
+          <a:p>
+            <a:fld id="{3EF97BEE-4CEF-408C-953F-224CD53CB21F}" type="slidenum">
+              <a:rPr lang="en-US" smtClean="0"/>
+              <a:t>‹#›</a:t>
+            </a:fld>
+            <a:endParaRPr lang="en-US"/>
+          </a:p>
+        </p:txBody>
+      </p:sp>
+    </p:spTree>
+    <p:extLst>
+      <p:ext uri="{BB962C8B-B14F-4D97-AF65-F5344CB8AC3E}">
+        <p14:creationId xmlns:p14="http://schemas.microsoft.com/office/powerpoint/2010/main" val="1330560975"/>
+      </p:ext>
+    </p:extLst>
+  </p:cSld>
+  <p:clrMapOvr>
+    <a:masterClrMapping/>
+  </p:clrMapOvr>
+</p:sldLayout>
+</file>
+
+<file path=ppt/slideLayouts/slideLayout14.xml><?xml version="1.0" encoding="utf-8"?>
+<p:sldLayout xmlns:a="http://schemas.openxmlformats.org/drawingml/2006/main" xmlns:r="http://schemas.openxmlformats.org/officeDocument/2006/relationships" xmlns:p="http://schemas.openxmlformats.org/presentationml/2006/main" type="obj" preserve="1">
+  <p:cSld name="Rubrik och innehåll">
+    <p:spTree>
+      <p:nvGrpSpPr>
+        <p:cNvPr id="1" name=""/>
+        <p:cNvGrpSpPr/>
+        <p:nvPr/>
+      </p:nvGrpSpPr>
+      <p:grpSpPr>
+        <a:xfrm>
+          <a:off x="0" y="0"/>
+          <a:ext cx="0" cy="0"/>
+          <a:chOff x="0" y="0"/>
+          <a:chExt cx="0" cy="0"/>
+        </a:xfrm>
+      </p:grpSpPr>
+      <p:sp>
+        <p:nvSpPr>
+          <p:cNvPr id="2" name="Title 1"/>
+          <p:cNvSpPr>
+            <a:spLocks noGrp="1"/>
+          </p:cNvSpPr>
+          <p:nvPr>
+            <p:ph type="title"/>
+          </p:nvPr>
+        </p:nvSpPr>
+        <p:spPr/>
+        <p:txBody>
+          <a:bodyPr/>
+          <a:lstStyle/>
+          <a:p>
+            <a:r>
+              <a:rPr lang="en-US"/>
+              <a:t>Click to edit Master title style</a:t>
+            </a:r>
+            <a:endParaRPr lang="sv-SE"/>
+          </a:p>
+        </p:txBody>
+      </p:sp>
+      <p:sp>
+        <p:nvSpPr>
+          <p:cNvPr id="3" name="Content Placeholder 2"/>
+          <p:cNvSpPr>
+            <a:spLocks noGrp="1"/>
+          </p:cNvSpPr>
+          <p:nvPr>
+            <p:ph idx="1"/>
+          </p:nvPr>
+        </p:nvSpPr>
+        <p:spPr/>
+        <p:txBody>
+          <a:bodyPr/>
+          <a:lstStyle>
+            <a:lvl1pPr marL="177800" indent="-177800">
+              <a:buClr>
+                <a:schemeClr val="accent1"/>
+              </a:buClr>
+              <a:buFont typeface="Wingdings" pitchFamily="2" charset="2"/>
+              <a:buChar char="§"/>
+              <a:defRPr/>
+            </a:lvl1pPr>
+            <a:lvl2pPr marL="541338" indent="-184150">
+              <a:buClr>
+                <a:schemeClr val="accent1"/>
+              </a:buClr>
+              <a:buFont typeface="Wingdings" pitchFamily="2" charset="2"/>
+              <a:buChar char="§"/>
+              <a:defRPr/>
+            </a:lvl2pPr>
+            <a:lvl3pPr marL="896938" indent="-176213">
+              <a:buClr>
+                <a:schemeClr val="accent1"/>
+              </a:buClr>
+              <a:buFont typeface="Wingdings" pitchFamily="2" charset="2"/>
+              <a:buChar char="§"/>
+              <a:defRPr/>
+            </a:lvl3pPr>
+            <a:lvl4pPr marL="1252538" indent="-176213">
+              <a:buClr>
+                <a:schemeClr val="accent1"/>
+              </a:buClr>
+              <a:buFont typeface="Wingdings" pitchFamily="2" charset="2"/>
+              <a:buChar char="§"/>
+              <a:defRPr/>
+            </a:lvl4pPr>
+            <a:lvl5pPr marL="1616075" indent="-184150">
+              <a:buClr>
+                <a:schemeClr val="accent1"/>
+              </a:buClr>
+              <a:buFont typeface="Wingdings" pitchFamily="2" charset="2"/>
+              <a:buChar char="§"/>
+              <a:defRPr/>
+            </a:lvl5pPr>
+          </a:lstStyle>
+          <a:p>
+            <a:pPr lvl="0"/>
+            <a:r>
+              <a:rPr lang="en-US"/>
+              <a:t>Edit Master text styles</a:t>
+            </a:r>
+          </a:p>
+          <a:p>
+            <a:pPr lvl="1"/>
+            <a:r>
+              <a:rPr lang="en-US"/>
+              <a:t>Second level</a:t>
+            </a:r>
+          </a:p>
+          <a:p>
+            <a:pPr lvl="2"/>
+            <a:r>
+              <a:rPr lang="en-US"/>
+              <a:t>Third level</a:t>
+            </a:r>
+          </a:p>
+          <a:p>
+            <a:pPr lvl="3"/>
+            <a:r>
+              <a:rPr lang="en-US"/>
+              <a:t>Fourth level</a:t>
+            </a:r>
+          </a:p>
+          <a:p>
+            <a:pPr lvl="4"/>
+            <a:r>
+              <a:rPr lang="en-US"/>
+              <a:t>Fifth level</a:t>
+            </a:r>
+            <a:endParaRPr lang="sv-SE" dirty="0"/>
+          </a:p>
+        </p:txBody>
+      </p:sp>
+    </p:spTree>
+    <p:extLst>
+      <p:ext uri="{BB962C8B-B14F-4D97-AF65-F5344CB8AC3E}">
+        <p14:creationId xmlns:p14="http://schemas.microsoft.com/office/powerpoint/2010/main" val="1946170082"/>
+      </p:ext>
+    </p:extLst>
+  </p:cSld>
+  <p:clrMapOvr>
+    <a:masterClrMapping/>
+  </p:clrMapOvr>
+</p:sldLayout>
+</file>
+
+<file path=ppt/slideLayouts/slideLayout15.xml><?xml version="1.0" encoding="utf-8"?>
+<p:sldLayout xmlns:a="http://schemas.openxmlformats.org/drawingml/2006/main" xmlns:r="http://schemas.openxmlformats.org/officeDocument/2006/relationships" xmlns:p="http://schemas.openxmlformats.org/presentationml/2006/main" type="twoObj" preserve="1">
+  <p:cSld name="Två innehållsdelar">
+    <p:spTree>
+      <p:nvGrpSpPr>
+        <p:cNvPr id="1" name=""/>
+        <p:cNvGrpSpPr/>
+        <p:nvPr/>
+      </p:nvGrpSpPr>
+      <p:grpSpPr>
+        <a:xfrm>
+          <a:off x="0" y="0"/>
+          <a:ext cx="0" cy="0"/>
+          <a:chOff x="0" y="0"/>
+          <a:chExt cx="0" cy="0"/>
+        </a:xfrm>
+      </p:grpSpPr>
+      <p:sp>
+        <p:nvSpPr>
+          <p:cNvPr id="2" name="Title 1"/>
+          <p:cNvSpPr>
+            <a:spLocks noGrp="1"/>
+          </p:cNvSpPr>
+          <p:nvPr>
+            <p:ph type="title"/>
+          </p:nvPr>
+        </p:nvSpPr>
+        <p:spPr/>
+        <p:txBody>
+          <a:bodyPr/>
+          <a:lstStyle/>
+          <a:p>
+            <a:r>
+              <a:rPr lang="en-US"/>
+              <a:t>Click to edit Master title style</a:t>
+            </a:r>
+            <a:endParaRPr lang="sv-SE"/>
+          </a:p>
+        </p:txBody>
+      </p:sp>
+      <p:sp>
+        <p:nvSpPr>
+          <p:cNvPr id="3" name="Content Placeholder 2"/>
+          <p:cNvSpPr>
+            <a:spLocks noGrp="1"/>
+          </p:cNvSpPr>
+          <p:nvPr>
+            <p:ph sz="half" idx="1"/>
+          </p:nvPr>
+        </p:nvSpPr>
+        <p:spPr>
+          <a:xfrm>
+            <a:off x="395288" y="1484313"/>
+            <a:ext cx="4100512" cy="4608512"/>
+          </a:xfrm>
+        </p:spPr>
+        <p:txBody>
+          <a:bodyPr/>
+          <a:lstStyle>
+            <a:lvl1pPr>
+              <a:defRPr sz="2800"/>
+            </a:lvl1pPr>
+            <a:lvl2pPr>
+              <a:defRPr sz="2400"/>
+            </a:lvl2pPr>
+            <a:lvl3pPr>
+              <a:defRPr sz="2000"/>
+            </a:lvl3pPr>
+            <a:lvl4pPr>
+              <a:defRPr sz="1800"/>
+            </a:lvl4pPr>
+            <a:lvl5pPr>
+              <a:defRPr sz="1800"/>
+            </a:lvl5pPr>
+            <a:lvl6pPr>
+              <a:defRPr sz="1800"/>
+            </a:lvl6pPr>
+            <a:lvl7pPr>
+              <a:defRPr sz="1800"/>
+            </a:lvl7pPr>
+            <a:lvl8pPr>
+              <a:defRPr sz="1800"/>
+            </a:lvl8pPr>
+            <a:lvl9pPr>
+              <a:defRPr sz="1800"/>
+            </a:lvl9pPr>
+          </a:lstStyle>
+          <a:p>
+            <a:pPr lvl="0"/>
+            <a:r>
+              <a:rPr lang="en-US"/>
+              <a:t>Edit Master text styles</a:t>
+            </a:r>
+          </a:p>
+          <a:p>
+            <a:pPr lvl="1"/>
+            <a:r>
+              <a:rPr lang="en-US"/>
+              <a:t>Second level</a:t>
+            </a:r>
+          </a:p>
+          <a:p>
+            <a:pPr lvl="2"/>
+            <a:r>
+              <a:rPr lang="en-US"/>
+              <a:t>Third level</a:t>
+            </a:r>
+          </a:p>
+          <a:p>
+            <a:pPr lvl="3"/>
+            <a:r>
+              <a:rPr lang="en-US"/>
+              <a:t>Fourth level</a:t>
+            </a:r>
+          </a:p>
+          <a:p>
+            <a:pPr lvl="4"/>
+            <a:r>
+              <a:rPr lang="en-US"/>
+              <a:t>Fifth level</a:t>
+            </a:r>
+            <a:endParaRPr lang="sv-SE" dirty="0"/>
+          </a:p>
+        </p:txBody>
+      </p:sp>
+      <p:sp>
+        <p:nvSpPr>
+          <p:cNvPr id="4" name="Content Placeholder 3"/>
+          <p:cNvSpPr>
+            <a:spLocks noGrp="1"/>
+          </p:cNvSpPr>
+          <p:nvPr>
+            <p:ph sz="half" idx="2"/>
+          </p:nvPr>
+        </p:nvSpPr>
+        <p:spPr>
+          <a:xfrm>
+            <a:off x="4648200" y="1484313"/>
+            <a:ext cx="4100513" cy="4608512"/>
+          </a:xfrm>
+        </p:spPr>
+        <p:txBody>
+          <a:bodyPr/>
+          <a:lstStyle>
+            <a:lvl1pPr>
+              <a:defRPr sz="2800"/>
+            </a:lvl1pPr>
+            <a:lvl2pPr>
+              <a:defRPr sz="2400"/>
+            </a:lvl2pPr>
+            <a:lvl3pPr>
+              <a:defRPr sz="2000"/>
+            </a:lvl3pPr>
+            <a:lvl4pPr>
+              <a:defRPr sz="1800"/>
+            </a:lvl4pPr>
+            <a:lvl5pPr>
+              <a:defRPr sz="1800"/>
+            </a:lvl5pPr>
+            <a:lvl6pPr>
+              <a:defRPr sz="1800"/>
+            </a:lvl6pPr>
+            <a:lvl7pPr>
+              <a:defRPr sz="1800"/>
+            </a:lvl7pPr>
+            <a:lvl8pPr>
+              <a:defRPr sz="1800"/>
+            </a:lvl8pPr>
+            <a:lvl9pPr>
+              <a:defRPr sz="1800"/>
+            </a:lvl9pPr>
+          </a:lstStyle>
+          <a:p>
+            <a:pPr lvl="0"/>
+            <a:r>
+              <a:rPr lang="en-US"/>
+              <a:t>Edit Master text styles</a:t>
+            </a:r>
+          </a:p>
+          <a:p>
+            <a:pPr lvl="1"/>
+            <a:r>
+              <a:rPr lang="en-US"/>
+              <a:t>Second level</a:t>
+            </a:r>
+          </a:p>
+          <a:p>
+            <a:pPr lvl="2"/>
+            <a:r>
+              <a:rPr lang="en-US"/>
+              <a:t>Third level</a:t>
+            </a:r>
+          </a:p>
+          <a:p>
+            <a:pPr lvl="3"/>
+            <a:r>
+              <a:rPr lang="en-US"/>
+              <a:t>Fourth level</a:t>
+            </a:r>
+          </a:p>
+          <a:p>
+            <a:pPr lvl="4"/>
+            <a:r>
+              <a:rPr lang="en-US"/>
+              <a:t>Fifth level</a:t>
+            </a:r>
+            <a:endParaRPr lang="sv-SE" dirty="0"/>
+          </a:p>
+        </p:txBody>
+      </p:sp>
+    </p:spTree>
+    <p:extLst>
+      <p:ext uri="{BB962C8B-B14F-4D97-AF65-F5344CB8AC3E}">
+        <p14:creationId xmlns:p14="http://schemas.microsoft.com/office/powerpoint/2010/main" val="1526884652"/>
+      </p:ext>
+    </p:extLst>
+  </p:cSld>
+  <p:clrMapOvr>
+    <a:masterClrMapping/>
+  </p:clrMapOvr>
+</p:sldLayout>
+</file>
+
+<file path=ppt/slideLayouts/slideLayout16.xml><?xml version="1.0" encoding="utf-8"?>
+<p:sldLayout xmlns:a="http://schemas.openxmlformats.org/drawingml/2006/main" xmlns:r="http://schemas.openxmlformats.org/officeDocument/2006/relationships" xmlns:p="http://schemas.openxmlformats.org/presentationml/2006/main" type="twoTxTwoObj" preserve="1">
+  <p:cSld name="Jämförelse">
+    <p:spTree>
+      <p:nvGrpSpPr>
+        <p:cNvPr id="1" name=""/>
+        <p:cNvGrpSpPr/>
+        <p:nvPr/>
+      </p:nvGrpSpPr>
+      <p:grpSpPr>
+        <a:xfrm>
+          <a:off x="0" y="0"/>
+          <a:ext cx="0" cy="0"/>
+          <a:chOff x="0" y="0"/>
+          <a:chExt cx="0" cy="0"/>
+        </a:xfrm>
+      </p:grpSpPr>
+      <p:sp>
+        <p:nvSpPr>
+          <p:cNvPr id="2" name="Title 1"/>
+          <p:cNvSpPr>
+            <a:spLocks noGrp="1"/>
+          </p:cNvSpPr>
+          <p:nvPr>
+            <p:ph type="title"/>
+          </p:nvPr>
+        </p:nvSpPr>
+        <p:spPr>
+          <a:xfrm>
+            <a:off x="457200" y="274638"/>
+            <a:ext cx="8229600" cy="1143000"/>
+          </a:xfrm>
+        </p:spPr>
+        <p:txBody>
+          <a:bodyPr/>
+          <a:lstStyle>
+            <a:lvl1pPr>
+              <a:defRPr/>
+            </a:lvl1pPr>
+          </a:lstStyle>
+          <a:p>
+            <a:r>
+              <a:rPr lang="en-US"/>
+              <a:t>Click to edit Master title style</a:t>
+            </a:r>
+            <a:endParaRPr lang="sv-SE"/>
+          </a:p>
+        </p:txBody>
+      </p:sp>
+      <p:sp>
+        <p:nvSpPr>
+          <p:cNvPr id="3" name="Text Placeholder 2"/>
+          <p:cNvSpPr>
+            <a:spLocks noGrp="1"/>
+          </p:cNvSpPr>
+          <p:nvPr>
+            <p:ph type="body" idx="1"/>
+          </p:nvPr>
+        </p:nvSpPr>
+        <p:spPr>
+          <a:xfrm>
+            <a:off x="457200" y="1535113"/>
+            <a:ext cx="4040188" cy="639762"/>
+          </a:xfrm>
+        </p:spPr>
+        <p:txBody>
+          <a:bodyPr anchor="b"/>
+          <a:lstStyle>
+            <a:lvl1pPr marL="0" indent="0">
+              <a:buNone/>
+              <a:defRPr sz="2400" b="1"/>
+            </a:lvl1pPr>
+            <a:lvl2pPr marL="457200" indent="0">
+              <a:buNone/>
+              <a:defRPr sz="2000" b="1"/>
+            </a:lvl2pPr>
+            <a:lvl3pPr marL="914400" indent="0">
+              <a:buNone/>
+              <a:defRPr sz="1800" b="1"/>
+            </a:lvl3pPr>
+            <a:lvl4pPr marL="1371600" indent="0">
+              <a:buNone/>
+              <a:defRPr sz="1600" b="1"/>
+            </a:lvl4pPr>
+            <a:lvl5pPr marL="1828800" indent="0">
+              <a:buNone/>
+              <a:defRPr sz="1600" b="1"/>
+            </a:lvl5pPr>
+            <a:lvl6pPr marL="2286000" indent="0">
+              <a:buNone/>
+              <a:defRPr sz="1600" b="1"/>
+            </a:lvl6pPr>
+            <a:lvl7pPr marL="2743200" indent="0">
+              <a:buNone/>
+              <a:defRPr sz="1600" b="1"/>
+            </a:lvl7pPr>
+            <a:lvl8pPr marL="3200400" indent="0">
+              <a:buNone/>
+              <a:defRPr sz="1600" b="1"/>
+            </a:lvl8pPr>
+            <a:lvl9pPr marL="3657600" indent="0">
+              <a:buNone/>
+              <a:defRPr sz="1600" b="1"/>
+            </a:lvl9pPr>
+          </a:lstStyle>
+          <a:p>
+            <a:pPr lvl="0"/>
+            <a:r>
+              <a:rPr lang="en-US"/>
+              <a:t>Edit Master text styles</a:t>
+            </a:r>
+          </a:p>
+        </p:txBody>
+      </p:sp>
+      <p:sp>
+        <p:nvSpPr>
+          <p:cNvPr id="4" name="Content Placeholder 3"/>
+          <p:cNvSpPr>
+            <a:spLocks noGrp="1"/>
+          </p:cNvSpPr>
+          <p:nvPr>
+            <p:ph sz="half" idx="2"/>
+          </p:nvPr>
+        </p:nvSpPr>
+        <p:spPr>
+          <a:xfrm>
+            <a:off x="457200" y="2174875"/>
+            <a:ext cx="4040188" cy="3951288"/>
+          </a:xfrm>
+        </p:spPr>
+        <p:txBody>
+          <a:bodyPr/>
+          <a:lstStyle>
+            <a:lvl1pPr>
+              <a:defRPr sz="2400"/>
+            </a:lvl1pPr>
+            <a:lvl2pPr>
+              <a:defRPr sz="2000"/>
+            </a:lvl2pPr>
+            <a:lvl3pPr>
+              <a:defRPr sz="1800"/>
+            </a:lvl3pPr>
+            <a:lvl4pPr>
+              <a:defRPr sz="1600"/>
+            </a:lvl4pPr>
+            <a:lvl5pPr>
+              <a:defRPr sz="1600"/>
+            </a:lvl5pPr>
+            <a:lvl6pPr>
+              <a:defRPr sz="1600"/>
+            </a:lvl6pPr>
+            <a:lvl7pPr>
+              <a:defRPr sz="1600"/>
+            </a:lvl7pPr>
+            <a:lvl8pPr>
+              <a:defRPr sz="1600"/>
+            </a:lvl8pPr>
+            <a:lvl9pPr>
+              <a:defRPr sz="1600"/>
+            </a:lvl9pPr>
+          </a:lstStyle>
+          <a:p>
+            <a:pPr lvl="0"/>
+            <a:r>
+              <a:rPr lang="en-US"/>
+              <a:t>Edit Master text styles</a:t>
+            </a:r>
+          </a:p>
+          <a:p>
+            <a:pPr lvl="1"/>
+            <a:r>
+              <a:rPr lang="en-US"/>
+              <a:t>Second level</a:t>
+            </a:r>
+          </a:p>
+          <a:p>
+            <a:pPr lvl="2"/>
+            <a:r>
+              <a:rPr lang="en-US"/>
+              <a:t>Third level</a:t>
+            </a:r>
+          </a:p>
+          <a:p>
+            <a:pPr lvl="3"/>
+            <a:r>
+              <a:rPr lang="en-US"/>
+              <a:t>Fourth level</a:t>
+            </a:r>
+          </a:p>
+          <a:p>
+            <a:pPr lvl="4"/>
+            <a:r>
+              <a:rPr lang="en-US"/>
+              <a:t>Fifth level</a:t>
+            </a:r>
+            <a:endParaRPr lang="sv-SE" dirty="0"/>
+          </a:p>
+        </p:txBody>
+      </p:sp>
+      <p:sp>
+        <p:nvSpPr>
+          <p:cNvPr id="5" name="Text Placeholder 4"/>
+          <p:cNvSpPr>
+            <a:spLocks noGrp="1"/>
+          </p:cNvSpPr>
+          <p:nvPr>
+            <p:ph type="body" sz="quarter" idx="3"/>
+          </p:nvPr>
+        </p:nvSpPr>
+        <p:spPr>
+          <a:xfrm>
+            <a:off x="4645025" y="1535113"/>
+            <a:ext cx="4041775" cy="639762"/>
+          </a:xfrm>
+        </p:spPr>
+        <p:txBody>
+          <a:bodyPr anchor="b"/>
+          <a:lstStyle>
+            <a:lvl1pPr marL="0" indent="0">
+              <a:buNone/>
+              <a:defRPr sz="2400" b="1"/>
+            </a:lvl1pPr>
+            <a:lvl2pPr marL="457200" indent="0">
+              <a:buNone/>
+              <a:defRPr sz="2000" b="1"/>
+            </a:lvl2pPr>
+            <a:lvl3pPr marL="914400" indent="0">
+              <a:buNone/>
+              <a:defRPr sz="1800" b="1"/>
+            </a:lvl3pPr>
+            <a:lvl4pPr marL="1371600" indent="0">
+              <a:buNone/>
+              <a:defRPr sz="1600" b="1"/>
+            </a:lvl4pPr>
+            <a:lvl5pPr marL="1828800" indent="0">
+              <a:buNone/>
+              <a:defRPr sz="1600" b="1"/>
+            </a:lvl5pPr>
+            <a:lvl6pPr marL="2286000" indent="0">
+              <a:buNone/>
+              <a:defRPr sz="1600" b="1"/>
+            </a:lvl6pPr>
+            <a:lvl7pPr marL="2743200" indent="0">
+              <a:buNone/>
+              <a:defRPr sz="1600" b="1"/>
+            </a:lvl7pPr>
+            <a:lvl8pPr marL="3200400" indent="0">
+              <a:buNone/>
+              <a:defRPr sz="1600" b="1"/>
+            </a:lvl8pPr>
+            <a:lvl9pPr marL="3657600" indent="0">
+              <a:buNone/>
+              <a:defRPr sz="1600" b="1"/>
+            </a:lvl9pPr>
+          </a:lstStyle>
+          <a:p>
+            <a:pPr lvl="0"/>
+            <a:r>
+              <a:rPr lang="en-US"/>
+              <a:t>Edit Master text styles</a:t>
+            </a:r>
+          </a:p>
+        </p:txBody>
+      </p:sp>
+      <p:sp>
+        <p:nvSpPr>
+          <p:cNvPr id="6" name="Content Placeholder 5"/>
+          <p:cNvSpPr>
+            <a:spLocks noGrp="1"/>
+          </p:cNvSpPr>
+          <p:nvPr>
+            <p:ph sz="quarter" idx="4"/>
+          </p:nvPr>
+        </p:nvSpPr>
+        <p:spPr>
+          <a:xfrm>
+            <a:off x="4645025" y="2174875"/>
+            <a:ext cx="4041775" cy="3951288"/>
+          </a:xfrm>
+        </p:spPr>
+        <p:txBody>
+          <a:bodyPr/>
+          <a:lstStyle>
+            <a:lvl1pPr>
+              <a:defRPr sz="2400"/>
+            </a:lvl1pPr>
+            <a:lvl2pPr>
+              <a:defRPr sz="2000"/>
+            </a:lvl2pPr>
+            <a:lvl3pPr>
+              <a:defRPr sz="1800"/>
+            </a:lvl3pPr>
+            <a:lvl4pPr>
+              <a:defRPr sz="1600"/>
+            </a:lvl4pPr>
+            <a:lvl5pPr>
+              <a:defRPr sz="1600"/>
+            </a:lvl5pPr>
+            <a:lvl6pPr>
+              <a:defRPr sz="1600"/>
+            </a:lvl6pPr>
+            <a:lvl7pPr>
+              <a:defRPr sz="1600"/>
+            </a:lvl7pPr>
+            <a:lvl8pPr>
+              <a:defRPr sz="1600"/>
+            </a:lvl8pPr>
+            <a:lvl9pPr>
+              <a:defRPr sz="1600"/>
+            </a:lvl9pPr>
+          </a:lstStyle>
+          <a:p>
+            <a:pPr lvl="0"/>
+            <a:r>
+              <a:rPr lang="en-US"/>
+              <a:t>Edit Master text styles</a:t>
+            </a:r>
+          </a:p>
+          <a:p>
+            <a:pPr lvl="1"/>
+            <a:r>
+              <a:rPr lang="en-US"/>
+              <a:t>Second level</a:t>
+            </a:r>
+          </a:p>
+          <a:p>
+            <a:pPr lvl="2"/>
+            <a:r>
+              <a:rPr lang="en-US"/>
+              <a:t>Third level</a:t>
+            </a:r>
+          </a:p>
+          <a:p>
+            <a:pPr lvl="3"/>
+            <a:r>
+              <a:rPr lang="en-US"/>
+              <a:t>Fourth level</a:t>
+            </a:r>
+          </a:p>
+          <a:p>
+            <a:pPr lvl="4"/>
+            <a:r>
+              <a:rPr lang="en-US"/>
+              <a:t>Fifth level</a:t>
+            </a:r>
+            <a:endParaRPr lang="sv-SE" dirty="0"/>
+          </a:p>
+        </p:txBody>
+      </p:sp>
+    </p:spTree>
+    <p:extLst>
+      <p:ext uri="{BB962C8B-B14F-4D97-AF65-F5344CB8AC3E}">
+        <p14:creationId xmlns:p14="http://schemas.microsoft.com/office/powerpoint/2010/main" val="3270263266"/>
+      </p:ext>
+    </p:extLst>
+  </p:cSld>
+  <p:clrMapOvr>
+    <a:masterClrMapping/>
+  </p:clrMapOvr>
+</p:sldLayout>
+</file>
+
+<file path=ppt/slideLayouts/slideLayout17.xml><?xml version="1.0" encoding="utf-8"?>
+<p:sldLayout xmlns:a="http://schemas.openxmlformats.org/drawingml/2006/main" xmlns:r="http://schemas.openxmlformats.org/officeDocument/2006/relationships" xmlns:p="http://schemas.openxmlformats.org/presentationml/2006/main" type="titleOnly" preserve="1">
+  <p:cSld name="Endast rubrik">
+    <p:spTree>
+      <p:nvGrpSpPr>
+        <p:cNvPr id="1" name=""/>
+        <p:cNvGrpSpPr/>
+        <p:nvPr/>
+      </p:nvGrpSpPr>
+      <p:grpSpPr>
+        <a:xfrm>
+          <a:off x="0" y="0"/>
+          <a:ext cx="0" cy="0"/>
+          <a:chOff x="0" y="0"/>
+          <a:chExt cx="0" cy="0"/>
+        </a:xfrm>
+      </p:grpSpPr>
+      <p:sp>
+        <p:nvSpPr>
+          <p:cNvPr id="2" name="Title 1"/>
+          <p:cNvSpPr>
+            <a:spLocks noGrp="1"/>
+          </p:cNvSpPr>
+          <p:nvPr>
+            <p:ph type="title"/>
+          </p:nvPr>
+        </p:nvSpPr>
+        <p:spPr/>
+        <p:txBody>
+          <a:bodyPr/>
+          <a:lstStyle/>
+          <a:p>
+            <a:r>
+              <a:rPr lang="en-US"/>
+              <a:t>Click to edit Master title style</a:t>
+            </a:r>
+            <a:endParaRPr lang="sv-SE"/>
+          </a:p>
+        </p:txBody>
+      </p:sp>
+    </p:spTree>
+    <p:extLst>
+      <p:ext uri="{BB962C8B-B14F-4D97-AF65-F5344CB8AC3E}">
+        <p14:creationId xmlns:p14="http://schemas.microsoft.com/office/powerpoint/2010/main" val="2497859242"/>
+      </p:ext>
+    </p:extLst>
+  </p:cSld>
+  <p:clrMapOvr>
+    <a:masterClrMapping/>
+  </p:clrMapOvr>
+</p:sldLayout>
+</file>
+
+<file path=ppt/slideLayouts/slideLayout18.xml><?xml version="1.0" encoding="utf-8"?>
+<p:sldLayout xmlns:a="http://schemas.openxmlformats.org/drawingml/2006/main" xmlns:r="http://schemas.openxmlformats.org/officeDocument/2006/relationships" xmlns:p="http://schemas.openxmlformats.org/presentationml/2006/main" type="titleOnly" preserve="1">
+  <p:cSld name="Endast rubrik utan logga">
+    <p:spTree>
+      <p:nvGrpSpPr>
+        <p:cNvPr id="1" name=""/>
+        <p:cNvGrpSpPr/>
+        <p:nvPr/>
+      </p:nvGrpSpPr>
+      <p:grpSpPr>
+        <a:xfrm>
+          <a:off x="0" y="0"/>
+          <a:ext cx="0" cy="0"/>
+          <a:chOff x="0" y="0"/>
+          <a:chExt cx="0" cy="0"/>
+        </a:xfrm>
+      </p:grpSpPr>
+      <p:sp>
+        <p:nvSpPr>
+          <p:cNvPr id="2" name="Title 1"/>
+          <p:cNvSpPr>
+            <a:spLocks noGrp="1"/>
+          </p:cNvSpPr>
+          <p:nvPr>
+            <p:ph type="title"/>
+          </p:nvPr>
+        </p:nvSpPr>
+        <p:spPr/>
+        <p:txBody>
+          <a:bodyPr/>
+          <a:lstStyle/>
+          <a:p>
+            <a:r>
+              <a:rPr lang="en-US"/>
+              <a:t>Click to edit Master title style</a:t>
+            </a:r>
+            <a:endParaRPr lang="sv-SE"/>
+          </a:p>
+        </p:txBody>
+      </p:sp>
+      <p:sp>
+        <p:nvSpPr>
+          <p:cNvPr id="3" name="Rectangle 2"/>
+          <p:cNvSpPr/>
+          <p:nvPr/>
+        </p:nvSpPr>
+        <p:spPr bwMode="auto">
+          <a:xfrm>
+            <a:off x="7040947" y="5974854"/>
+            <a:ext cx="2088232" cy="864096"/>
+          </a:xfrm>
+          <a:prstGeom prst="rect">
+            <a:avLst/>
+          </a:prstGeom>
+          <a:solidFill>
+            <a:schemeClr val="accent3"/>
+          </a:solidFill>
+          <a:ln w="9525" cap="flat" cmpd="sng" algn="ctr">
+            <a:solidFill>
+              <a:schemeClr val="bg1"/>
+            </a:solidFill>
+            <a:prstDash val="solid"/>
+            <a:round/>
+            <a:headEnd type="none" w="med" len="med"/>
+            <a:tailEnd type="none" w="med" len="med"/>
+          </a:ln>
+          <a:effectLst/>
+        </p:spPr>
+        <p:txBody>
+          <a:bodyPr vert="horz" wrap="none" lIns="0" tIns="0" rIns="0" bIns="0" numCol="1" rtlCol="0" anchor="ctr" anchorCtr="0" compatLnSpc="1">
+            <a:prstTxWarp prst="textNoShape">
+              <a:avLst/>
+            </a:prstTxWarp>
+          </a:bodyPr>
+          <a:lstStyle/>
+          <a:p>
+            <a:pPr marL="0" marR="0" indent="0" algn="ctr" defTabSz="914400" rtl="0" eaLnBrk="1" fontAlgn="base" latinLnBrk="0" hangingPunct="1">
+              <a:lnSpc>
+                <a:spcPct val="100000"/>
+              </a:lnSpc>
+              <a:spcBef>
+                <a:spcPct val="0"/>
+              </a:spcBef>
+              <a:spcAft>
+                <a:spcPct val="0"/>
+              </a:spcAft>
+              <a:buClr>
+                <a:schemeClr val="bg2"/>
+              </a:buClr>
+              <a:buSzTx/>
+              <a:buFontTx/>
+              <a:buNone/>
+              <a:tabLst/>
+            </a:pPr>
+            <a:endParaRPr kumimoji="0" lang="sv-SE" sz="1600" b="0" i="0" u="none" strike="noStrike" cap="none" normalizeH="0" baseline="0">
+              <a:ln>
+                <a:noFill/>
+              </a:ln>
+              <a:solidFill>
+                <a:schemeClr val="tx1"/>
+              </a:solidFill>
+              <a:effectLst/>
+              <a:latin typeface="Arial" charset="0"/>
+            </a:endParaRPr>
+          </a:p>
+        </p:txBody>
+      </p:sp>
+    </p:spTree>
+    <p:extLst>
+      <p:ext uri="{BB962C8B-B14F-4D97-AF65-F5344CB8AC3E}">
+        <p14:creationId xmlns:p14="http://schemas.microsoft.com/office/powerpoint/2010/main" val="3129470943"/>
+      </p:ext>
+    </p:extLst>
+  </p:cSld>
+  <p:clrMapOvr>
+    <a:masterClrMapping/>
+  </p:clrMapOvr>
+</p:sldLayout>
+</file>
+
+<file path=ppt/slideLayouts/slideLayout19.xml><?xml version="1.0" encoding="utf-8"?>
+<p:sldLayout xmlns:a="http://schemas.openxmlformats.org/drawingml/2006/main" xmlns:r="http://schemas.openxmlformats.org/officeDocument/2006/relationships" xmlns:p="http://schemas.openxmlformats.org/presentationml/2006/main" type="blank" preserve="1">
+  <p:cSld name="Tom">
+    <p:spTree>
+      <p:nvGrpSpPr>
+        <p:cNvPr id="1" name=""/>
+        <p:cNvGrpSpPr/>
+        <p:nvPr/>
+      </p:nvGrpSpPr>
+      <p:grpSpPr>
+        <a:xfrm>
+          <a:off x="0" y="0"/>
+          <a:ext cx="0" cy="0"/>
+          <a:chOff x="0" y="0"/>
+          <a:chExt cx="0" cy="0"/>
+        </a:xfrm>
+      </p:grpSpPr>
+    </p:spTree>
+    <p:extLst>
+      <p:ext uri="{BB962C8B-B14F-4D97-AF65-F5344CB8AC3E}">
+        <p14:creationId xmlns:p14="http://schemas.microsoft.com/office/powerpoint/2010/main" val="608046874"/>
+      </p:ext>
+    </p:extLst>
+  </p:cSld>
+  <p:clrMapOvr>
+    <a:masterClrMapping/>
+  </p:clrMapOvr>
+</p:sldLayout>
+</file>
+
 <file path=ppt/slideLayouts/slideLayout2.xml><?xml version="1.0" encoding="utf-8"?>
 <p:sldLayout xmlns:a="http://schemas.openxmlformats.org/drawingml/2006/main" xmlns:r="http://schemas.openxmlformats.org/officeDocument/2006/relationships" xmlns:p="http://schemas.openxmlformats.org/presentationml/2006/main" type="obj" preserve="1">
   <p:cSld name="Title and Content">
@@ -25474,7 +26955,6 @@
               <a:rPr lang="en-US"/>
               <a:t>Click to edit Master title style</a:t>
             </a:r>
-            <a:endParaRPr lang="en-US"/>
           </a:p>
         </p:txBody>
       </p:sp>
@@ -25526,7 +27006,6 @@
               <a:rPr lang="en-US"/>
               <a:t>Fifth level</a:t>
             </a:r>
-            <a:endParaRPr lang="en-US"/>
           </a:p>
         </p:txBody>
       </p:sp>
@@ -25547,7 +27026,7 @@
           <a:p>
             <a:fld id="{909B27D7-151B-434F-A4FB-ED8A0393D376}" type="datetimeFigureOut">
               <a:rPr lang="en-US" smtClean="0"/>
-              <a:t>12/9/2016</a:t>
+              <a:t>12/16/2016</a:t>
             </a:fld>
             <a:endParaRPr lang="en-US"/>
           </a:p>
@@ -25608,6 +27087,1062 @@
 </p:sldLayout>
 </file>
 
+<file path=ppt/slideLayouts/slideLayout20.xml><?xml version="1.0" encoding="utf-8"?>
+<p:sldLayout xmlns:a="http://schemas.openxmlformats.org/drawingml/2006/main" xmlns:r="http://schemas.openxmlformats.org/officeDocument/2006/relationships" xmlns:p="http://schemas.openxmlformats.org/presentationml/2006/main" showMasterSp="0" type="titleOnly" preserve="1">
+  <p:cSld name="Helt tom med rubrik">
+    <p:spTree>
+      <p:nvGrpSpPr>
+        <p:cNvPr id="1" name=""/>
+        <p:cNvGrpSpPr/>
+        <p:nvPr/>
+      </p:nvGrpSpPr>
+      <p:grpSpPr>
+        <a:xfrm>
+          <a:off x="0" y="0"/>
+          <a:ext cx="0" cy="0"/>
+          <a:chOff x="0" y="0"/>
+          <a:chExt cx="0" cy="0"/>
+        </a:xfrm>
+      </p:grpSpPr>
+      <p:sp>
+        <p:nvSpPr>
+          <p:cNvPr id="2" name="Title 1"/>
+          <p:cNvSpPr>
+            <a:spLocks noGrp="1"/>
+          </p:cNvSpPr>
+          <p:nvPr>
+            <p:ph type="title"/>
+          </p:nvPr>
+        </p:nvSpPr>
+        <p:spPr/>
+        <p:txBody>
+          <a:bodyPr/>
+          <a:lstStyle/>
+          <a:p>
+            <a:r>
+              <a:rPr lang="en-US"/>
+              <a:t>Click to edit Master title style</a:t>
+            </a:r>
+            <a:endParaRPr lang="sv-SE"/>
+          </a:p>
+        </p:txBody>
+      </p:sp>
+    </p:spTree>
+    <p:extLst>
+      <p:ext uri="{BB962C8B-B14F-4D97-AF65-F5344CB8AC3E}">
+        <p14:creationId xmlns:p14="http://schemas.microsoft.com/office/powerpoint/2010/main" val="3630276634"/>
+      </p:ext>
+    </p:extLst>
+  </p:cSld>
+  <p:clrMapOvr>
+    <a:masterClrMapping/>
+  </p:clrMapOvr>
+</p:sldLayout>
+</file>
+
+<file path=ppt/slideLayouts/slideLayout21.xml><?xml version="1.0" encoding="utf-8"?>
+<p:sldLayout xmlns:a="http://schemas.openxmlformats.org/drawingml/2006/main" xmlns:r="http://schemas.openxmlformats.org/officeDocument/2006/relationships" xmlns:p="http://schemas.openxmlformats.org/presentationml/2006/main" showMasterSp="0" type="blank" preserve="1">
+  <p:cSld name="HeltTom">
+    <p:spTree>
+      <p:nvGrpSpPr>
+        <p:cNvPr id="1" name=""/>
+        <p:cNvGrpSpPr/>
+        <p:nvPr/>
+      </p:nvGrpSpPr>
+      <p:grpSpPr>
+        <a:xfrm>
+          <a:off x="0" y="0"/>
+          <a:ext cx="0" cy="0"/>
+          <a:chOff x="0" y="0"/>
+          <a:chExt cx="0" cy="0"/>
+        </a:xfrm>
+      </p:grpSpPr>
+    </p:spTree>
+    <p:extLst>
+      <p:ext uri="{BB962C8B-B14F-4D97-AF65-F5344CB8AC3E}">
+        <p14:creationId xmlns:p14="http://schemas.microsoft.com/office/powerpoint/2010/main" val="2617619725"/>
+      </p:ext>
+    </p:extLst>
+  </p:cSld>
+  <p:clrMapOvr>
+    <a:masterClrMapping/>
+  </p:clrMapOvr>
+</p:sldLayout>
+</file>
+
+<file path=ppt/slideLayouts/slideLayout22.xml><?xml version="1.0" encoding="utf-8"?>
+<p:sldLayout xmlns:a="http://schemas.openxmlformats.org/drawingml/2006/main" xmlns:r="http://schemas.openxmlformats.org/officeDocument/2006/relationships" xmlns:p="http://schemas.openxmlformats.org/presentationml/2006/main" type="objTx" preserve="1">
+  <p:cSld name="Innehåll med bildtext">
+    <p:spTree>
+      <p:nvGrpSpPr>
+        <p:cNvPr id="1" name=""/>
+        <p:cNvGrpSpPr/>
+        <p:nvPr/>
+      </p:nvGrpSpPr>
+      <p:grpSpPr>
+        <a:xfrm>
+          <a:off x="0" y="0"/>
+          <a:ext cx="0" cy="0"/>
+          <a:chOff x="0" y="0"/>
+          <a:chExt cx="0" cy="0"/>
+        </a:xfrm>
+      </p:grpSpPr>
+      <p:sp>
+        <p:nvSpPr>
+          <p:cNvPr id="2" name="Title 1"/>
+          <p:cNvSpPr>
+            <a:spLocks noGrp="1"/>
+          </p:cNvSpPr>
+          <p:nvPr>
+            <p:ph type="title"/>
+          </p:nvPr>
+        </p:nvSpPr>
+        <p:spPr>
+          <a:xfrm>
+            <a:off x="457200" y="273050"/>
+            <a:ext cx="3008313" cy="1162050"/>
+          </a:xfrm>
+        </p:spPr>
+        <p:txBody>
+          <a:bodyPr anchor="b"/>
+          <a:lstStyle>
+            <a:lvl1pPr algn="l">
+              <a:defRPr sz="2000" b="1"/>
+            </a:lvl1pPr>
+          </a:lstStyle>
+          <a:p>
+            <a:r>
+              <a:rPr lang="en-US"/>
+              <a:t>Click to edit Master title style</a:t>
+            </a:r>
+            <a:endParaRPr lang="sv-SE"/>
+          </a:p>
+        </p:txBody>
+      </p:sp>
+      <p:sp>
+        <p:nvSpPr>
+          <p:cNvPr id="3" name="Content Placeholder 2"/>
+          <p:cNvSpPr>
+            <a:spLocks noGrp="1"/>
+          </p:cNvSpPr>
+          <p:nvPr>
+            <p:ph idx="1"/>
+          </p:nvPr>
+        </p:nvSpPr>
+        <p:spPr>
+          <a:xfrm>
+            <a:off x="3575050" y="273050"/>
+            <a:ext cx="5111750" cy="5853113"/>
+          </a:xfrm>
+        </p:spPr>
+        <p:txBody>
+          <a:bodyPr/>
+          <a:lstStyle>
+            <a:lvl1pPr>
+              <a:defRPr sz="3200"/>
+            </a:lvl1pPr>
+            <a:lvl2pPr>
+              <a:defRPr sz="2800"/>
+            </a:lvl2pPr>
+            <a:lvl3pPr>
+              <a:defRPr sz="2400"/>
+            </a:lvl3pPr>
+            <a:lvl4pPr>
+              <a:defRPr sz="2000"/>
+            </a:lvl4pPr>
+            <a:lvl5pPr>
+              <a:defRPr sz="2000"/>
+            </a:lvl5pPr>
+            <a:lvl6pPr>
+              <a:defRPr sz="2000"/>
+            </a:lvl6pPr>
+            <a:lvl7pPr>
+              <a:defRPr sz="2000"/>
+            </a:lvl7pPr>
+            <a:lvl8pPr>
+              <a:defRPr sz="2000"/>
+            </a:lvl8pPr>
+            <a:lvl9pPr>
+              <a:defRPr sz="2000"/>
+            </a:lvl9pPr>
+          </a:lstStyle>
+          <a:p>
+            <a:pPr lvl="0"/>
+            <a:r>
+              <a:rPr lang="en-US"/>
+              <a:t>Edit Master text styles</a:t>
+            </a:r>
+          </a:p>
+          <a:p>
+            <a:pPr lvl="1"/>
+            <a:r>
+              <a:rPr lang="en-US"/>
+              <a:t>Second level</a:t>
+            </a:r>
+          </a:p>
+          <a:p>
+            <a:pPr lvl="2"/>
+            <a:r>
+              <a:rPr lang="en-US"/>
+              <a:t>Third level</a:t>
+            </a:r>
+          </a:p>
+          <a:p>
+            <a:pPr lvl="3"/>
+            <a:r>
+              <a:rPr lang="en-US"/>
+              <a:t>Fourth level</a:t>
+            </a:r>
+          </a:p>
+          <a:p>
+            <a:pPr lvl="4"/>
+            <a:r>
+              <a:rPr lang="en-US"/>
+              <a:t>Fifth level</a:t>
+            </a:r>
+            <a:endParaRPr lang="sv-SE"/>
+          </a:p>
+        </p:txBody>
+      </p:sp>
+      <p:sp>
+        <p:nvSpPr>
+          <p:cNvPr id="4" name="Text Placeholder 3"/>
+          <p:cNvSpPr>
+            <a:spLocks noGrp="1"/>
+          </p:cNvSpPr>
+          <p:nvPr>
+            <p:ph type="body" sz="half" idx="2"/>
+          </p:nvPr>
+        </p:nvSpPr>
+        <p:spPr>
+          <a:xfrm>
+            <a:off x="457200" y="1435100"/>
+            <a:ext cx="3008313" cy="4691063"/>
+          </a:xfrm>
+        </p:spPr>
+        <p:txBody>
+          <a:bodyPr/>
+          <a:lstStyle>
+            <a:lvl1pPr marL="0" indent="0">
+              <a:buNone/>
+              <a:defRPr sz="1400"/>
+            </a:lvl1pPr>
+            <a:lvl2pPr marL="457200" indent="0">
+              <a:buNone/>
+              <a:defRPr sz="1200"/>
+            </a:lvl2pPr>
+            <a:lvl3pPr marL="914400" indent="0">
+              <a:buNone/>
+              <a:defRPr sz="1000"/>
+            </a:lvl3pPr>
+            <a:lvl4pPr marL="1371600" indent="0">
+              <a:buNone/>
+              <a:defRPr sz="900"/>
+            </a:lvl4pPr>
+            <a:lvl5pPr marL="1828800" indent="0">
+              <a:buNone/>
+              <a:defRPr sz="900"/>
+            </a:lvl5pPr>
+            <a:lvl6pPr marL="2286000" indent="0">
+              <a:buNone/>
+              <a:defRPr sz="900"/>
+            </a:lvl6pPr>
+            <a:lvl7pPr marL="2743200" indent="0">
+              <a:buNone/>
+              <a:defRPr sz="900"/>
+            </a:lvl7pPr>
+            <a:lvl8pPr marL="3200400" indent="0">
+              <a:buNone/>
+              <a:defRPr sz="900"/>
+            </a:lvl8pPr>
+            <a:lvl9pPr marL="3657600" indent="0">
+              <a:buNone/>
+              <a:defRPr sz="900"/>
+            </a:lvl9pPr>
+          </a:lstStyle>
+          <a:p>
+            <a:pPr lvl="0"/>
+            <a:r>
+              <a:rPr lang="en-US"/>
+              <a:t>Edit Master text styles</a:t>
+            </a:r>
+          </a:p>
+        </p:txBody>
+      </p:sp>
+    </p:spTree>
+    <p:extLst>
+      <p:ext uri="{BB962C8B-B14F-4D97-AF65-F5344CB8AC3E}">
+        <p14:creationId xmlns:p14="http://schemas.microsoft.com/office/powerpoint/2010/main" val="2883525051"/>
+      </p:ext>
+    </p:extLst>
+  </p:cSld>
+  <p:clrMapOvr>
+    <a:masterClrMapping/>
+  </p:clrMapOvr>
+</p:sldLayout>
+</file>
+
+<file path=ppt/slideLayouts/slideLayout23.xml><?xml version="1.0" encoding="utf-8"?>
+<p:sldLayout xmlns:a="http://schemas.openxmlformats.org/drawingml/2006/main" xmlns:r="http://schemas.openxmlformats.org/officeDocument/2006/relationships" xmlns:p="http://schemas.openxmlformats.org/presentationml/2006/main" type="picTx" preserve="1">
+  <p:cSld name="Bild med bildtext">
+    <p:spTree>
+      <p:nvGrpSpPr>
+        <p:cNvPr id="1" name=""/>
+        <p:cNvGrpSpPr/>
+        <p:nvPr/>
+      </p:nvGrpSpPr>
+      <p:grpSpPr>
+        <a:xfrm>
+          <a:off x="0" y="0"/>
+          <a:ext cx="0" cy="0"/>
+          <a:chOff x="0" y="0"/>
+          <a:chExt cx="0" cy="0"/>
+        </a:xfrm>
+      </p:grpSpPr>
+      <p:sp>
+        <p:nvSpPr>
+          <p:cNvPr id="2" name="Title 1"/>
+          <p:cNvSpPr>
+            <a:spLocks noGrp="1"/>
+          </p:cNvSpPr>
+          <p:nvPr>
+            <p:ph type="title"/>
+          </p:nvPr>
+        </p:nvSpPr>
+        <p:spPr>
+          <a:xfrm>
+            <a:off x="1792288" y="4800600"/>
+            <a:ext cx="5486400" cy="566738"/>
+          </a:xfrm>
+        </p:spPr>
+        <p:txBody>
+          <a:bodyPr anchor="b"/>
+          <a:lstStyle>
+            <a:lvl1pPr algn="l">
+              <a:defRPr sz="2000" b="1"/>
+            </a:lvl1pPr>
+          </a:lstStyle>
+          <a:p>
+            <a:r>
+              <a:rPr lang="en-US"/>
+              <a:t>Click to edit Master title style</a:t>
+            </a:r>
+            <a:endParaRPr lang="sv-SE"/>
+          </a:p>
+        </p:txBody>
+      </p:sp>
+      <p:sp>
+        <p:nvSpPr>
+          <p:cNvPr id="3" name="Picture Placeholder 2"/>
+          <p:cNvSpPr>
+            <a:spLocks noGrp="1"/>
+          </p:cNvSpPr>
+          <p:nvPr>
+            <p:ph type="pic" idx="1"/>
+          </p:nvPr>
+        </p:nvSpPr>
+        <p:spPr>
+          <a:xfrm>
+            <a:off x="1792288" y="612775"/>
+            <a:ext cx="5486400" cy="4114800"/>
+          </a:xfrm>
+        </p:spPr>
+        <p:txBody>
+          <a:bodyPr/>
+          <a:lstStyle>
+            <a:lvl1pPr marL="0" indent="0">
+              <a:buNone/>
+              <a:defRPr sz="3200"/>
+            </a:lvl1pPr>
+            <a:lvl2pPr marL="457200" indent="0">
+              <a:buNone/>
+              <a:defRPr sz="2800"/>
+            </a:lvl2pPr>
+            <a:lvl3pPr marL="914400" indent="0">
+              <a:buNone/>
+              <a:defRPr sz="2400"/>
+            </a:lvl3pPr>
+            <a:lvl4pPr marL="1371600" indent="0">
+              <a:buNone/>
+              <a:defRPr sz="2000"/>
+            </a:lvl4pPr>
+            <a:lvl5pPr marL="1828800" indent="0">
+              <a:buNone/>
+              <a:defRPr sz="2000"/>
+            </a:lvl5pPr>
+            <a:lvl6pPr marL="2286000" indent="0">
+              <a:buNone/>
+              <a:defRPr sz="2000"/>
+            </a:lvl6pPr>
+            <a:lvl7pPr marL="2743200" indent="0">
+              <a:buNone/>
+              <a:defRPr sz="2000"/>
+            </a:lvl7pPr>
+            <a:lvl8pPr marL="3200400" indent="0">
+              <a:buNone/>
+              <a:defRPr sz="2000"/>
+            </a:lvl8pPr>
+            <a:lvl9pPr marL="3657600" indent="0">
+              <a:buNone/>
+              <a:defRPr sz="2000"/>
+            </a:lvl9pPr>
+          </a:lstStyle>
+          <a:p>
+            <a:pPr lvl="0"/>
+            <a:r>
+              <a:rPr lang="en-US" noProof="0"/>
+              <a:t>Click icon to add picture</a:t>
+            </a:r>
+            <a:endParaRPr lang="sv-SE" noProof="0"/>
+          </a:p>
+        </p:txBody>
+      </p:sp>
+      <p:sp>
+        <p:nvSpPr>
+          <p:cNvPr id="4" name="Text Placeholder 3"/>
+          <p:cNvSpPr>
+            <a:spLocks noGrp="1"/>
+          </p:cNvSpPr>
+          <p:nvPr>
+            <p:ph type="body" sz="half" idx="2"/>
+          </p:nvPr>
+        </p:nvSpPr>
+        <p:spPr>
+          <a:xfrm>
+            <a:off x="1792288" y="5367338"/>
+            <a:ext cx="5486400" cy="804862"/>
+          </a:xfrm>
+        </p:spPr>
+        <p:txBody>
+          <a:bodyPr/>
+          <a:lstStyle>
+            <a:lvl1pPr marL="0" indent="0">
+              <a:buNone/>
+              <a:defRPr sz="1400"/>
+            </a:lvl1pPr>
+            <a:lvl2pPr marL="457200" indent="0">
+              <a:buNone/>
+              <a:defRPr sz="1200"/>
+            </a:lvl2pPr>
+            <a:lvl3pPr marL="914400" indent="0">
+              <a:buNone/>
+              <a:defRPr sz="1000"/>
+            </a:lvl3pPr>
+            <a:lvl4pPr marL="1371600" indent="0">
+              <a:buNone/>
+              <a:defRPr sz="900"/>
+            </a:lvl4pPr>
+            <a:lvl5pPr marL="1828800" indent="0">
+              <a:buNone/>
+              <a:defRPr sz="900"/>
+            </a:lvl5pPr>
+            <a:lvl6pPr marL="2286000" indent="0">
+              <a:buNone/>
+              <a:defRPr sz="900"/>
+            </a:lvl6pPr>
+            <a:lvl7pPr marL="2743200" indent="0">
+              <a:buNone/>
+              <a:defRPr sz="900"/>
+            </a:lvl7pPr>
+            <a:lvl8pPr marL="3200400" indent="0">
+              <a:buNone/>
+              <a:defRPr sz="900"/>
+            </a:lvl8pPr>
+            <a:lvl9pPr marL="3657600" indent="0">
+              <a:buNone/>
+              <a:defRPr sz="900"/>
+            </a:lvl9pPr>
+          </a:lstStyle>
+          <a:p>
+            <a:pPr lvl="0"/>
+            <a:r>
+              <a:rPr lang="en-US"/>
+              <a:t>Edit Master text styles</a:t>
+            </a:r>
+          </a:p>
+        </p:txBody>
+      </p:sp>
+    </p:spTree>
+    <p:extLst>
+      <p:ext uri="{BB962C8B-B14F-4D97-AF65-F5344CB8AC3E}">
+        <p14:creationId xmlns:p14="http://schemas.microsoft.com/office/powerpoint/2010/main" val="2794321140"/>
+      </p:ext>
+    </p:extLst>
+  </p:cSld>
+  <p:clrMapOvr>
+    <a:masterClrMapping/>
+  </p:clrMapOvr>
+</p:sldLayout>
+</file>
+
+<file path=ppt/slideLayouts/slideLayout24.xml><?xml version="1.0" encoding="utf-8"?>
+<p:sldLayout xmlns:a="http://schemas.openxmlformats.org/drawingml/2006/main" xmlns:r="http://schemas.openxmlformats.org/officeDocument/2006/relationships" xmlns:p="http://schemas.openxmlformats.org/presentationml/2006/main" type="vertTx" preserve="1">
+  <p:cSld name="Rubrik och lodrät text">
+    <p:spTree>
+      <p:nvGrpSpPr>
+        <p:cNvPr id="1" name=""/>
+        <p:cNvGrpSpPr/>
+        <p:nvPr/>
+      </p:nvGrpSpPr>
+      <p:grpSpPr>
+        <a:xfrm>
+          <a:off x="0" y="0"/>
+          <a:ext cx="0" cy="0"/>
+          <a:chOff x="0" y="0"/>
+          <a:chExt cx="0" cy="0"/>
+        </a:xfrm>
+      </p:grpSpPr>
+      <p:sp>
+        <p:nvSpPr>
+          <p:cNvPr id="2" name="Title 1"/>
+          <p:cNvSpPr>
+            <a:spLocks noGrp="1"/>
+          </p:cNvSpPr>
+          <p:nvPr>
+            <p:ph type="title"/>
+          </p:nvPr>
+        </p:nvSpPr>
+        <p:spPr/>
+        <p:txBody>
+          <a:bodyPr/>
+          <a:lstStyle/>
+          <a:p>
+            <a:r>
+              <a:rPr lang="en-US"/>
+              <a:t>Click to edit Master title style</a:t>
+            </a:r>
+            <a:endParaRPr lang="sv-SE"/>
+          </a:p>
+        </p:txBody>
+      </p:sp>
+      <p:sp>
+        <p:nvSpPr>
+          <p:cNvPr id="3" name="Vertical Text Placeholder 2"/>
+          <p:cNvSpPr>
+            <a:spLocks noGrp="1"/>
+          </p:cNvSpPr>
+          <p:nvPr>
+            <p:ph type="body" orient="vert" idx="1"/>
+          </p:nvPr>
+        </p:nvSpPr>
+        <p:spPr/>
+        <p:txBody>
+          <a:bodyPr vert="eaVert"/>
+          <a:lstStyle/>
+          <a:p>
+            <a:pPr lvl="0"/>
+            <a:r>
+              <a:rPr lang="en-US"/>
+              <a:t>Edit Master text styles</a:t>
+            </a:r>
+          </a:p>
+          <a:p>
+            <a:pPr lvl="1"/>
+            <a:r>
+              <a:rPr lang="en-US"/>
+              <a:t>Second level</a:t>
+            </a:r>
+          </a:p>
+          <a:p>
+            <a:pPr lvl="2"/>
+            <a:r>
+              <a:rPr lang="en-US"/>
+              <a:t>Third level</a:t>
+            </a:r>
+          </a:p>
+          <a:p>
+            <a:pPr lvl="3"/>
+            <a:r>
+              <a:rPr lang="en-US"/>
+              <a:t>Fourth level</a:t>
+            </a:r>
+          </a:p>
+          <a:p>
+            <a:pPr lvl="4"/>
+            <a:r>
+              <a:rPr lang="en-US"/>
+              <a:t>Fifth level</a:t>
+            </a:r>
+            <a:endParaRPr lang="sv-SE"/>
+          </a:p>
+        </p:txBody>
+      </p:sp>
+    </p:spTree>
+    <p:extLst>
+      <p:ext uri="{BB962C8B-B14F-4D97-AF65-F5344CB8AC3E}">
+        <p14:creationId xmlns:p14="http://schemas.microsoft.com/office/powerpoint/2010/main" val="2293003736"/>
+      </p:ext>
+    </p:extLst>
+  </p:cSld>
+  <p:clrMapOvr>
+    <a:masterClrMapping/>
+  </p:clrMapOvr>
+</p:sldLayout>
+</file>
+
+<file path=ppt/slideLayouts/slideLayout25.xml><?xml version="1.0" encoding="utf-8"?>
+<p:sldLayout xmlns:a="http://schemas.openxmlformats.org/drawingml/2006/main" xmlns:r="http://schemas.openxmlformats.org/officeDocument/2006/relationships" xmlns:p="http://schemas.openxmlformats.org/presentationml/2006/main" type="vertTitleAndTx" preserve="1">
+  <p:cSld name="Lodrät rubrik och text">
+    <p:spTree>
+      <p:nvGrpSpPr>
+        <p:cNvPr id="1" name=""/>
+        <p:cNvGrpSpPr/>
+        <p:nvPr/>
+      </p:nvGrpSpPr>
+      <p:grpSpPr>
+        <a:xfrm>
+          <a:off x="0" y="0"/>
+          <a:ext cx="0" cy="0"/>
+          <a:chOff x="0" y="0"/>
+          <a:chExt cx="0" cy="0"/>
+        </a:xfrm>
+      </p:grpSpPr>
+      <p:sp>
+        <p:nvSpPr>
+          <p:cNvPr id="2" name="Vertical Title 1"/>
+          <p:cNvSpPr>
+            <a:spLocks noGrp="1"/>
+          </p:cNvSpPr>
+          <p:nvPr>
+            <p:ph type="title" orient="vert"/>
+          </p:nvPr>
+        </p:nvSpPr>
+        <p:spPr>
+          <a:xfrm>
+            <a:off x="6661150" y="765175"/>
+            <a:ext cx="2087563" cy="5327650"/>
+          </a:xfrm>
+        </p:spPr>
+        <p:txBody>
+          <a:bodyPr vert="eaVert"/>
+          <a:lstStyle/>
+          <a:p>
+            <a:r>
+              <a:rPr lang="en-US"/>
+              <a:t>Click to edit Master title style</a:t>
+            </a:r>
+            <a:endParaRPr lang="sv-SE"/>
+          </a:p>
+        </p:txBody>
+      </p:sp>
+      <p:sp>
+        <p:nvSpPr>
+          <p:cNvPr id="3" name="Vertical Text Placeholder 2"/>
+          <p:cNvSpPr>
+            <a:spLocks noGrp="1"/>
+          </p:cNvSpPr>
+          <p:nvPr>
+            <p:ph type="body" orient="vert" idx="1"/>
+          </p:nvPr>
+        </p:nvSpPr>
+        <p:spPr>
+          <a:xfrm>
+            <a:off x="395288" y="765175"/>
+            <a:ext cx="6113462" cy="5327650"/>
+          </a:xfrm>
+        </p:spPr>
+        <p:txBody>
+          <a:bodyPr vert="eaVert"/>
+          <a:lstStyle/>
+          <a:p>
+            <a:pPr lvl="0"/>
+            <a:r>
+              <a:rPr lang="en-US"/>
+              <a:t>Edit Master text styles</a:t>
+            </a:r>
+          </a:p>
+          <a:p>
+            <a:pPr lvl="1"/>
+            <a:r>
+              <a:rPr lang="en-US"/>
+              <a:t>Second level</a:t>
+            </a:r>
+          </a:p>
+          <a:p>
+            <a:pPr lvl="2"/>
+            <a:r>
+              <a:rPr lang="en-US"/>
+              <a:t>Third level</a:t>
+            </a:r>
+          </a:p>
+          <a:p>
+            <a:pPr lvl="3"/>
+            <a:r>
+              <a:rPr lang="en-US"/>
+              <a:t>Fourth level</a:t>
+            </a:r>
+          </a:p>
+          <a:p>
+            <a:pPr lvl="4"/>
+            <a:r>
+              <a:rPr lang="en-US"/>
+              <a:t>Fifth level</a:t>
+            </a:r>
+            <a:endParaRPr lang="sv-SE"/>
+          </a:p>
+        </p:txBody>
+      </p:sp>
+    </p:spTree>
+    <p:extLst>
+      <p:ext uri="{BB962C8B-B14F-4D97-AF65-F5344CB8AC3E}">
+        <p14:creationId xmlns:p14="http://schemas.microsoft.com/office/powerpoint/2010/main" val="1940508126"/>
+      </p:ext>
+    </p:extLst>
+  </p:cSld>
+  <p:clrMapOvr>
+    <a:masterClrMapping/>
+  </p:clrMapOvr>
+</p:sldLayout>
+</file>
+
+<file path=ppt/slideLayouts/slideLayout26.xml><?xml version="1.0" encoding="utf-8"?>
+<p:sldLayout xmlns:a="http://schemas.openxmlformats.org/drawingml/2006/main" xmlns:r="http://schemas.openxmlformats.org/officeDocument/2006/relationships" xmlns:p="http://schemas.openxmlformats.org/presentationml/2006/main" type="tbl">
+  <p:cSld name="Title and Table">
+    <p:spTree>
+      <p:nvGrpSpPr>
+        <p:cNvPr id="1" name=""/>
+        <p:cNvGrpSpPr/>
+        <p:nvPr/>
+      </p:nvGrpSpPr>
+      <p:grpSpPr>
+        <a:xfrm>
+          <a:off x="0" y="0"/>
+          <a:ext cx="0" cy="0"/>
+          <a:chOff x="0" y="0"/>
+          <a:chExt cx="0" cy="0"/>
+        </a:xfrm>
+      </p:grpSpPr>
+      <p:sp>
+        <p:nvSpPr>
+          <p:cNvPr id="2" name="Title 1"/>
+          <p:cNvSpPr>
+            <a:spLocks noGrp="1"/>
+          </p:cNvSpPr>
+          <p:nvPr>
+            <p:ph type="title"/>
+          </p:nvPr>
+        </p:nvSpPr>
+        <p:spPr>
+          <a:xfrm>
+            <a:off x="460375" y="167357"/>
+            <a:ext cx="7773988" cy="741363"/>
+          </a:xfrm>
+        </p:spPr>
+        <p:txBody>
+          <a:bodyPr/>
+          <a:lstStyle/>
+          <a:p>
+            <a:r>
+              <a:rPr lang="en-US"/>
+              <a:t>Click to edit Master title style</a:t>
+            </a:r>
+          </a:p>
+        </p:txBody>
+      </p:sp>
+      <p:sp>
+        <p:nvSpPr>
+          <p:cNvPr id="3" name="Table Placeholder 2"/>
+          <p:cNvSpPr>
+            <a:spLocks noGrp="1"/>
+          </p:cNvSpPr>
+          <p:nvPr>
+            <p:ph type="tbl" idx="1"/>
+          </p:nvPr>
+        </p:nvSpPr>
+        <p:spPr>
+          <a:xfrm>
+            <a:off x="458788" y="992188"/>
+            <a:ext cx="7751762" cy="4386262"/>
+          </a:xfrm>
+        </p:spPr>
+        <p:txBody>
+          <a:bodyPr/>
+          <a:lstStyle/>
+          <a:p>
+            <a:pPr lvl="0"/>
+            <a:r>
+              <a:rPr lang="en-US" noProof="0"/>
+              <a:t>Click icon to add table</a:t>
+            </a:r>
+          </a:p>
+        </p:txBody>
+      </p:sp>
+    </p:spTree>
+    <p:extLst>
+      <p:ext uri="{BB962C8B-B14F-4D97-AF65-F5344CB8AC3E}">
+        <p14:creationId xmlns:p14="http://schemas.microsoft.com/office/powerpoint/2010/main" val="3112089474"/>
+      </p:ext>
+    </p:extLst>
+  </p:cSld>
+  <p:clrMapOvr>
+    <a:masterClrMapping/>
+  </p:clrMapOvr>
+</p:sldLayout>
+</file>
+
+<file path=ppt/slideLayouts/slideLayout27.xml><?xml version="1.0" encoding="utf-8"?>
+<p:sldLayout xmlns:a="http://schemas.openxmlformats.org/drawingml/2006/main" xmlns:r="http://schemas.openxmlformats.org/officeDocument/2006/relationships" xmlns:p="http://schemas.openxmlformats.org/presentationml/2006/main">
+  <p:cSld name="1_Title and Content">
+    <p:spTree>
+      <p:nvGrpSpPr>
+        <p:cNvPr id="1" name=""/>
+        <p:cNvGrpSpPr/>
+        <p:nvPr/>
+      </p:nvGrpSpPr>
+      <p:grpSpPr>
+        <a:xfrm>
+          <a:off x="0" y="0"/>
+          <a:ext cx="0" cy="0"/>
+          <a:chOff x="0" y="0"/>
+          <a:chExt cx="0" cy="0"/>
+        </a:xfrm>
+      </p:grpSpPr>
+      <p:sp>
+        <p:nvSpPr>
+          <p:cNvPr id="2" name="Title 1"/>
+          <p:cNvSpPr>
+            <a:spLocks noGrp="1"/>
+          </p:cNvSpPr>
+          <p:nvPr>
+            <p:ph type="title"/>
+          </p:nvPr>
+        </p:nvSpPr>
+        <p:spPr/>
+        <p:txBody>
+          <a:bodyPr/>
+          <a:lstStyle>
+            <a:lvl1pPr>
+              <a:defRPr>
+                <a:latin typeface="+mj-lt"/>
+              </a:defRPr>
+            </a:lvl1pPr>
+          </a:lstStyle>
+          <a:p>
+            <a:r>
+              <a:rPr lang="en-US"/>
+              <a:t>Click to edit Master title style</a:t>
+            </a:r>
+            <a:endParaRPr lang="en-US" dirty="0"/>
+          </a:p>
+        </p:txBody>
+      </p:sp>
+      <p:sp>
+        <p:nvSpPr>
+          <p:cNvPr id="6" name="Text Placeholder 5"/>
+          <p:cNvSpPr>
+            <a:spLocks noGrp="1"/>
+          </p:cNvSpPr>
+          <p:nvPr>
+            <p:ph type="body" sz="quarter" idx="10"/>
+          </p:nvPr>
+        </p:nvSpPr>
+        <p:spPr>
+          <a:xfrm>
+            <a:off x="381000" y="1411552"/>
+            <a:ext cx="8382000" cy="2210862"/>
+          </a:xfrm>
+        </p:spPr>
+        <p:txBody>
+          <a:bodyPr/>
+          <a:lstStyle>
+            <a:lvl1pPr>
+              <a:lnSpc>
+                <a:spcPct val="90000"/>
+              </a:lnSpc>
+              <a:defRPr>
+                <a:latin typeface="+mn-lt"/>
+              </a:defRPr>
+            </a:lvl1pPr>
+            <a:lvl2pPr>
+              <a:lnSpc>
+                <a:spcPct val="90000"/>
+              </a:lnSpc>
+              <a:defRPr>
+                <a:latin typeface="+mn-lt"/>
+              </a:defRPr>
+            </a:lvl2pPr>
+            <a:lvl3pPr>
+              <a:lnSpc>
+                <a:spcPct val="90000"/>
+              </a:lnSpc>
+              <a:defRPr>
+                <a:latin typeface="+mn-lt"/>
+              </a:defRPr>
+            </a:lvl3pPr>
+            <a:lvl4pPr>
+              <a:lnSpc>
+                <a:spcPct val="90000"/>
+              </a:lnSpc>
+              <a:defRPr>
+                <a:latin typeface="+mn-lt"/>
+              </a:defRPr>
+            </a:lvl4pPr>
+            <a:lvl5pPr>
+              <a:lnSpc>
+                <a:spcPct val="90000"/>
+              </a:lnSpc>
+              <a:defRPr>
+                <a:latin typeface="+mn-lt"/>
+              </a:defRPr>
+            </a:lvl5pPr>
+          </a:lstStyle>
+          <a:p>
+            <a:pPr lvl="0"/>
+            <a:r>
+              <a:rPr lang="en-US"/>
+              <a:t>Edit Master text styles</a:t>
+            </a:r>
+          </a:p>
+          <a:p>
+            <a:pPr lvl="1"/>
+            <a:r>
+              <a:rPr lang="en-US"/>
+              <a:t>Second level</a:t>
+            </a:r>
+          </a:p>
+          <a:p>
+            <a:pPr lvl="2"/>
+            <a:r>
+              <a:rPr lang="en-US"/>
+              <a:t>Third level</a:t>
+            </a:r>
+          </a:p>
+          <a:p>
+            <a:pPr lvl="3"/>
+            <a:r>
+              <a:rPr lang="en-US"/>
+              <a:t>Fourth level</a:t>
+            </a:r>
+          </a:p>
+          <a:p>
+            <a:pPr lvl="4"/>
+            <a:r>
+              <a:rPr lang="en-US"/>
+              <a:t>Fifth level</a:t>
+            </a:r>
+            <a:endParaRPr lang="en-US" dirty="0"/>
+          </a:p>
+        </p:txBody>
+      </p:sp>
+    </p:spTree>
+    <p:extLst>
+      <p:ext uri="{BB962C8B-B14F-4D97-AF65-F5344CB8AC3E}">
+        <p14:creationId xmlns:p14="http://schemas.microsoft.com/office/powerpoint/2010/main" val="505300350"/>
+      </p:ext>
+    </p:extLst>
+  </p:cSld>
+  <p:clrMapOvr>
+    <a:masterClrMapping/>
+  </p:clrMapOvr>
+  <p:transition>
+    <p:fade/>
+  </p:transition>
+</p:sldLayout>
+</file>
+
+<file path=ppt/slideLayouts/slideLayout28.xml><?xml version="1.0" encoding="utf-8"?>
+<p:sldLayout xmlns:a="http://schemas.openxmlformats.org/drawingml/2006/main" xmlns:r="http://schemas.openxmlformats.org/officeDocument/2006/relationships" xmlns:p="http://schemas.openxmlformats.org/presentationml/2006/main" type="tx">
+  <p:cSld name="Title and Text">
+    <p:spTree>
+      <p:nvGrpSpPr>
+        <p:cNvPr id="1" name=""/>
+        <p:cNvGrpSpPr/>
+        <p:nvPr/>
+      </p:nvGrpSpPr>
+      <p:grpSpPr>
+        <a:xfrm>
+          <a:off x="0" y="0"/>
+          <a:ext cx="0" cy="0"/>
+          <a:chOff x="0" y="0"/>
+          <a:chExt cx="0" cy="0"/>
+        </a:xfrm>
+      </p:grpSpPr>
+      <p:sp>
+        <p:nvSpPr>
+          <p:cNvPr id="2" name="Shape 1"/>
+          <p:cNvSpPr>
+            <a:spLocks noGrp="1"/>
+          </p:cNvSpPr>
+          <p:nvPr>
+            <p:ph type="title"/>
+          </p:nvPr>
+        </p:nvSpPr>
+        <p:spPr/>
+        <p:txBody>
+          <a:bodyPr rtlCol="0"/>
+          <a:lstStyle/>
+          <a:p>
+            <a:r>
+              <a:rPr lang="en-US"/>
+              <a:t>Click to edit Master title style</a:t>
+            </a:r>
+          </a:p>
+        </p:txBody>
+      </p:sp>
+      <p:sp>
+        <p:nvSpPr>
+          <p:cNvPr id="3" name="Shape 2"/>
+          <p:cNvSpPr>
+            <a:spLocks noGrp="1"/>
+          </p:cNvSpPr>
+          <p:nvPr>
+            <p:ph type="body" idx="1"/>
+          </p:nvPr>
+        </p:nvSpPr>
+        <p:spPr/>
+        <p:txBody>
+          <a:bodyPr rtlCol="0"/>
+          <a:lstStyle/>
+          <a:p>
+            <a:pPr lvl="0"/>
+            <a:r>
+              <a:rPr lang="en-US"/>
+              <a:t>Edit Master text styles</a:t>
+            </a:r>
+          </a:p>
+          <a:p>
+            <a:pPr lvl="1"/>
+            <a:r>
+              <a:rPr lang="en-US"/>
+              <a:t>Second level</a:t>
+            </a:r>
+          </a:p>
+          <a:p>
+            <a:pPr lvl="2"/>
+            <a:r>
+              <a:rPr lang="en-US"/>
+              <a:t>Third level</a:t>
+            </a:r>
+          </a:p>
+          <a:p>
+            <a:pPr lvl="3"/>
+            <a:r>
+              <a:rPr lang="en-US"/>
+              <a:t>Fourth level</a:t>
+            </a:r>
+          </a:p>
+          <a:p>
+            <a:pPr lvl="4"/>
+            <a:r>
+              <a:rPr lang="en-US"/>
+              <a:t>Fifth level</a:t>
+            </a:r>
+          </a:p>
+        </p:txBody>
+      </p:sp>
+    </p:spTree>
+    <p:extLst>
+      <p:ext uri="{BB962C8B-B14F-4D97-AF65-F5344CB8AC3E}">
+        <p14:creationId xmlns:p14="http://schemas.microsoft.com/office/powerpoint/2010/main" val="1518782347"/>
+      </p:ext>
+    </p:extLst>
+  </p:cSld>
+  <p:clrMapOvr>
+    <a:masterClrMapping/>
+  </p:clrMapOvr>
+</p:sldLayout>
+</file>
+
 <file path=ppt/slideLayouts/slideLayout3.xml><?xml version="1.0" encoding="utf-8"?>
 <p:sldLayout xmlns:a="http://schemas.openxmlformats.org/drawingml/2006/main" xmlns:r="http://schemas.openxmlformats.org/officeDocument/2006/relationships" xmlns:p="http://schemas.openxmlformats.org/presentationml/2006/main" type="secHead" preserve="1">
   <p:cSld name="Section Header">
@@ -25653,7 +28188,6 @@
               <a:rPr lang="en-US"/>
               <a:t>Click to edit Master title style</a:t>
             </a:r>
-            <a:endParaRPr lang="en-US"/>
           </a:p>
         </p:txBody>
       </p:sp>
@@ -25793,7 +28327,7 @@
           <a:p>
             <a:fld id="{909B27D7-151B-434F-A4FB-ED8A0393D376}" type="datetimeFigureOut">
               <a:rPr lang="en-US" smtClean="0"/>
-              <a:t>12/9/2016</a:t>
+              <a:t>12/16/2016</a:t>
             </a:fld>
             <a:endParaRPr lang="en-US"/>
           </a:p>
@@ -25890,7 +28424,6 @@
               <a:rPr lang="en-US"/>
               <a:t>Click to edit Master title style</a:t>
             </a:r>
-            <a:endParaRPr lang="en-US"/>
           </a:p>
         </p:txBody>
       </p:sp>
@@ -25947,7 +28480,6 @@
               <a:rPr lang="en-US"/>
               <a:t>Fifth level</a:t>
             </a:r>
-            <a:endParaRPr lang="en-US"/>
           </a:p>
         </p:txBody>
       </p:sp>
@@ -26004,7 +28536,6 @@
               <a:rPr lang="en-US"/>
               <a:t>Fifth level</a:t>
             </a:r>
-            <a:endParaRPr lang="en-US"/>
           </a:p>
         </p:txBody>
       </p:sp>
@@ -26025,7 +28556,7 @@
           <a:p>
             <a:fld id="{909B27D7-151B-434F-A4FB-ED8A0393D376}" type="datetimeFigureOut">
               <a:rPr lang="en-US" smtClean="0"/>
-              <a:t>12/9/2016</a:t>
+              <a:t>12/16/2016</a:t>
             </a:fld>
             <a:endParaRPr lang="en-US"/>
           </a:p>
@@ -26127,7 +28658,6 @@
               <a:rPr lang="en-US"/>
               <a:t>Click to edit Master title style</a:t>
             </a:r>
-            <a:endParaRPr lang="en-US"/>
           </a:p>
         </p:txBody>
       </p:sp>
@@ -26249,7 +28779,6 @@
               <a:rPr lang="en-US"/>
               <a:t>Fifth level</a:t>
             </a:r>
-            <a:endParaRPr lang="en-US"/>
           </a:p>
         </p:txBody>
       </p:sp>
@@ -26371,7 +28900,6 @@
               <a:rPr lang="en-US"/>
               <a:t>Fifth level</a:t>
             </a:r>
-            <a:endParaRPr lang="en-US"/>
           </a:p>
         </p:txBody>
       </p:sp>
@@ -26392,7 +28920,7 @@
           <a:p>
             <a:fld id="{909B27D7-151B-434F-A4FB-ED8A0393D376}" type="datetimeFigureOut">
               <a:rPr lang="en-US" smtClean="0"/>
-              <a:t>12/9/2016</a:t>
+              <a:t>12/16/2016</a:t>
             </a:fld>
             <a:endParaRPr lang="en-US"/>
           </a:p>
@@ -26489,7 +29017,6 @@
               <a:rPr lang="en-US"/>
               <a:t>Click to edit Master title style</a:t>
             </a:r>
-            <a:endParaRPr lang="en-US"/>
           </a:p>
         </p:txBody>
       </p:sp>
@@ -26510,7 +29037,7 @@
           <a:p>
             <a:fld id="{909B27D7-151B-434F-A4FB-ED8A0393D376}" type="datetimeFigureOut">
               <a:rPr lang="en-US" smtClean="0"/>
-              <a:t>12/9/2016</a:t>
+              <a:t>12/16/2016</a:t>
             </a:fld>
             <a:endParaRPr lang="en-US"/>
           </a:p>
@@ -26605,7 +29132,7 @@
           <a:p>
             <a:fld id="{909B27D7-151B-434F-A4FB-ED8A0393D376}" type="datetimeFigureOut">
               <a:rPr lang="en-US" smtClean="0"/>
-              <a:t>12/9/2016</a:t>
+              <a:t>12/16/2016</a:t>
             </a:fld>
             <a:endParaRPr lang="en-US"/>
           </a:p>
@@ -26711,7 +29238,6 @@
               <a:rPr lang="en-US"/>
               <a:t>Click to edit Master title style</a:t>
             </a:r>
-            <a:endParaRPr lang="en-US"/>
           </a:p>
         </p:txBody>
       </p:sp>
@@ -26796,7 +29322,6 @@
               <a:rPr lang="en-US"/>
               <a:t>Fifth level</a:t>
             </a:r>
-            <a:endParaRPr lang="en-US"/>
           </a:p>
         </p:txBody>
       </p:sp>
@@ -26882,7 +29407,7 @@
           <a:p>
             <a:fld id="{909B27D7-151B-434F-A4FB-ED8A0393D376}" type="datetimeFigureOut">
               <a:rPr lang="en-US" smtClean="0"/>
-              <a:t>12/9/2016</a:t>
+              <a:t>12/16/2016</a:t>
             </a:fld>
             <a:endParaRPr lang="en-US"/>
           </a:p>
@@ -26988,7 +29513,6 @@
               <a:rPr lang="en-US"/>
               <a:t>Click to edit Master title style</a:t>
             </a:r>
-            <a:endParaRPr lang="en-US"/>
           </a:p>
         </p:txBody>
       </p:sp>
@@ -27135,7 +29659,7 @@
           <a:p>
             <a:fld id="{909B27D7-151B-434F-A4FB-ED8A0393D376}" type="datetimeFigureOut">
               <a:rPr lang="en-US" smtClean="0"/>
-              <a:t>12/9/2016</a:t>
+              <a:t>12/16/2016</a:t>
             </a:fld>
             <a:endParaRPr lang="en-US"/>
           </a:p>
@@ -27247,7 +29771,6 @@
               <a:rPr lang="en-US"/>
               <a:t>Click to edit Master title style</a:t>
             </a:r>
-            <a:endParaRPr lang="en-US"/>
           </a:p>
         </p:txBody>
       </p:sp>
@@ -27309,7 +29832,6 @@
               <a:rPr lang="en-US"/>
               <a:t>Fifth level</a:t>
             </a:r>
-            <a:endParaRPr lang="en-US"/>
           </a:p>
         </p:txBody>
       </p:sp>
@@ -27348,7 +29870,7 @@
           <a:p>
             <a:fld id="{909B27D7-151B-434F-A4FB-ED8A0393D376}" type="datetimeFigureOut">
               <a:rPr lang="en-US" smtClean="0"/>
-              <a:t>12/9/2016</a:t>
+              <a:t>12/16/2016</a:t>
             </a:fld>
             <a:endParaRPr lang="en-US"/>
           </a:p>
@@ -27736,6 +30258,615 @@
 </p:sldMaster>
 </file>
 
+<file path=ppt/slideMasters/slideMaster2.xml><?xml version="1.0" encoding="utf-8"?>
+<p:sldMaster xmlns:a="http://schemas.openxmlformats.org/drawingml/2006/main" xmlns:r="http://schemas.openxmlformats.org/officeDocument/2006/relationships" xmlns:p="http://schemas.openxmlformats.org/presentationml/2006/main" preserve="1">
+  <p:cSld>
+    <p:bg>
+      <p:bgPr>
+        <a:solidFill>
+          <a:schemeClr val="bg1"/>
+        </a:solidFill>
+        <a:effectLst/>
+      </p:bgPr>
+    </p:bg>
+    <p:spTree>
+      <p:nvGrpSpPr>
+        <p:cNvPr id="1" name=""/>
+        <p:cNvGrpSpPr/>
+        <p:nvPr/>
+      </p:nvGrpSpPr>
+      <p:grpSpPr>
+        <a:xfrm>
+          <a:off x="0" y="0"/>
+          <a:ext cx="0" cy="0"/>
+          <a:chOff x="0" y="0"/>
+          <a:chExt cx="0" cy="0"/>
+        </a:xfrm>
+      </p:grpSpPr>
+      <p:sp>
+        <p:nvSpPr>
+          <p:cNvPr id="1028" name="Rectangle 4"/>
+          <p:cNvSpPr>
+            <a:spLocks noGrp="1" noChangeArrowheads="1"/>
+          </p:cNvSpPr>
+          <p:nvPr>
+            <p:ph type="body" idx="1"/>
+          </p:nvPr>
+        </p:nvSpPr>
+        <p:spPr bwMode="gray">
+          <a:xfrm>
+            <a:off x="395288" y="1484313"/>
+            <a:ext cx="8353425" cy="4608512"/>
+          </a:xfrm>
+          <a:prstGeom prst="rect">
+            <a:avLst/>
+          </a:prstGeom>
+          <a:extLst>
+            <a:ext uri="{909E8E84-426E-40DD-AFC4-6F175D3DCCD1}">
+              <a14:hiddenFill xmlns:a14="http://schemas.microsoft.com/office/drawing/2010/main">
+                <a:solidFill>
+                  <a:srgbClr val="FFFFFF"/>
+                </a:solidFill>
+              </a14:hiddenFill>
+            </a:ext>
+            <a:ext uri="{91240B29-F687-4F45-9708-019B960494DF}">
+              <a14:hiddenLine xmlns:a14="http://schemas.microsoft.com/office/drawing/2010/main" w="9525">
+                <a:solidFill>
+                  <a:srgbClr val="000000"/>
+                </a:solidFill>
+                <a:miter lim="800000"/>
+                <a:headEnd/>
+                <a:tailEnd/>
+              </a14:hiddenLine>
+            </a:ext>
+            <a:ext uri="{53640926-AAD7-44D8-BBD7-CCE9431645EC}">
+              <a14:shadowObscured xmlns:a14="http://schemas.microsoft.com/office/drawing/2010/main" val="1"/>
+            </a:ext>
+          </a:extLst>
+        </p:spPr>
+        <p:txBody>
+          <a:bodyPr vert="horz" wrap="square" lIns="0" tIns="0" rIns="0" bIns="0" numCol="1" anchor="t" anchorCtr="0" compatLnSpc="1">
+            <a:prstTxWarp prst="textNoShape">
+              <a:avLst/>
+            </a:prstTxWarp>
+          </a:bodyPr>
+          <a:lstStyle/>
+          <a:p>
+            <a:pPr lvl="0"/>
+            <a:r>
+              <a:rPr lang="sv-SE" dirty="0"/>
+              <a:t>Klicka här för att ändra format på bakgrundstexten</a:t>
+            </a:r>
+          </a:p>
+          <a:p>
+            <a:pPr lvl="1"/>
+            <a:r>
+              <a:rPr lang="sv-SE" dirty="0"/>
+              <a:t>Nivå två</a:t>
+            </a:r>
+          </a:p>
+          <a:p>
+            <a:pPr lvl="2"/>
+            <a:r>
+              <a:rPr lang="sv-SE" dirty="0"/>
+              <a:t>Nivå tre</a:t>
+            </a:r>
+          </a:p>
+          <a:p>
+            <a:pPr lvl="3"/>
+            <a:r>
+              <a:rPr lang="sv-SE" dirty="0"/>
+              <a:t>Nivå fyra</a:t>
+            </a:r>
+          </a:p>
+          <a:p>
+            <a:pPr lvl="4"/>
+            <a:r>
+              <a:rPr lang="sv-SE" dirty="0"/>
+              <a:t>Nivå fem</a:t>
+            </a:r>
+            <a:endParaRPr lang="en-GB" dirty="0"/>
+          </a:p>
+        </p:txBody>
+      </p:sp>
+      <p:sp>
+        <p:nvSpPr>
+          <p:cNvPr id="1029" name="Rectangle 5"/>
+          <p:cNvSpPr>
+            <a:spLocks noGrp="1" noChangeArrowheads="1"/>
+          </p:cNvSpPr>
+          <p:nvPr>
+            <p:ph type="title"/>
+          </p:nvPr>
+        </p:nvSpPr>
+        <p:spPr bwMode="gray">
+          <a:xfrm>
+            <a:off x="395288" y="765175"/>
+            <a:ext cx="8353425" cy="360363"/>
+          </a:xfrm>
+          <a:prstGeom prst="rect">
+            <a:avLst/>
+          </a:prstGeom>
+          <a:extLst>
+            <a:ext uri="{909E8E84-426E-40DD-AFC4-6F175D3DCCD1}">
+              <a14:hiddenFill xmlns:a14="http://schemas.microsoft.com/office/drawing/2010/main">
+                <a:solidFill>
+                  <a:srgbClr val="FFFFFF"/>
+                </a:solidFill>
+              </a14:hiddenFill>
+            </a:ext>
+            <a:ext uri="{91240B29-F687-4F45-9708-019B960494DF}">
+              <a14:hiddenLine xmlns:a14="http://schemas.microsoft.com/office/drawing/2010/main" w="9525">
+                <a:solidFill>
+                  <a:srgbClr val="000000"/>
+                </a:solidFill>
+                <a:miter lim="800000"/>
+                <a:headEnd/>
+                <a:tailEnd/>
+              </a14:hiddenLine>
+            </a:ext>
+            <a:ext uri="{53640926-AAD7-44D8-BBD7-CCE9431645EC}">
+              <a14:shadowObscured xmlns:a14="http://schemas.microsoft.com/office/drawing/2010/main" val="1"/>
+            </a:ext>
+          </a:extLst>
+        </p:spPr>
+        <p:txBody>
+          <a:bodyPr vert="horz" wrap="square" lIns="0" tIns="0" rIns="0" bIns="0" numCol="1" anchor="ctr" anchorCtr="0" compatLnSpc="1">
+            <a:prstTxWarp prst="textNoShape">
+              <a:avLst/>
+            </a:prstTxWarp>
+          </a:bodyPr>
+          <a:lstStyle/>
+          <a:p>
+            <a:pPr lvl="0"/>
+            <a:r>
+              <a:rPr lang="en-GB" dirty="0"/>
+              <a:t>Click to add title</a:t>
+            </a:r>
+          </a:p>
+        </p:txBody>
+      </p:sp>
+    </p:spTree>
+    <p:extLst>
+      <p:ext uri="{BB962C8B-B14F-4D97-AF65-F5344CB8AC3E}">
+        <p14:creationId xmlns:p14="http://schemas.microsoft.com/office/powerpoint/2010/main" val="4291743673"/>
+      </p:ext>
+    </p:extLst>
+  </p:cSld>
+  <p:clrMap bg1="lt1" tx1="dk1" bg2="lt2" tx2="dk2" accent1="accent1" accent2="accent2" accent3="accent3" accent4="accent4" accent5="accent5" accent6="accent6" hlink="hlink" folHlink="folHlink"/>
+  <p:sldLayoutIdLst>
+    <p:sldLayoutId id="2147483875" r:id="rId1"/>
+    <p:sldLayoutId id="2147483876" r:id="rId2"/>
+    <p:sldLayoutId id="2147483877" r:id="rId3"/>
+    <p:sldLayoutId id="2147483878" r:id="rId4"/>
+    <p:sldLayoutId id="2147483879" r:id="rId5"/>
+    <p:sldLayoutId id="2147483880" r:id="rId6"/>
+    <p:sldLayoutId id="2147483881" r:id="rId7"/>
+    <p:sldLayoutId id="2147483882" r:id="rId8"/>
+    <p:sldLayoutId id="2147483883" r:id="rId9"/>
+    <p:sldLayoutId id="2147483884" r:id="rId10"/>
+    <p:sldLayoutId id="2147483885" r:id="rId11"/>
+    <p:sldLayoutId id="2147483886" r:id="rId12"/>
+    <p:sldLayoutId id="2147483887" r:id="rId13"/>
+    <p:sldLayoutId id="2147483888" r:id="rId14"/>
+    <p:sldLayoutId id="2147483889" r:id="rId15"/>
+    <p:sldLayoutId id="2147483890" r:id="rId16"/>
+    <p:sldLayoutId id="2147483891" r:id="rId17"/>
+  </p:sldLayoutIdLst>
+  <p:txStyles>
+    <p:titleStyle>
+      <a:lvl1pPr algn="l" rtl="0" eaLnBrk="1" fontAlgn="base" hangingPunct="1">
+        <a:spcBef>
+          <a:spcPct val="0"/>
+        </a:spcBef>
+        <a:spcAft>
+          <a:spcPct val="0"/>
+        </a:spcAft>
+        <a:defRPr sz="2000" b="1">
+          <a:solidFill>
+            <a:schemeClr val="tx1"/>
+          </a:solidFill>
+          <a:latin typeface="+mj-lt"/>
+          <a:ea typeface="+mj-ea"/>
+          <a:cs typeface="+mj-cs"/>
+        </a:defRPr>
+      </a:lvl1pPr>
+      <a:lvl2pPr algn="l" rtl="0" eaLnBrk="1" fontAlgn="base" hangingPunct="1">
+        <a:spcBef>
+          <a:spcPct val="0"/>
+        </a:spcBef>
+        <a:spcAft>
+          <a:spcPct val="0"/>
+        </a:spcAft>
+        <a:defRPr sz="2000" b="1">
+          <a:solidFill>
+            <a:schemeClr val="bg1"/>
+          </a:solidFill>
+          <a:latin typeface="Arial" charset="0"/>
+        </a:defRPr>
+      </a:lvl2pPr>
+      <a:lvl3pPr algn="l" rtl="0" eaLnBrk="1" fontAlgn="base" hangingPunct="1">
+        <a:spcBef>
+          <a:spcPct val="0"/>
+        </a:spcBef>
+        <a:spcAft>
+          <a:spcPct val="0"/>
+        </a:spcAft>
+        <a:defRPr sz="2000" b="1">
+          <a:solidFill>
+            <a:schemeClr val="bg1"/>
+          </a:solidFill>
+          <a:latin typeface="Arial" charset="0"/>
+        </a:defRPr>
+      </a:lvl3pPr>
+      <a:lvl4pPr algn="l" rtl="0" eaLnBrk="1" fontAlgn="base" hangingPunct="1">
+        <a:spcBef>
+          <a:spcPct val="0"/>
+        </a:spcBef>
+        <a:spcAft>
+          <a:spcPct val="0"/>
+        </a:spcAft>
+        <a:defRPr sz="2000" b="1">
+          <a:solidFill>
+            <a:schemeClr val="bg1"/>
+          </a:solidFill>
+          <a:latin typeface="Arial" charset="0"/>
+        </a:defRPr>
+      </a:lvl4pPr>
+      <a:lvl5pPr algn="l" rtl="0" eaLnBrk="1" fontAlgn="base" hangingPunct="1">
+        <a:spcBef>
+          <a:spcPct val="0"/>
+        </a:spcBef>
+        <a:spcAft>
+          <a:spcPct val="0"/>
+        </a:spcAft>
+        <a:defRPr sz="2000" b="1">
+          <a:solidFill>
+            <a:schemeClr val="bg1"/>
+          </a:solidFill>
+          <a:latin typeface="Arial" charset="0"/>
+        </a:defRPr>
+      </a:lvl5pPr>
+      <a:lvl6pPr marL="457200" algn="l" rtl="0" eaLnBrk="1" fontAlgn="base" hangingPunct="1">
+        <a:spcBef>
+          <a:spcPct val="0"/>
+        </a:spcBef>
+        <a:spcAft>
+          <a:spcPct val="0"/>
+        </a:spcAft>
+        <a:defRPr sz="2000" b="1">
+          <a:solidFill>
+            <a:schemeClr val="bg1"/>
+          </a:solidFill>
+          <a:latin typeface="Arial" charset="0"/>
+        </a:defRPr>
+      </a:lvl6pPr>
+      <a:lvl7pPr marL="914400" algn="l" rtl="0" eaLnBrk="1" fontAlgn="base" hangingPunct="1">
+        <a:spcBef>
+          <a:spcPct val="0"/>
+        </a:spcBef>
+        <a:spcAft>
+          <a:spcPct val="0"/>
+        </a:spcAft>
+        <a:defRPr sz="2000" b="1">
+          <a:solidFill>
+            <a:schemeClr val="bg1"/>
+          </a:solidFill>
+          <a:latin typeface="Arial" charset="0"/>
+        </a:defRPr>
+      </a:lvl7pPr>
+      <a:lvl8pPr marL="1371600" algn="l" rtl="0" eaLnBrk="1" fontAlgn="base" hangingPunct="1">
+        <a:spcBef>
+          <a:spcPct val="0"/>
+        </a:spcBef>
+        <a:spcAft>
+          <a:spcPct val="0"/>
+        </a:spcAft>
+        <a:defRPr sz="2000" b="1">
+          <a:solidFill>
+            <a:schemeClr val="bg1"/>
+          </a:solidFill>
+          <a:latin typeface="Arial" charset="0"/>
+        </a:defRPr>
+      </a:lvl8pPr>
+      <a:lvl9pPr marL="1828800" algn="l" rtl="0" eaLnBrk="1" fontAlgn="base" hangingPunct="1">
+        <a:spcBef>
+          <a:spcPct val="0"/>
+        </a:spcBef>
+        <a:spcAft>
+          <a:spcPct val="0"/>
+        </a:spcAft>
+        <a:defRPr sz="2000" b="1">
+          <a:solidFill>
+            <a:schemeClr val="bg1"/>
+          </a:solidFill>
+          <a:latin typeface="Arial" charset="0"/>
+        </a:defRPr>
+      </a:lvl9pPr>
+    </p:titleStyle>
+    <p:bodyStyle>
+      <a:lvl1pPr marL="177800" indent="-177800" algn="l" rtl="0" eaLnBrk="1" fontAlgn="base" hangingPunct="1">
+        <a:spcBef>
+          <a:spcPct val="40000"/>
+        </a:spcBef>
+        <a:spcAft>
+          <a:spcPct val="0"/>
+        </a:spcAft>
+        <a:buClr>
+          <a:schemeClr val="accent1"/>
+        </a:buClr>
+        <a:buFont typeface="Wingdings" pitchFamily="2" charset="2"/>
+        <a:buChar char="§"/>
+        <a:defRPr lang="sv-SE" dirty="0" smtClean="0">
+          <a:solidFill>
+            <a:schemeClr val="tx1"/>
+          </a:solidFill>
+          <a:latin typeface="+mn-lt"/>
+          <a:ea typeface="+mn-ea"/>
+          <a:cs typeface="+mn-cs"/>
+        </a:defRPr>
+      </a:lvl1pPr>
+      <a:lvl2pPr marL="541338" indent="-184150" algn="l" rtl="0" eaLnBrk="1" fontAlgn="base" hangingPunct="1">
+        <a:spcBef>
+          <a:spcPct val="40000"/>
+        </a:spcBef>
+        <a:spcAft>
+          <a:spcPct val="0"/>
+        </a:spcAft>
+        <a:buClr>
+          <a:schemeClr val="accent1"/>
+        </a:buClr>
+        <a:buFont typeface="Wingdings" pitchFamily="2" charset="2"/>
+        <a:buChar char="§"/>
+        <a:defRPr lang="sv-SE" sz="1600" dirty="0" smtClean="0">
+          <a:solidFill>
+            <a:schemeClr val="tx1"/>
+          </a:solidFill>
+          <a:latin typeface="+mn-lt"/>
+          <a:ea typeface="+mn-ea"/>
+          <a:cs typeface="+mn-cs"/>
+        </a:defRPr>
+      </a:lvl2pPr>
+      <a:lvl3pPr marL="896938" indent="-176213" algn="l" rtl="0" eaLnBrk="1" fontAlgn="base" hangingPunct="1">
+        <a:spcBef>
+          <a:spcPct val="40000"/>
+        </a:spcBef>
+        <a:spcAft>
+          <a:spcPct val="0"/>
+        </a:spcAft>
+        <a:buClr>
+          <a:schemeClr val="accent1"/>
+        </a:buClr>
+        <a:buFont typeface="Wingdings" pitchFamily="2" charset="2"/>
+        <a:buChar char="§"/>
+        <a:defRPr lang="sv-SE" sz="1600" dirty="0" smtClean="0">
+          <a:solidFill>
+            <a:schemeClr val="tx1"/>
+          </a:solidFill>
+          <a:latin typeface="+mn-lt"/>
+          <a:ea typeface="+mn-ea"/>
+          <a:cs typeface="+mn-cs"/>
+        </a:defRPr>
+      </a:lvl3pPr>
+      <a:lvl4pPr marL="1252538" indent="-176213" algn="l" rtl="0" eaLnBrk="1" fontAlgn="base" hangingPunct="1">
+        <a:spcBef>
+          <a:spcPct val="40000"/>
+        </a:spcBef>
+        <a:spcAft>
+          <a:spcPct val="0"/>
+        </a:spcAft>
+        <a:buClr>
+          <a:schemeClr val="accent1"/>
+        </a:buClr>
+        <a:buSzPct val="120000"/>
+        <a:buFont typeface="Wingdings" pitchFamily="2" charset="2"/>
+        <a:buChar char="§"/>
+        <a:defRPr lang="sv-SE" sz="1400" dirty="0" smtClean="0">
+          <a:solidFill>
+            <a:schemeClr val="tx1"/>
+          </a:solidFill>
+          <a:latin typeface="+mn-lt"/>
+          <a:ea typeface="+mn-ea"/>
+          <a:cs typeface="+mn-cs"/>
+        </a:defRPr>
+      </a:lvl4pPr>
+      <a:lvl5pPr marL="1616075" indent="-184150" algn="l" rtl="0" eaLnBrk="1" fontAlgn="base" hangingPunct="1">
+        <a:spcBef>
+          <a:spcPct val="40000"/>
+        </a:spcBef>
+        <a:spcAft>
+          <a:spcPct val="0"/>
+        </a:spcAft>
+        <a:buClr>
+          <a:schemeClr val="accent1"/>
+        </a:buClr>
+        <a:buFont typeface="Wingdings" pitchFamily="2" charset="2"/>
+        <a:buChar char="§"/>
+        <a:defRPr lang="en-GB" sz="1400" dirty="0" smtClean="0">
+          <a:solidFill>
+            <a:schemeClr val="tx1"/>
+          </a:solidFill>
+          <a:latin typeface="+mn-lt"/>
+          <a:ea typeface="+mn-ea"/>
+          <a:cs typeface="+mn-cs"/>
+        </a:defRPr>
+      </a:lvl5pPr>
+      <a:lvl6pPr marL="2073275" indent="-184150" algn="l" rtl="0" eaLnBrk="1" fontAlgn="base" hangingPunct="1">
+        <a:spcBef>
+          <a:spcPct val="40000"/>
+        </a:spcBef>
+        <a:spcAft>
+          <a:spcPct val="0"/>
+        </a:spcAft>
+        <a:buClr>
+          <a:schemeClr val="bg2"/>
+        </a:buClr>
+        <a:buFont typeface="Arial" charset="0"/>
+        <a:buChar char="–"/>
+        <a:defRPr sz="1400">
+          <a:solidFill>
+            <a:schemeClr val="tx1"/>
+          </a:solidFill>
+          <a:latin typeface="+mn-lt"/>
+        </a:defRPr>
+      </a:lvl6pPr>
+      <a:lvl7pPr marL="2530475" indent="-184150" algn="l" rtl="0" eaLnBrk="1" fontAlgn="base" hangingPunct="1">
+        <a:spcBef>
+          <a:spcPct val="40000"/>
+        </a:spcBef>
+        <a:spcAft>
+          <a:spcPct val="0"/>
+        </a:spcAft>
+        <a:buClr>
+          <a:schemeClr val="bg2"/>
+        </a:buClr>
+        <a:buFont typeface="Arial" charset="0"/>
+        <a:buChar char="–"/>
+        <a:defRPr sz="1400">
+          <a:solidFill>
+            <a:schemeClr val="tx1"/>
+          </a:solidFill>
+          <a:latin typeface="+mn-lt"/>
+        </a:defRPr>
+      </a:lvl7pPr>
+      <a:lvl8pPr marL="2987675" indent="-184150" algn="l" rtl="0" eaLnBrk="1" fontAlgn="base" hangingPunct="1">
+        <a:spcBef>
+          <a:spcPct val="40000"/>
+        </a:spcBef>
+        <a:spcAft>
+          <a:spcPct val="0"/>
+        </a:spcAft>
+        <a:buClr>
+          <a:schemeClr val="bg2"/>
+        </a:buClr>
+        <a:buFont typeface="Arial" charset="0"/>
+        <a:buChar char="–"/>
+        <a:defRPr sz="1400">
+          <a:solidFill>
+            <a:schemeClr val="tx1"/>
+          </a:solidFill>
+          <a:latin typeface="+mn-lt"/>
+        </a:defRPr>
+      </a:lvl8pPr>
+      <a:lvl9pPr marL="3444875" indent="-184150" algn="l" rtl="0" eaLnBrk="1" fontAlgn="base" hangingPunct="1">
+        <a:spcBef>
+          <a:spcPct val="40000"/>
+        </a:spcBef>
+        <a:spcAft>
+          <a:spcPct val="0"/>
+        </a:spcAft>
+        <a:buClr>
+          <a:schemeClr val="bg2"/>
+        </a:buClr>
+        <a:buFont typeface="Arial" charset="0"/>
+        <a:buChar char="–"/>
+        <a:defRPr sz="1400">
+          <a:solidFill>
+            <a:schemeClr val="tx1"/>
+          </a:solidFill>
+          <a:latin typeface="+mn-lt"/>
+        </a:defRPr>
+      </a:lvl9pPr>
+    </p:bodyStyle>
+    <p:otherStyle>
+      <a:defPPr>
+        <a:defRPr lang="sv-SE"/>
+      </a:defPPr>
+      <a:lvl1pPr marL="0" algn="l" defTabSz="914400" rtl="0" eaLnBrk="1" latinLnBrk="0" hangingPunct="1">
+        <a:defRPr sz="1800" kern="1200">
+          <a:solidFill>
+            <a:schemeClr val="tx1"/>
+          </a:solidFill>
+          <a:latin typeface="+mn-lt"/>
+          <a:ea typeface="+mn-ea"/>
+          <a:cs typeface="+mn-cs"/>
+        </a:defRPr>
+      </a:lvl1pPr>
+      <a:lvl2pPr marL="457200" algn="l" defTabSz="914400" rtl="0" eaLnBrk="1" latinLnBrk="0" hangingPunct="1">
+        <a:defRPr sz="1800" kern="1200">
+          <a:solidFill>
+            <a:schemeClr val="tx1"/>
+          </a:solidFill>
+          <a:latin typeface="+mn-lt"/>
+          <a:ea typeface="+mn-ea"/>
+          <a:cs typeface="+mn-cs"/>
+        </a:defRPr>
+      </a:lvl2pPr>
+      <a:lvl3pPr marL="914400" algn="l" defTabSz="914400" rtl="0" eaLnBrk="1" latinLnBrk="0" hangingPunct="1">
+        <a:defRPr sz="1800" kern="1200">
+          <a:solidFill>
+            <a:schemeClr val="tx1"/>
+          </a:solidFill>
+          <a:latin typeface="+mn-lt"/>
+          <a:ea typeface="+mn-ea"/>
+          <a:cs typeface="+mn-cs"/>
+        </a:defRPr>
+      </a:lvl3pPr>
+      <a:lvl4pPr marL="1371600" algn="l" defTabSz="914400" rtl="0" eaLnBrk="1" latinLnBrk="0" hangingPunct="1">
+        <a:defRPr sz="1800" kern="1200">
+          <a:solidFill>
+            <a:schemeClr val="tx1"/>
+          </a:solidFill>
+          <a:latin typeface="+mn-lt"/>
+          <a:ea typeface="+mn-ea"/>
+          <a:cs typeface="+mn-cs"/>
+        </a:defRPr>
+      </a:lvl4pPr>
+      <a:lvl5pPr marL="1828800" algn="l" defTabSz="914400" rtl="0" eaLnBrk="1" latinLnBrk="0" hangingPunct="1">
+        <a:defRPr sz="1800" kern="1200">
+          <a:solidFill>
+            <a:schemeClr val="tx1"/>
+          </a:solidFill>
+          <a:latin typeface="+mn-lt"/>
+          <a:ea typeface="+mn-ea"/>
+          <a:cs typeface="+mn-cs"/>
+        </a:defRPr>
+      </a:lvl5pPr>
+      <a:lvl6pPr marL="2286000" algn="l" defTabSz="914400" rtl="0" eaLnBrk="1" latinLnBrk="0" hangingPunct="1">
+        <a:defRPr sz="1800" kern="1200">
+          <a:solidFill>
+            <a:schemeClr val="tx1"/>
+          </a:solidFill>
+          <a:latin typeface="+mn-lt"/>
+          <a:ea typeface="+mn-ea"/>
+          <a:cs typeface="+mn-cs"/>
+        </a:defRPr>
+      </a:lvl6pPr>
+      <a:lvl7pPr marL="2743200" algn="l" defTabSz="914400" rtl="0" eaLnBrk="1" latinLnBrk="0" hangingPunct="1">
+        <a:defRPr sz="1800" kern="1200">
+          <a:solidFill>
+            <a:schemeClr val="tx1"/>
+          </a:solidFill>
+          <a:latin typeface="+mn-lt"/>
+          <a:ea typeface="+mn-ea"/>
+          <a:cs typeface="+mn-cs"/>
+        </a:defRPr>
+      </a:lvl7pPr>
+      <a:lvl8pPr marL="3200400" algn="l" defTabSz="914400" rtl="0" eaLnBrk="1" latinLnBrk="0" hangingPunct="1">
+        <a:defRPr sz="1800" kern="1200">
+          <a:solidFill>
+            <a:schemeClr val="tx1"/>
+          </a:solidFill>
+          <a:latin typeface="+mn-lt"/>
+          <a:ea typeface="+mn-ea"/>
+          <a:cs typeface="+mn-cs"/>
+        </a:defRPr>
+      </a:lvl8pPr>
+      <a:lvl9pPr marL="3657600" algn="l" defTabSz="914400" rtl="0" eaLnBrk="1" latinLnBrk="0" hangingPunct="1">
+        <a:defRPr sz="1800" kern="1200">
+          <a:solidFill>
+            <a:schemeClr val="tx1"/>
+          </a:solidFill>
+          <a:latin typeface="+mn-lt"/>
+          <a:ea typeface="+mn-ea"/>
+          <a:cs typeface="+mn-cs"/>
+        </a:defRPr>
+      </a:lvl9pPr>
+    </p:otherStyle>
+  </p:txStyles>
+</p:sldMaster>
+</file>
+
 <file path=ppt/slides/slide1.xml><?xml version="1.0" encoding="utf-8"?>
 <p:sld xmlns:a="http://schemas.openxmlformats.org/drawingml/2006/main" xmlns:r="http://schemas.openxmlformats.org/officeDocument/2006/relationships" xmlns:p="http://schemas.openxmlformats.org/presentationml/2006/main">
   <p:cSld>
@@ -27753,6 +30884,29 @@
           <a:chExt cx="0" cy="0"/>
         </a:xfrm>
       </p:grpSpPr>
+      <p:sp>
+        <p:nvSpPr>
+          <p:cNvPr id="4098" name="Underrubrik 6"/>
+          <p:cNvSpPr>
+            <a:spLocks noGrp="1"/>
+          </p:cNvSpPr>
+          <p:nvPr>
+            <p:ph type="subTitle" idx="1"/>
+          </p:nvPr>
+        </p:nvSpPr>
+        <p:spPr/>
+        <p:txBody>
+          <a:bodyPr/>
+          <a:lstStyle/>
+          <a:p>
+            <a:pPr eaLnBrk="1" hangingPunct="1"/>
+            <a:r>
+              <a:rPr lang="en-GB" dirty="0"/>
+              <a:t>Business Rules</a:t>
+            </a:r>
+          </a:p>
+        </p:txBody>
+      </p:sp>
       <p:sp>
         <p:nvSpPr>
           <p:cNvPr id="4099" name="Rubrik 5"/>
@@ -27782,35 +30936,12 @@
       </p:sp>
       <p:sp>
         <p:nvSpPr>
-          <p:cNvPr id="4098" name="Underrubrik 6"/>
-          <p:cNvSpPr>
-            <a:spLocks noGrp="1"/>
-          </p:cNvSpPr>
-          <p:nvPr>
-            <p:ph type="subTitle" idx="1"/>
-          </p:nvPr>
-        </p:nvSpPr>
-        <p:spPr/>
-        <p:txBody>
-          <a:bodyPr/>
-          <a:lstStyle/>
-          <a:p>
-            <a:pPr eaLnBrk="1" hangingPunct="1"/>
-            <a:r>
-              <a:rPr lang="en-GB" dirty="0"/>
-              <a:t>Business Rules</a:t>
-            </a:r>
-          </a:p>
-        </p:txBody>
-      </p:sp>
-      <p:sp>
-        <p:nvSpPr>
           <p:cNvPr id="4101" name="Platshållare för datum 4"/>
           <p:cNvSpPr>
             <a:spLocks noGrp="1"/>
           </p:cNvSpPr>
           <p:nvPr>
-            <p:ph type="dt" sz="half" idx="10"/>
+            <p:ph type="dt" sz="half" idx="4294967295"/>
           </p:nvPr>
         </p:nvSpPr>
         <p:spPr>
@@ -27818,6 +30949,9 @@
             <a:off x="0" y="6597650"/>
             <a:ext cx="2087563" cy="260350"/>
           </a:xfrm>
+          <a:prstGeom prst="rect">
+            <a:avLst/>
+          </a:prstGeom>
         </p:spPr>
         <p:txBody>
           <a:bodyPr/>
@@ -27833,7 +30967,7 @@
               <a:pPr>
                 <a:defRPr/>
               </a:pPr>
-              <a:t>9 December, 2016</a:t>
+              <a:t>16 December, 2016</a:t>
             </a:fld>
             <a:endParaRPr lang="en-GB">
               <a:latin typeface="Arial" pitchFamily="34" charset="0"/>
@@ -27848,7 +30982,7 @@
             <a:spLocks noGrp="1"/>
           </p:cNvSpPr>
           <p:nvPr>
-            <p:ph type="sldNum" sz="quarter" idx="12"/>
+            <p:ph type="sldNum" sz="quarter" idx="4294967295"/>
           </p:nvPr>
         </p:nvSpPr>
         <p:spPr>
@@ -27856,6 +30990,9 @@
             <a:off x="8496300" y="6597650"/>
             <a:ext cx="647700" cy="260350"/>
           </a:xfrm>
+          <a:prstGeom prst="rect">
+            <a:avLst/>
+          </a:prstGeom>
         </p:spPr>
         <p:txBody>
           <a:bodyPr/>
@@ -39972,7 +43109,7 @@
         <p:spPr bwMode="auto">
           <a:xfrm>
             <a:off x="714348" y="4725144"/>
-            <a:ext cx="7715250" cy="1080120"/>
+            <a:ext cx="7715250" cy="720080"/>
           </a:xfrm>
           <a:prstGeom prst="roundRect">
             <a:avLst>
@@ -40189,22 +43326,15 @@
               <a:defRPr/>
             </a:pPr>
             <a:r>
-              <a:rPr lang="en-US" sz="1400">
+              <a:rPr lang="en-US" sz="1400" dirty="0">
                 <a:solidFill>
                   <a:schemeClr val="bg1">
                     <a:lumMod val="65000"/>
                   </a:schemeClr>
                 </a:solidFill>
               </a:rPr>
-              <a:t>Module 14: Windows Azure BizTalk Services</a:t>
+              <a:t>Extra modules</a:t>
             </a:r>
-            <a:endParaRPr lang="en-US" sz="1400" dirty="0">
-              <a:solidFill>
-                <a:schemeClr val="bg1">
-                  <a:lumMod val="65000"/>
-                </a:schemeClr>
-              </a:solidFill>
-            </a:endParaRPr>
           </a:p>
         </p:txBody>
       </p:sp>
@@ -42131,7 +45261,7 @@
         </p:spPr>
         <p:txBody>
           <a:bodyPr>
-            <a:normAutofit fontScale="92500" lnSpcReduction="20000"/>
+            <a:normAutofit fontScale="85000" lnSpcReduction="20000"/>
           </a:bodyPr>
           <a:lstStyle/>
           <a:p>
@@ -46650,8 +49780,8 @@
           </p:nvPr>
         </p:nvGraphicFramePr>
         <p:xfrm>
-          <a:off x="628650" y="1825625"/>
-          <a:ext cx="7886700" cy="4351338"/>
+          <a:off x="395288" y="1484313"/>
+          <a:ext cx="8353425" cy="4608512"/>
         </p:xfrm>
         <a:graphic>
           <a:graphicData uri="http://schemas.openxmlformats.org/drawingml/2006/diagram">
@@ -50557,6 +53687,407 @@
 </file>
 
 <file path=ppt/theme/theme2.xml><?xml version="1.0" encoding="utf-8"?>
+<a:theme xmlns:a="http://schemas.openxmlformats.org/drawingml/2006/main" name="Anpassad Addskills Theme">
+  <a:themeElements>
+    <a:clrScheme name="© 2008 Logica Slide Master 1">
+      <a:dk1>
+        <a:srgbClr val="000000"/>
+      </a:dk1>
+      <a:lt1>
+        <a:srgbClr val="FFFFFF"/>
+      </a:lt1>
+      <a:dk2>
+        <a:srgbClr val="DDDDDD"/>
+      </a:dk2>
+      <a:lt2>
+        <a:srgbClr val="5F5F5F"/>
+      </a:lt2>
+      <a:accent1>
+        <a:srgbClr val="FFCC00"/>
+      </a:accent1>
+      <a:accent2>
+        <a:srgbClr val="8D979B"/>
+      </a:accent2>
+      <a:accent3>
+        <a:srgbClr val="FFFFFF"/>
+      </a:accent3>
+      <a:accent4>
+        <a:srgbClr val="000000"/>
+      </a:accent4>
+      <a:accent5>
+        <a:srgbClr val="FFE2AA"/>
+      </a:accent5>
+      <a:accent6>
+        <a:srgbClr val="7F888C"/>
+      </a:accent6>
+      <a:hlink>
+        <a:srgbClr val="A5AA78"/>
+      </a:hlink>
+      <a:folHlink>
+        <a:srgbClr val="CE6700"/>
+      </a:folHlink>
+    </a:clrScheme>
+    <a:fontScheme name="© 2008 Logica Slide Master">
+      <a:majorFont>
+        <a:latin typeface="Arial"/>
+        <a:ea typeface=""/>
+        <a:cs typeface=""/>
+      </a:majorFont>
+      <a:minorFont>
+        <a:latin typeface="Arial"/>
+        <a:ea typeface=""/>
+        <a:cs typeface=""/>
+      </a:minorFont>
+    </a:fontScheme>
+    <a:fmtScheme name="Office">
+      <a:fillStyleLst>
+        <a:solidFill>
+          <a:schemeClr val="phClr"/>
+        </a:solidFill>
+        <a:gradFill rotWithShape="1">
+          <a:gsLst>
+            <a:gs pos="0">
+              <a:schemeClr val="phClr">
+                <a:tint val="50000"/>
+                <a:satMod val="300000"/>
+              </a:schemeClr>
+            </a:gs>
+            <a:gs pos="35000">
+              <a:schemeClr val="phClr">
+                <a:tint val="37000"/>
+                <a:satMod val="300000"/>
+              </a:schemeClr>
+            </a:gs>
+            <a:gs pos="100000">
+              <a:schemeClr val="phClr">
+                <a:tint val="15000"/>
+                <a:satMod val="350000"/>
+              </a:schemeClr>
+            </a:gs>
+          </a:gsLst>
+          <a:lin ang="16200000" scaled="1"/>
+        </a:gradFill>
+        <a:gradFill rotWithShape="1">
+          <a:gsLst>
+            <a:gs pos="0">
+              <a:schemeClr val="phClr">
+                <a:shade val="51000"/>
+                <a:satMod val="130000"/>
+              </a:schemeClr>
+            </a:gs>
+            <a:gs pos="80000">
+              <a:schemeClr val="phClr">
+                <a:shade val="93000"/>
+                <a:satMod val="130000"/>
+              </a:schemeClr>
+            </a:gs>
+            <a:gs pos="100000">
+              <a:schemeClr val="phClr">
+                <a:shade val="94000"/>
+                <a:satMod val="135000"/>
+              </a:schemeClr>
+            </a:gs>
+          </a:gsLst>
+          <a:lin ang="16200000" scaled="0"/>
+        </a:gradFill>
+      </a:fillStyleLst>
+      <a:lnStyleLst>
+        <a:ln w="9525" cap="flat" cmpd="sng" algn="ctr">
+          <a:solidFill>
+            <a:schemeClr val="phClr">
+              <a:shade val="95000"/>
+              <a:satMod val="105000"/>
+            </a:schemeClr>
+          </a:solidFill>
+          <a:prstDash val="solid"/>
+        </a:ln>
+        <a:ln w="25400" cap="flat" cmpd="sng" algn="ctr">
+          <a:solidFill>
+            <a:schemeClr val="phClr"/>
+          </a:solidFill>
+          <a:prstDash val="solid"/>
+        </a:ln>
+        <a:ln w="38100" cap="flat" cmpd="sng" algn="ctr">
+          <a:solidFill>
+            <a:schemeClr val="phClr"/>
+          </a:solidFill>
+          <a:prstDash val="solid"/>
+        </a:ln>
+      </a:lnStyleLst>
+      <a:effectStyleLst>
+        <a:effectStyle>
+          <a:effectLst>
+            <a:outerShdw blurRad="40000" dist="20000" dir="5400000" rotWithShape="0">
+              <a:srgbClr val="000000">
+                <a:alpha val="38000"/>
+              </a:srgbClr>
+            </a:outerShdw>
+          </a:effectLst>
+        </a:effectStyle>
+        <a:effectStyle>
+          <a:effectLst>
+            <a:outerShdw blurRad="40000" dist="23000" dir="5400000" rotWithShape="0">
+              <a:srgbClr val="000000">
+                <a:alpha val="35000"/>
+              </a:srgbClr>
+            </a:outerShdw>
+          </a:effectLst>
+        </a:effectStyle>
+        <a:effectStyle>
+          <a:effectLst>
+            <a:outerShdw blurRad="40000" dist="23000" dir="5400000" rotWithShape="0">
+              <a:srgbClr val="000000">
+                <a:alpha val="35000"/>
+              </a:srgbClr>
+            </a:outerShdw>
+          </a:effectLst>
+          <a:scene3d>
+            <a:camera prst="orthographicFront">
+              <a:rot lat="0" lon="0" rev="0"/>
+            </a:camera>
+            <a:lightRig rig="threePt" dir="t">
+              <a:rot lat="0" lon="0" rev="1200000"/>
+            </a:lightRig>
+          </a:scene3d>
+          <a:sp3d>
+            <a:bevelT w="63500" h="25400"/>
+          </a:sp3d>
+        </a:effectStyle>
+      </a:effectStyleLst>
+      <a:bgFillStyleLst>
+        <a:solidFill>
+          <a:schemeClr val="phClr"/>
+        </a:solidFill>
+        <a:gradFill rotWithShape="1">
+          <a:gsLst>
+            <a:gs pos="0">
+              <a:schemeClr val="phClr">
+                <a:tint val="40000"/>
+                <a:satMod val="350000"/>
+              </a:schemeClr>
+            </a:gs>
+            <a:gs pos="40000">
+              <a:schemeClr val="phClr">
+                <a:tint val="45000"/>
+                <a:shade val="99000"/>
+                <a:satMod val="350000"/>
+              </a:schemeClr>
+            </a:gs>
+            <a:gs pos="100000">
+              <a:schemeClr val="phClr">
+                <a:shade val="20000"/>
+                <a:satMod val="255000"/>
+              </a:schemeClr>
+            </a:gs>
+          </a:gsLst>
+          <a:path path="circle">
+            <a:fillToRect l="50000" t="-80000" r="50000" b="180000"/>
+          </a:path>
+        </a:gradFill>
+        <a:gradFill rotWithShape="1">
+          <a:gsLst>
+            <a:gs pos="0">
+              <a:schemeClr val="phClr">
+                <a:tint val="80000"/>
+                <a:satMod val="300000"/>
+              </a:schemeClr>
+            </a:gs>
+            <a:gs pos="100000">
+              <a:schemeClr val="phClr">
+                <a:shade val="30000"/>
+                <a:satMod val="200000"/>
+              </a:schemeClr>
+            </a:gs>
+          </a:gsLst>
+          <a:path path="circle">
+            <a:fillToRect l="50000" t="50000" r="50000" b="50000"/>
+          </a:path>
+        </a:gradFill>
+      </a:bgFillStyleLst>
+    </a:fmtScheme>
+  </a:themeElements>
+  <a:objectDefaults>
+    <a:spDef>
+      <a:spPr bwMode="auto">
+        <a:xfrm>
+          <a:off x="0" y="0"/>
+          <a:ext cx="1" cy="1"/>
+        </a:xfrm>
+        <a:custGeom>
+          <a:avLst/>
+          <a:gdLst/>
+          <a:ahLst/>
+          <a:cxnLst/>
+          <a:rect l="0" t="0" r="0" b="0"/>
+          <a:pathLst/>
+        </a:custGeom>
+        <a:solidFill>
+          <a:schemeClr val="bg1"/>
+        </a:solidFill>
+        <a:ln w="9525" cap="flat" cmpd="sng" algn="ctr">
+          <a:solidFill>
+            <a:schemeClr val="tx1"/>
+          </a:solidFill>
+          <a:prstDash val="solid"/>
+          <a:round/>
+          <a:headEnd type="none" w="med" len="med"/>
+          <a:tailEnd type="none" w="med" len="med"/>
+        </a:ln>
+        <a:effectLst/>
+      </a:spPr>
+      <a:bodyPr vert="horz" wrap="none" lIns="0" tIns="0" rIns="0" bIns="0" numCol="1" anchor="ctr" anchorCtr="0" compatLnSpc="1">
+        <a:prstTxWarp prst="textNoShape">
+          <a:avLst/>
+        </a:prstTxWarp>
+      </a:bodyPr>
+      <a:lstStyle>
+        <a:defPPr marL="0" marR="0" indent="0" algn="ctr" defTabSz="914400" rtl="0" eaLnBrk="1" fontAlgn="base" latinLnBrk="0" hangingPunct="1">
+          <a:lnSpc>
+            <a:spcPct val="100000"/>
+          </a:lnSpc>
+          <a:spcBef>
+            <a:spcPct val="0"/>
+          </a:spcBef>
+          <a:spcAft>
+            <a:spcPct val="0"/>
+          </a:spcAft>
+          <a:buClr>
+            <a:schemeClr val="bg2"/>
+          </a:buClr>
+          <a:buSzTx/>
+          <a:buFontTx/>
+          <a:buNone/>
+          <a:tabLst/>
+          <a:defRPr kumimoji="0" lang="de-DE" sz="1600" b="0" i="0" u="none" strike="noStrike" cap="none" normalizeH="0" baseline="0" smtClean="0">
+            <a:ln>
+              <a:noFill/>
+            </a:ln>
+            <a:solidFill>
+              <a:schemeClr val="tx1"/>
+            </a:solidFill>
+            <a:effectLst/>
+            <a:latin typeface="Arial" charset="0"/>
+          </a:defRPr>
+        </a:defPPr>
+      </a:lstStyle>
+    </a:spDef>
+    <a:lnDef>
+      <a:spPr bwMode="auto">
+        <a:xfrm>
+          <a:off x="0" y="0"/>
+          <a:ext cx="1" cy="1"/>
+        </a:xfrm>
+        <a:custGeom>
+          <a:avLst/>
+          <a:gdLst/>
+          <a:ahLst/>
+          <a:cxnLst/>
+          <a:rect l="0" t="0" r="0" b="0"/>
+          <a:pathLst/>
+        </a:custGeom>
+        <a:solidFill>
+          <a:schemeClr val="bg1"/>
+        </a:solidFill>
+        <a:ln w="9525" cap="flat" cmpd="sng" algn="ctr">
+          <a:solidFill>
+            <a:schemeClr val="tx1"/>
+          </a:solidFill>
+          <a:prstDash val="solid"/>
+          <a:round/>
+          <a:headEnd type="none" w="med" len="med"/>
+          <a:tailEnd type="none" w="med" len="med"/>
+        </a:ln>
+        <a:effectLst/>
+      </a:spPr>
+      <a:bodyPr vert="horz" wrap="none" lIns="0" tIns="0" rIns="0" bIns="0" numCol="1" anchor="ctr" anchorCtr="0" compatLnSpc="1">
+        <a:prstTxWarp prst="textNoShape">
+          <a:avLst/>
+        </a:prstTxWarp>
+      </a:bodyPr>
+      <a:lstStyle>
+        <a:defPPr marL="0" marR="0" indent="0" algn="ctr" defTabSz="914400" rtl="0" eaLnBrk="1" fontAlgn="base" latinLnBrk="0" hangingPunct="1">
+          <a:lnSpc>
+            <a:spcPct val="100000"/>
+          </a:lnSpc>
+          <a:spcBef>
+            <a:spcPct val="0"/>
+          </a:spcBef>
+          <a:spcAft>
+            <a:spcPct val="0"/>
+          </a:spcAft>
+          <a:buClr>
+            <a:schemeClr val="bg2"/>
+          </a:buClr>
+          <a:buSzTx/>
+          <a:buFontTx/>
+          <a:buNone/>
+          <a:tabLst/>
+          <a:defRPr kumimoji="0" lang="de-DE" sz="1600" b="0" i="0" u="none" strike="noStrike" cap="none" normalizeH="0" baseline="0" smtClean="0">
+            <a:ln>
+              <a:noFill/>
+            </a:ln>
+            <a:solidFill>
+              <a:schemeClr val="tx1"/>
+            </a:solidFill>
+            <a:effectLst/>
+            <a:latin typeface="Arial" charset="0"/>
+          </a:defRPr>
+        </a:defPPr>
+      </a:lstStyle>
+    </a:lnDef>
+  </a:objectDefaults>
+  <a:extraClrSchemeLst>
+    <a:extraClrScheme>
+      <a:clrScheme name="© 2008 Logica Slide Master 1">
+        <a:dk1>
+          <a:srgbClr val="000000"/>
+        </a:dk1>
+        <a:lt1>
+          <a:srgbClr val="FFFFFF"/>
+        </a:lt1>
+        <a:dk2>
+          <a:srgbClr val="DDDDDD"/>
+        </a:dk2>
+        <a:lt2>
+          <a:srgbClr val="5F5F5F"/>
+        </a:lt2>
+        <a:accent1>
+          <a:srgbClr val="FFCC00"/>
+        </a:accent1>
+        <a:accent2>
+          <a:srgbClr val="8D979B"/>
+        </a:accent2>
+        <a:accent3>
+          <a:srgbClr val="FFFFFF"/>
+        </a:accent3>
+        <a:accent4>
+          <a:srgbClr val="000000"/>
+        </a:accent4>
+        <a:accent5>
+          <a:srgbClr val="FFE2AA"/>
+        </a:accent5>
+        <a:accent6>
+          <a:srgbClr val="7F888C"/>
+        </a:accent6>
+        <a:hlink>
+          <a:srgbClr val="A5AA78"/>
+        </a:hlink>
+        <a:folHlink>
+          <a:srgbClr val="CE6700"/>
+        </a:folHlink>
+      </a:clrScheme>
+      <a:clrMap bg1="lt1" tx1="dk1" bg2="lt2" tx2="dk2" accent1="accent1" accent2="accent2" accent3="accent3" accent4="accent4" accent5="accent5" accent6="accent6" hlink="hlink" folHlink="folHlink"/>
+    </a:extraClrScheme>
+  </a:extraClrSchemeLst>
+  <a:extLst>
+    <a:ext uri="{05A4C25C-085E-4340-85A3-A5531E510DB2}">
+      <thm15:themeFamily xmlns:thm15="http://schemas.microsoft.com/office/thememl/2012/main" name="Default.potx" id="{50080178-9A08-4EFD-9B63-B252A6E24CE2}" vid="{E87812AB-6A0B-4E42-B8B8-4F8BBA431F6F}"/>
+    </a:ext>
+  </a:extLst>
+</a:theme>
+</file>
+
+<file path=ppt/theme/theme3.xml><?xml version="1.0" encoding="utf-8"?>
 <a:theme xmlns:a="http://schemas.openxmlformats.org/drawingml/2006/main" name="Office Theme">
   <a:themeElements>
     <a:clrScheme name="">
@@ -50839,7 +54370,7 @@
 </a:theme>
 </file>
 
-<file path=ppt/theme/theme3.xml><?xml version="1.0" encoding="utf-8"?>
+<file path=ppt/theme/theme4.xml><?xml version="1.0" encoding="utf-8"?>
 <a:theme xmlns:a="http://schemas.openxmlformats.org/drawingml/2006/main" name="Office Theme">
   <a:themeElements>
     <a:clrScheme name="">
